--- a/document/work report.pptx
+++ b/document/work report.pptx
@@ -1,26 +1,26 @@
 
 <file path=ppt/presentation.xml><?xml version="1.0" encoding="utf-8"?>
-<p:presentation xmlns:a="http://schemas.openxmlformats.org/drawingml/2006/main" xmlns:r="http://schemas.openxmlformats.org/officeDocument/2006/relationships" xmlns:p="http://schemas.openxmlformats.org/presentationml/2006/main" xmlns:m="http://schemas.openxmlformats.org/officeDocument/2006/math" xmlns:a14="http://schemas.microsoft.com/office/drawing/2010/main">
+<p:presentation xmlns:a="http://schemas.openxmlformats.org/drawingml/2006/main" xmlns:r="http://schemas.openxmlformats.org/officeDocument/2006/relationships" xmlns:p="http://schemas.openxmlformats.org/presentationml/2006/main">
   <p:sldMasterIdLst>
-    <p:sldMasterId id="2147483648" r:id="rId5"/>
+    <p:sldMasterId id="2147483648" r:id="rId1"/>
   </p:sldMasterIdLst>
   <p:notesMasterIdLst>
-    <p:notesMasterId r:id="rId7"/>
+    <p:notesMasterId r:id="rId16"/>
   </p:notesMasterIdLst>
   <p:sldIdLst>
-    <p:sldId id="256" r:id="rId8"/>
-    <p:sldId id="257" r:id="rId9"/>
-    <p:sldId id="258" r:id="rId10"/>
-    <p:sldId id="259" r:id="rId11"/>
-    <p:sldId id="260" r:id="rId12"/>
-    <p:sldId id="261" r:id="rId13"/>
-    <p:sldId id="262" r:id="rId14"/>
-    <p:sldId id="263" r:id="rId15"/>
-    <p:sldId id="264" r:id="rId16"/>
-    <p:sldId id="265" r:id="rId17"/>
-    <p:sldId id="266" r:id="rId18"/>
-    <p:sldId id="267" r:id="rId19"/>
-    <p:sldId id="268" r:id="rId20"/>
+    <p:sldId id="256" r:id="rId3"/>
+    <p:sldId id="257" r:id="rId4"/>
+    <p:sldId id="258" r:id="rId5"/>
+    <p:sldId id="259" r:id="rId6"/>
+    <p:sldId id="260" r:id="rId7"/>
+    <p:sldId id="261" r:id="rId8"/>
+    <p:sldId id="262" r:id="rId9"/>
+    <p:sldId id="265" r:id="rId10"/>
+    <p:sldId id="263" r:id="rId11"/>
+    <p:sldId id="264" r:id="rId12"/>
+    <p:sldId id="266" r:id="rId13"/>
+    <p:sldId id="267" r:id="rId14"/>
+    <p:sldId id="268" r:id="rId15"/>
   </p:sldIdLst>
   <p:sldSz cx="12192000" cy="6858000"/>
   <p:notesSz cx="6858000" cy="9144000"/>
@@ -39,8 +39,7 @@
       <a:buSzTx/>
       <a:buFontTx/>
       <a:buNone/>
-      <a:tabLst/>
-      <a:defRPr b="0" baseline="0" cap="none" i="0" spc="0" strike="noStrike" sz="1800" u="none" kumimoji="0" normalizeH="0">
+      <a:defRPr kumimoji="0" sz="1800" b="0" i="0" u="none" strike="noStrike" cap="none" spc="0" normalizeH="0" baseline="0">
         <a:ln>
           <a:noFill/>
         </a:ln>
@@ -65,8 +64,7 @@
       <a:buSzTx/>
       <a:buFontTx/>
       <a:buNone/>
-      <a:tabLst/>
-      <a:defRPr b="0" baseline="0" cap="none" i="0" spc="0" strike="noStrike" sz="1800" u="none" kumimoji="0" normalizeH="0">
+      <a:defRPr kumimoji="0" sz="1800" b="0" i="0" u="none" strike="noStrike" cap="none" spc="0" normalizeH="0" baseline="0">
         <a:ln>
           <a:noFill/>
         </a:ln>
@@ -95,8 +93,7 @@
       <a:buSzTx/>
       <a:buFontTx/>
       <a:buNone/>
-      <a:tabLst/>
-      <a:defRPr b="0" baseline="0" cap="none" i="0" spc="0" strike="noStrike" sz="1800" u="none" kumimoji="0" normalizeH="0">
+      <a:defRPr kumimoji="0" sz="1800" b="0" i="0" u="none" strike="noStrike" cap="none" spc="0" normalizeH="0" baseline="0">
         <a:ln>
           <a:noFill/>
         </a:ln>
@@ -125,8 +122,7 @@
       <a:buSzTx/>
       <a:buFontTx/>
       <a:buNone/>
-      <a:tabLst/>
-      <a:defRPr b="0" baseline="0" cap="none" i="0" spc="0" strike="noStrike" sz="1800" u="none" kumimoji="0" normalizeH="0">
+      <a:defRPr kumimoji="0" sz="1800" b="0" i="0" u="none" strike="noStrike" cap="none" spc="0" normalizeH="0" baseline="0">
         <a:ln>
           <a:noFill/>
         </a:ln>
@@ -155,8 +151,7 @@
       <a:buSzTx/>
       <a:buFontTx/>
       <a:buNone/>
-      <a:tabLst/>
-      <a:defRPr b="0" baseline="0" cap="none" i="0" spc="0" strike="noStrike" sz="1800" u="none" kumimoji="0" normalizeH="0">
+      <a:defRPr kumimoji="0" sz="1800" b="0" i="0" u="none" strike="noStrike" cap="none" spc="0" normalizeH="0" baseline="0">
         <a:ln>
           <a:noFill/>
         </a:ln>
@@ -185,8 +180,7 @@
       <a:buSzTx/>
       <a:buFontTx/>
       <a:buNone/>
-      <a:tabLst/>
-      <a:defRPr b="0" baseline="0" cap="none" i="0" spc="0" strike="noStrike" sz="1800" u="none" kumimoji="0" normalizeH="0">
+      <a:defRPr kumimoji="0" sz="1800" b="0" i="0" u="none" strike="noStrike" cap="none" spc="0" normalizeH="0" baseline="0">
         <a:ln>
           <a:noFill/>
         </a:ln>
@@ -215,8 +209,7 @@
       <a:buSzTx/>
       <a:buFontTx/>
       <a:buNone/>
-      <a:tabLst/>
-      <a:defRPr b="0" baseline="0" cap="none" i="0" spc="0" strike="noStrike" sz="1800" u="none" kumimoji="0" normalizeH="0">
+      <a:defRPr kumimoji="0" sz="1800" b="0" i="0" u="none" strike="noStrike" cap="none" spc="0" normalizeH="0" baseline="0">
         <a:ln>
           <a:noFill/>
         </a:ln>
@@ -245,8 +238,7 @@
       <a:buSzTx/>
       <a:buFontTx/>
       <a:buNone/>
-      <a:tabLst/>
-      <a:defRPr b="0" baseline="0" cap="none" i="0" spc="0" strike="noStrike" sz="1800" u="none" kumimoji="0" normalizeH="0">
+      <a:defRPr kumimoji="0" sz="1800" b="0" i="0" u="none" strike="noStrike" cap="none" spc="0" normalizeH="0" baseline="0">
         <a:ln>
           <a:noFill/>
         </a:ln>
@@ -275,8 +267,7 @@
       <a:buSzTx/>
       <a:buFontTx/>
       <a:buNone/>
-      <a:tabLst/>
-      <a:defRPr b="0" baseline="0" cap="none" i="0" spc="0" strike="noStrike" sz="1800" u="none" kumimoji="0" normalizeH="0">
+      <a:defRPr kumimoji="0" sz="1800" b="0" i="0" u="none" strike="noStrike" cap="none" spc="0" normalizeH="0" baseline="0">
         <a:ln>
           <a:noFill/>
         </a:ln>
@@ -305,8 +296,7 @@
       <a:buSzTx/>
       <a:buFontTx/>
       <a:buNone/>
-      <a:tabLst/>
-      <a:defRPr b="0" baseline="0" cap="none" i="0" spc="0" strike="noStrike" sz="1800" u="none" kumimoji="0" normalizeH="0">
+      <a:defRPr kumimoji="0" sz="1800" b="0" i="0" u="none" strike="noStrike" cap="none" spc="0" normalizeH="0" baseline="0">
         <a:ln>
           <a:noFill/>
         </a:ln>
@@ -325,13 +315,14 @@
 </p:presentation>
 </file>
 
-<file path=ppt/commentAuthors.xml><?xml version="1.0" encoding="utf-8"?>
-<p:cmAuthorLst xmlns:a="http://schemas.openxmlformats.org/drawingml/2006/main" xmlns:r="http://schemas.openxmlformats.org/officeDocument/2006/relationships" xmlns:p="http://schemas.openxmlformats.org/presentationml/2006/main" xmlns:m="http://schemas.openxmlformats.org/officeDocument/2006/math" xmlns:a14="http://schemas.microsoft.com/office/drawing/2010/main"/>
-</file>
-
 <file path=ppt/notesMasters/notesMaster1.xml><?xml version="1.0" encoding="utf-8"?>
-<p:notesMaster xmlns:a="http://schemas.openxmlformats.org/drawingml/2006/main" xmlns:r="http://schemas.openxmlformats.org/officeDocument/2006/relationships" xmlns:p="http://schemas.openxmlformats.org/presentationml/2006/main" xmlns:m="http://schemas.openxmlformats.org/officeDocument/2006/math" xmlns:a14="http://schemas.microsoft.com/office/drawing/2010/main">
+<p:notesMaster xmlns:a="http://schemas.openxmlformats.org/drawingml/2006/main" xmlns:r="http://schemas.openxmlformats.org/officeDocument/2006/relationships" xmlns:p="http://schemas.openxmlformats.org/presentationml/2006/main">
   <p:cSld>
+    <p:bg>
+      <p:bgRef idx="1001">
+        <a:schemeClr val="bg1"/>
+      </p:bgRef>
+    </p:bg>
     <p:spTree>
       <p:nvGrpSpPr>
         <p:cNvPr id="1" name=""/>
@@ -366,9 +357,7 @@
         <p:txBody>
           <a:bodyPr/>
           <a:lstStyle/>
-          <a:p>
-            <a:pPr/>
-          </a:p>
+          <a:p/>
         </p:txBody>
       </p:sp>
       <p:sp>
@@ -391,9 +380,7 @@
         <p:txBody>
           <a:bodyPr/>
           <a:lstStyle/>
-          <a:p>
-            <a:pPr/>
-          </a:p>
+          <a:p/>
         </p:txBody>
       </p:sp>
     </p:spTree>
@@ -405,7 +392,7 @@
         <a:latin typeface="+mn-lt"/>
         <a:ea typeface="+mn-ea"/>
         <a:cs typeface="+mn-cs"/>
-        <a:sym typeface="Calibri"/>
+        <a:sym typeface="Calibri" panose="020F0502020204030204"/>
       </a:defRPr>
     </a:lvl1pPr>
     <a:lvl2pPr indent="228600" latinLnBrk="0">
@@ -413,7 +400,7 @@
         <a:latin typeface="+mn-lt"/>
         <a:ea typeface="+mn-ea"/>
         <a:cs typeface="+mn-cs"/>
-        <a:sym typeface="Calibri"/>
+        <a:sym typeface="Calibri" panose="020F0502020204030204"/>
       </a:defRPr>
     </a:lvl2pPr>
     <a:lvl3pPr indent="457200" latinLnBrk="0">
@@ -421,7 +408,7 @@
         <a:latin typeface="+mn-lt"/>
         <a:ea typeface="+mn-ea"/>
         <a:cs typeface="+mn-cs"/>
-        <a:sym typeface="Calibri"/>
+        <a:sym typeface="Calibri" panose="020F0502020204030204"/>
       </a:defRPr>
     </a:lvl3pPr>
     <a:lvl4pPr indent="685800" latinLnBrk="0">
@@ -429,7 +416,7 @@
         <a:latin typeface="+mn-lt"/>
         <a:ea typeface="+mn-ea"/>
         <a:cs typeface="+mn-cs"/>
-        <a:sym typeface="Calibri"/>
+        <a:sym typeface="Calibri" panose="020F0502020204030204"/>
       </a:defRPr>
     </a:lvl4pPr>
     <a:lvl5pPr indent="914400" latinLnBrk="0">
@@ -437,7 +424,7 @@
         <a:latin typeface="+mn-lt"/>
         <a:ea typeface="+mn-ea"/>
         <a:cs typeface="+mn-cs"/>
-        <a:sym typeface="Calibri"/>
+        <a:sym typeface="Calibri" panose="020F0502020204030204"/>
       </a:defRPr>
     </a:lvl5pPr>
     <a:lvl6pPr indent="1143000" latinLnBrk="0">
@@ -445,7 +432,7 @@
         <a:latin typeface="+mn-lt"/>
         <a:ea typeface="+mn-ea"/>
         <a:cs typeface="+mn-cs"/>
-        <a:sym typeface="Calibri"/>
+        <a:sym typeface="Calibri" panose="020F0502020204030204"/>
       </a:defRPr>
     </a:lvl6pPr>
     <a:lvl7pPr indent="1371600" latinLnBrk="0">
@@ -453,7 +440,7 @@
         <a:latin typeface="+mn-lt"/>
         <a:ea typeface="+mn-ea"/>
         <a:cs typeface="+mn-cs"/>
-        <a:sym typeface="Calibri"/>
+        <a:sym typeface="Calibri" panose="020F0502020204030204"/>
       </a:defRPr>
     </a:lvl7pPr>
     <a:lvl8pPr indent="1600200" latinLnBrk="0">
@@ -461,7 +448,7 @@
         <a:latin typeface="+mn-lt"/>
         <a:ea typeface="+mn-ea"/>
         <a:cs typeface="+mn-cs"/>
-        <a:sym typeface="Calibri"/>
+        <a:sym typeface="Calibri" panose="020F0502020204030204"/>
       </a:defRPr>
     </a:lvl8pPr>
     <a:lvl9pPr indent="1828800" latinLnBrk="0">
@@ -469,7 +456,7 @@
         <a:latin typeface="+mn-lt"/>
         <a:ea typeface="+mn-ea"/>
         <a:cs typeface="+mn-cs"/>
-        <a:sym typeface="Calibri"/>
+        <a:sym typeface="Calibri" panose="020F0502020204030204"/>
       </a:defRPr>
     </a:lvl9pPr>
   </p:notesStyle>
@@ -477,7 +464,7 @@
 </file>
 
 <file path=ppt/slideLayouts/slideLayout1.xml><?xml version="1.0" encoding="utf-8"?>
-<p:sldLayout xmlns:a="http://schemas.openxmlformats.org/drawingml/2006/main" xmlns:r="http://schemas.openxmlformats.org/officeDocument/2006/relationships" xmlns:p="http://schemas.openxmlformats.org/presentationml/2006/main" xmlns:m="http://schemas.openxmlformats.org/officeDocument/2006/math" xmlns:a14="http://schemas.microsoft.com/office/drawing/2010/main" type="title" showMasterSp="1" showMasterPhAnim="1">
+<p:sldLayout xmlns:a="http://schemas.openxmlformats.org/drawingml/2006/main" xmlns:r="http://schemas.openxmlformats.org/officeDocument/2006/relationships" xmlns:p="http://schemas.openxmlformats.org/presentationml/2006/main" type="title">
   <p:cSld name="标题幻灯片">
     <p:spTree>
       <p:nvGrpSpPr>
@@ -498,7 +485,7 @@
           <p:cNvPr id="11" name="标题文本"/>
           <p:cNvSpPr txBox="1"/>
           <p:nvPr>
-            <p:ph type="title"/>
+            <p:ph type="title" hasCustomPrompt="1"/>
           </p:nvPr>
         </p:nvSpPr>
         <p:spPr>
@@ -518,7 +505,6 @@
             </a:lvl1pPr>
           </a:lstStyle>
           <a:p>
-            <a:pPr/>
             <a:r>
               <a:t>标题文本</a:t>
             </a:r>
@@ -530,7 +516,7 @@
           <p:cNvPr id="12" name="正文级别 1…"/>
           <p:cNvSpPr txBox="1"/>
           <p:nvPr>
-            <p:ph type="body" sz="quarter" idx="1"/>
+            <p:ph type="body" sz="quarter" idx="1" hasCustomPrompt="1"/>
           </p:nvPr>
         </p:nvSpPr>
         <p:spPr>
@@ -577,7 +563,6 @@
             </a:lvl5pPr>
           </a:lstStyle>
           <a:p>
-            <a:pPr/>
             <a:r>
               <a:t>正文级别 1</a:t>
             </a:r>
@@ -625,8 +610,10 @@
           <a:bodyPr/>
           <a:lstStyle/>
           <a:p>
-            <a:pPr/>
-            <a:fld id="{86CB4B4D-7CA3-9044-876B-883B54F8677D}" type="slidenum"/>
+            <a:fld id="{86CB4B4D-7CA3-9044-876B-883B54F8677D}" type="slidenum">
+              <a:rPr/>
+            </a:fld>
+            <a:endParaRPr/>
           </a:p>
         </p:txBody>
       </p:sp>
@@ -635,12 +622,12 @@
   <p:clrMapOvr>
     <a:masterClrMapping/>
   </p:clrMapOvr>
-  <p:transition xmlns:p14="http://schemas.microsoft.com/office/powerpoint/2010/main" spd="med" advClick="1"/>
+  <p:transition spd="med"/>
 </p:sldLayout>
 </file>
 
 <file path=ppt/slideLayouts/slideLayout10.xml><?xml version="1.0" encoding="utf-8"?>
-<p:sldLayout xmlns:a="http://schemas.openxmlformats.org/drawingml/2006/main" xmlns:r="http://schemas.openxmlformats.org/officeDocument/2006/relationships" xmlns:p="http://schemas.openxmlformats.org/presentationml/2006/main" xmlns:m="http://schemas.openxmlformats.org/officeDocument/2006/math" xmlns:a14="http://schemas.microsoft.com/office/drawing/2010/main" type="tx" showMasterSp="1" showMasterPhAnim="1">
+<p:sldLayout xmlns:a="http://schemas.openxmlformats.org/drawingml/2006/main" xmlns:r="http://schemas.openxmlformats.org/officeDocument/2006/relationships" xmlns:p="http://schemas.openxmlformats.org/presentationml/2006/main" type="tx">
   <p:cSld name="标题幻灯片">
     <p:spTree>
       <p:nvGrpSpPr>
@@ -661,7 +648,7 @@
           <p:cNvPr id="92" name="标题文本"/>
           <p:cNvSpPr txBox="1"/>
           <p:nvPr>
-            <p:ph type="title"/>
+            <p:ph type="title" hasCustomPrompt="1"/>
           </p:nvPr>
         </p:nvSpPr>
         <p:spPr>
@@ -681,7 +668,6 @@
             </a:lvl1pPr>
           </a:lstStyle>
           <a:p>
-            <a:pPr/>
             <a:r>
               <a:t>标题文本</a:t>
             </a:r>
@@ -693,7 +679,7 @@
           <p:cNvPr id="93" name="正文级别 1…"/>
           <p:cNvSpPr txBox="1"/>
           <p:nvPr>
-            <p:ph type="body" sz="quarter" idx="1"/>
+            <p:ph type="body" sz="quarter" idx="1" hasCustomPrompt="1"/>
           </p:nvPr>
         </p:nvSpPr>
         <p:spPr>
@@ -740,7 +726,6 @@
             </a:lvl5pPr>
           </a:lstStyle>
           <a:p>
-            <a:pPr/>
             <a:r>
               <a:t>正文级别 1</a:t>
             </a:r>
@@ -788,8 +773,10 @@
           <a:bodyPr/>
           <a:lstStyle/>
           <a:p>
-            <a:pPr/>
-            <a:fld id="{86CB4B4D-7CA3-9044-876B-883B54F8677D}" type="slidenum"/>
+            <a:fld id="{86CB4B4D-7CA3-9044-876B-883B54F8677D}" type="slidenum">
+              <a:rPr/>
+            </a:fld>
+            <a:endParaRPr/>
           </a:p>
         </p:txBody>
       </p:sp>
@@ -798,12 +785,12 @@
   <p:clrMapOvr>
     <a:masterClrMapping/>
   </p:clrMapOvr>
-  <p:transition xmlns:p14="http://schemas.microsoft.com/office/powerpoint/2010/main" spd="med" advClick="1"/>
+  <p:transition spd="med"/>
 </p:sldLayout>
 </file>
 
 <file path=ppt/slideLayouts/slideLayout11.xml><?xml version="1.0" encoding="utf-8"?>
-<p:sldLayout xmlns:a="http://schemas.openxmlformats.org/drawingml/2006/main" xmlns:r="http://schemas.openxmlformats.org/officeDocument/2006/relationships" xmlns:p="http://schemas.openxmlformats.org/presentationml/2006/main" xmlns:m="http://schemas.openxmlformats.org/officeDocument/2006/math" xmlns:a14="http://schemas.microsoft.com/office/drawing/2010/main" type="tx" showMasterSp="1" showMasterPhAnim="1">
+<p:sldLayout xmlns:a="http://schemas.openxmlformats.org/drawingml/2006/main" xmlns:r="http://schemas.openxmlformats.org/officeDocument/2006/relationships" xmlns:p="http://schemas.openxmlformats.org/presentationml/2006/main" type="tx">
   <p:cSld name="标题和内容">
     <p:spTree>
       <p:nvGrpSpPr>
@@ -824,7 +811,7 @@
           <p:cNvPr id="101" name="标题文本"/>
           <p:cNvSpPr txBox="1"/>
           <p:nvPr>
-            <p:ph type="title"/>
+            <p:ph type="title" hasCustomPrompt="1"/>
           </p:nvPr>
         </p:nvSpPr>
         <p:spPr>
@@ -836,7 +823,6 @@
           <a:bodyPr/>
           <a:lstStyle/>
           <a:p>
-            <a:pPr/>
             <a:r>
               <a:t>标题文本</a:t>
             </a:r>
@@ -848,7 +834,7 @@
           <p:cNvPr id="102" name="正文级别 1…"/>
           <p:cNvSpPr txBox="1"/>
           <p:nvPr>
-            <p:ph type="body" idx="1"/>
+            <p:ph type="body" idx="1" hasCustomPrompt="1"/>
           </p:nvPr>
         </p:nvSpPr>
         <p:spPr>
@@ -860,7 +846,6 @@
           <a:bodyPr/>
           <a:lstStyle/>
           <a:p>
-            <a:pPr/>
             <a:r>
               <a:t>正文级别 1</a:t>
             </a:r>
@@ -908,8 +893,10 @@
           <a:bodyPr/>
           <a:lstStyle/>
           <a:p>
-            <a:pPr/>
-            <a:fld id="{86CB4B4D-7CA3-9044-876B-883B54F8677D}" type="slidenum"/>
+            <a:fld id="{86CB4B4D-7CA3-9044-876B-883B54F8677D}" type="slidenum">
+              <a:rPr/>
+            </a:fld>
+            <a:endParaRPr/>
           </a:p>
         </p:txBody>
       </p:sp>
@@ -918,12 +905,12 @@
   <p:clrMapOvr>
     <a:masterClrMapping/>
   </p:clrMapOvr>
-  <p:transition xmlns:p14="http://schemas.microsoft.com/office/powerpoint/2010/main" spd="med" advClick="1"/>
+  <p:transition spd="med"/>
 </p:sldLayout>
 </file>
 
 <file path=ppt/slideLayouts/slideLayout12.xml><?xml version="1.0" encoding="utf-8"?>
-<p:sldLayout xmlns:a="http://schemas.openxmlformats.org/drawingml/2006/main" xmlns:r="http://schemas.openxmlformats.org/officeDocument/2006/relationships" xmlns:p="http://schemas.openxmlformats.org/presentationml/2006/main" xmlns:m="http://schemas.openxmlformats.org/officeDocument/2006/math" xmlns:a14="http://schemas.microsoft.com/office/drawing/2010/main" type="tx" showMasterSp="1" showMasterPhAnim="1">
+<p:sldLayout xmlns:a="http://schemas.openxmlformats.org/drawingml/2006/main" xmlns:r="http://schemas.openxmlformats.org/officeDocument/2006/relationships" xmlns:p="http://schemas.openxmlformats.org/presentationml/2006/main" type="tx">
   <p:cSld name="节标题">
     <p:spTree>
       <p:nvGrpSpPr>
@@ -944,7 +931,7 @@
           <p:cNvPr id="110" name="标题文本"/>
           <p:cNvSpPr txBox="1"/>
           <p:nvPr>
-            <p:ph type="title"/>
+            <p:ph type="title" hasCustomPrompt="1"/>
           </p:nvPr>
         </p:nvSpPr>
         <p:spPr>
@@ -964,7 +951,6 @@
             </a:lvl1pPr>
           </a:lstStyle>
           <a:p>
-            <a:pPr/>
             <a:r>
               <a:t>标题文本</a:t>
             </a:r>
@@ -976,7 +962,7 @@
           <p:cNvPr id="111" name="正文级别 1…"/>
           <p:cNvSpPr txBox="1"/>
           <p:nvPr>
-            <p:ph type="body" sz="quarter" idx="1"/>
+            <p:ph type="body" sz="quarter" idx="1" hasCustomPrompt="1"/>
           </p:nvPr>
         </p:nvSpPr>
         <p:spPr>
@@ -1043,7 +1029,6 @@
             </a:lvl5pPr>
           </a:lstStyle>
           <a:p>
-            <a:pPr/>
             <a:r>
               <a:t>正文级别 1</a:t>
             </a:r>
@@ -1091,8 +1076,10 @@
           <a:bodyPr/>
           <a:lstStyle/>
           <a:p>
-            <a:pPr/>
-            <a:fld id="{86CB4B4D-7CA3-9044-876B-883B54F8677D}" type="slidenum"/>
+            <a:fld id="{86CB4B4D-7CA3-9044-876B-883B54F8677D}" type="slidenum">
+              <a:rPr/>
+            </a:fld>
+            <a:endParaRPr/>
           </a:p>
         </p:txBody>
       </p:sp>
@@ -1101,12 +1088,12 @@
   <p:clrMapOvr>
     <a:masterClrMapping/>
   </p:clrMapOvr>
-  <p:transition xmlns:p14="http://schemas.microsoft.com/office/powerpoint/2010/main" spd="med" advClick="1"/>
+  <p:transition spd="med"/>
 </p:sldLayout>
 </file>
 
 <file path=ppt/slideLayouts/slideLayout13.xml><?xml version="1.0" encoding="utf-8"?>
-<p:sldLayout xmlns:a="http://schemas.openxmlformats.org/drawingml/2006/main" xmlns:r="http://schemas.openxmlformats.org/officeDocument/2006/relationships" xmlns:p="http://schemas.openxmlformats.org/presentationml/2006/main" xmlns:m="http://schemas.openxmlformats.org/officeDocument/2006/math" xmlns:a14="http://schemas.microsoft.com/office/drawing/2010/main" type="tx" showMasterSp="1" showMasterPhAnim="1">
+<p:sldLayout xmlns:a="http://schemas.openxmlformats.org/drawingml/2006/main" xmlns:r="http://schemas.openxmlformats.org/officeDocument/2006/relationships" xmlns:p="http://schemas.openxmlformats.org/presentationml/2006/main" type="tx">
   <p:cSld name="两栏内容">
     <p:spTree>
       <p:nvGrpSpPr>
@@ -1127,7 +1114,7 @@
           <p:cNvPr id="119" name="标题文本"/>
           <p:cNvSpPr txBox="1"/>
           <p:nvPr>
-            <p:ph type="title"/>
+            <p:ph type="title" hasCustomPrompt="1"/>
           </p:nvPr>
         </p:nvSpPr>
         <p:spPr>
@@ -1139,7 +1126,6 @@
           <a:bodyPr/>
           <a:lstStyle/>
           <a:p>
-            <a:pPr/>
             <a:r>
               <a:t>标题文本</a:t>
             </a:r>
@@ -1151,7 +1137,7 @@
           <p:cNvPr id="120" name="正文级别 1…"/>
           <p:cNvSpPr txBox="1"/>
           <p:nvPr>
-            <p:ph type="body" sz="half" idx="1"/>
+            <p:ph type="body" sz="half" idx="1" hasCustomPrompt="1"/>
           </p:nvPr>
         </p:nvSpPr>
         <p:spPr>
@@ -1167,7 +1153,6 @@
           <a:bodyPr/>
           <a:lstStyle/>
           <a:p>
-            <a:pPr/>
             <a:r>
               <a:t>正文级别 1</a:t>
             </a:r>
@@ -1215,8 +1200,10 @@
           <a:bodyPr/>
           <a:lstStyle/>
           <a:p>
-            <a:pPr/>
-            <a:fld id="{86CB4B4D-7CA3-9044-876B-883B54F8677D}" type="slidenum"/>
+            <a:fld id="{86CB4B4D-7CA3-9044-876B-883B54F8677D}" type="slidenum">
+              <a:rPr/>
+            </a:fld>
+            <a:endParaRPr/>
           </a:p>
         </p:txBody>
       </p:sp>
@@ -1225,12 +1212,12 @@
   <p:clrMapOvr>
     <a:masterClrMapping/>
   </p:clrMapOvr>
-  <p:transition xmlns:p14="http://schemas.microsoft.com/office/powerpoint/2010/main" spd="med" advClick="1"/>
+  <p:transition spd="med"/>
 </p:sldLayout>
 </file>
 
 <file path=ppt/slideLayouts/slideLayout14.xml><?xml version="1.0" encoding="utf-8"?>
-<p:sldLayout xmlns:a="http://schemas.openxmlformats.org/drawingml/2006/main" xmlns:r="http://schemas.openxmlformats.org/officeDocument/2006/relationships" xmlns:p="http://schemas.openxmlformats.org/presentationml/2006/main" xmlns:m="http://schemas.openxmlformats.org/officeDocument/2006/math" xmlns:a14="http://schemas.microsoft.com/office/drawing/2010/main" type="tx" showMasterSp="1" showMasterPhAnim="1">
+<p:sldLayout xmlns:a="http://schemas.openxmlformats.org/drawingml/2006/main" xmlns:r="http://schemas.openxmlformats.org/officeDocument/2006/relationships" xmlns:p="http://schemas.openxmlformats.org/presentationml/2006/main" type="tx">
   <p:cSld name="比较">
     <p:spTree>
       <p:nvGrpSpPr>
@@ -1251,7 +1238,7 @@
           <p:cNvPr id="128" name="标题文本"/>
           <p:cNvSpPr txBox="1"/>
           <p:nvPr>
-            <p:ph type="title"/>
+            <p:ph type="title" hasCustomPrompt="1"/>
           </p:nvPr>
         </p:nvSpPr>
         <p:spPr>
@@ -1267,7 +1254,6 @@
           <a:bodyPr/>
           <a:lstStyle/>
           <a:p>
-            <a:pPr/>
             <a:r>
               <a:t>标题文本</a:t>
             </a:r>
@@ -1279,7 +1265,7 @@
           <p:cNvPr id="129" name="正文级别 1…"/>
           <p:cNvSpPr txBox="1"/>
           <p:nvPr>
-            <p:ph type="body" sz="quarter" idx="1"/>
+            <p:ph type="body" sz="quarter" idx="1" hasCustomPrompt="1"/>
           </p:nvPr>
         </p:nvSpPr>
         <p:spPr>
@@ -1298,35 +1284,34 @@
               <a:buSzTx/>
               <a:buFontTx/>
               <a:buNone/>
-              <a:defRPr b="1" sz="2400"/>
+              <a:defRPr sz="2400" b="1"/>
             </a:lvl1pPr>
             <a:lvl2pPr marL="0" indent="0">
               <a:buSzTx/>
               <a:buFontTx/>
               <a:buNone/>
-              <a:defRPr b="1" sz="2400"/>
+              <a:defRPr sz="2400" b="1"/>
             </a:lvl2pPr>
             <a:lvl3pPr marL="0" indent="0">
               <a:buSzTx/>
               <a:buFontTx/>
               <a:buNone/>
-              <a:defRPr b="1" sz="2400"/>
+              <a:defRPr sz="2400" b="1"/>
             </a:lvl3pPr>
             <a:lvl4pPr marL="0" indent="0">
               <a:buSzTx/>
               <a:buFontTx/>
               <a:buNone/>
-              <a:defRPr b="1" sz="2400"/>
+              <a:defRPr sz="2400" b="1"/>
             </a:lvl4pPr>
             <a:lvl5pPr marL="0" indent="0">
               <a:buSzTx/>
               <a:buFontTx/>
               <a:buNone/>
-              <a:defRPr b="1" sz="2400"/>
+              <a:defRPr sz="2400" b="1"/>
             </a:lvl5pPr>
           </a:lstStyle>
           <a:p>
-            <a:pPr/>
             <a:r>
               <a:t>正文级别 1</a:t>
             </a:r>
@@ -1377,9 +1362,7 @@
         <p:txBody>
           <a:bodyPr anchor="b"/>
           <a:lstStyle/>
-          <a:p>
-            <a:pPr/>
-          </a:p>
+          <a:p/>
         </p:txBody>
       </p:sp>
       <p:sp>
@@ -1399,8 +1382,10 @@
           <a:bodyPr/>
           <a:lstStyle/>
           <a:p>
-            <a:pPr/>
-            <a:fld id="{86CB4B4D-7CA3-9044-876B-883B54F8677D}" type="slidenum"/>
+            <a:fld id="{86CB4B4D-7CA3-9044-876B-883B54F8677D}" type="slidenum">
+              <a:rPr/>
+            </a:fld>
+            <a:endParaRPr/>
           </a:p>
         </p:txBody>
       </p:sp>
@@ -1409,12 +1394,12 @@
   <p:clrMapOvr>
     <a:masterClrMapping/>
   </p:clrMapOvr>
-  <p:transition xmlns:p14="http://schemas.microsoft.com/office/powerpoint/2010/main" spd="med" advClick="1"/>
+  <p:transition spd="med"/>
 </p:sldLayout>
 </file>
 
 <file path=ppt/slideLayouts/slideLayout15.xml><?xml version="1.0" encoding="utf-8"?>
-<p:sldLayout xmlns:a="http://schemas.openxmlformats.org/drawingml/2006/main" xmlns:r="http://schemas.openxmlformats.org/officeDocument/2006/relationships" xmlns:p="http://schemas.openxmlformats.org/presentationml/2006/main" xmlns:m="http://schemas.openxmlformats.org/officeDocument/2006/math" xmlns:a14="http://schemas.microsoft.com/office/drawing/2010/main" type="tx" showMasterSp="1" showMasterPhAnim="1">
+<p:sldLayout xmlns:a="http://schemas.openxmlformats.org/drawingml/2006/main" xmlns:r="http://schemas.openxmlformats.org/officeDocument/2006/relationships" xmlns:p="http://schemas.openxmlformats.org/presentationml/2006/main" type="tx">
   <p:cSld name="仅标题">
     <p:spTree>
       <p:nvGrpSpPr>
@@ -1435,7 +1420,7 @@
           <p:cNvPr id="138" name="标题文本"/>
           <p:cNvSpPr txBox="1"/>
           <p:nvPr>
-            <p:ph type="title"/>
+            <p:ph type="title" hasCustomPrompt="1"/>
           </p:nvPr>
         </p:nvSpPr>
         <p:spPr>
@@ -1447,7 +1432,6 @@
           <a:bodyPr/>
           <a:lstStyle/>
           <a:p>
-            <a:pPr/>
             <a:r>
               <a:t>标题文本</a:t>
             </a:r>
@@ -1471,8 +1455,10 @@
           <a:bodyPr/>
           <a:lstStyle/>
           <a:p>
-            <a:pPr/>
-            <a:fld id="{86CB4B4D-7CA3-9044-876B-883B54F8677D}" type="slidenum"/>
+            <a:fld id="{86CB4B4D-7CA3-9044-876B-883B54F8677D}" type="slidenum">
+              <a:rPr/>
+            </a:fld>
+            <a:endParaRPr/>
           </a:p>
         </p:txBody>
       </p:sp>
@@ -1481,12 +1467,12 @@
   <p:clrMapOvr>
     <a:masterClrMapping/>
   </p:clrMapOvr>
-  <p:transition xmlns:p14="http://schemas.microsoft.com/office/powerpoint/2010/main" spd="med" advClick="1"/>
+  <p:transition spd="med"/>
 </p:sldLayout>
 </file>
 
 <file path=ppt/slideLayouts/slideLayout16.xml><?xml version="1.0" encoding="utf-8"?>
-<p:sldLayout xmlns:a="http://schemas.openxmlformats.org/drawingml/2006/main" xmlns:r="http://schemas.openxmlformats.org/officeDocument/2006/relationships" xmlns:p="http://schemas.openxmlformats.org/presentationml/2006/main" xmlns:m="http://schemas.openxmlformats.org/officeDocument/2006/math" xmlns:a14="http://schemas.microsoft.com/office/drawing/2010/main" type="tx" showMasterSp="1" showMasterPhAnim="1">
+<p:sldLayout xmlns:a="http://schemas.openxmlformats.org/drawingml/2006/main" xmlns:r="http://schemas.openxmlformats.org/officeDocument/2006/relationships" xmlns:p="http://schemas.openxmlformats.org/presentationml/2006/main" type="tx">
   <p:cSld name="空白">
     <p:spTree>
       <p:nvGrpSpPr>
@@ -1519,8 +1505,10 @@
           <a:bodyPr/>
           <a:lstStyle/>
           <a:p>
-            <a:pPr/>
-            <a:fld id="{86CB4B4D-7CA3-9044-876B-883B54F8677D}" type="slidenum"/>
+            <a:fld id="{86CB4B4D-7CA3-9044-876B-883B54F8677D}" type="slidenum">
+              <a:rPr/>
+            </a:fld>
+            <a:endParaRPr/>
           </a:p>
         </p:txBody>
       </p:sp>
@@ -1529,12 +1517,12 @@
   <p:clrMapOvr>
     <a:masterClrMapping/>
   </p:clrMapOvr>
-  <p:transition xmlns:p14="http://schemas.microsoft.com/office/powerpoint/2010/main" spd="med" advClick="1"/>
+  <p:transition spd="med"/>
 </p:sldLayout>
 </file>
 
 <file path=ppt/slideLayouts/slideLayout17.xml><?xml version="1.0" encoding="utf-8"?>
-<p:sldLayout xmlns:a="http://schemas.openxmlformats.org/drawingml/2006/main" xmlns:r="http://schemas.openxmlformats.org/officeDocument/2006/relationships" xmlns:p="http://schemas.openxmlformats.org/presentationml/2006/main" xmlns:m="http://schemas.openxmlformats.org/officeDocument/2006/math" xmlns:a14="http://schemas.microsoft.com/office/drawing/2010/main" type="tx" showMasterSp="1" showMasterPhAnim="1">
+<p:sldLayout xmlns:a="http://schemas.openxmlformats.org/drawingml/2006/main" xmlns:r="http://schemas.openxmlformats.org/officeDocument/2006/relationships" xmlns:p="http://schemas.openxmlformats.org/presentationml/2006/main" type="tx">
   <p:cSld name="内容与标题">
     <p:spTree>
       <p:nvGrpSpPr>
@@ -1555,7 +1543,7 @@
           <p:cNvPr id="153" name="标题文本"/>
           <p:cNvSpPr txBox="1"/>
           <p:nvPr>
-            <p:ph type="title"/>
+            <p:ph type="title" hasCustomPrompt="1"/>
           </p:nvPr>
         </p:nvSpPr>
         <p:spPr>
@@ -1575,7 +1563,6 @@
             </a:lvl1pPr>
           </a:lstStyle>
           <a:p>
-            <a:pPr/>
             <a:r>
               <a:t>标题文本</a:t>
             </a:r>
@@ -1587,7 +1574,7 @@
           <p:cNvPr id="154" name="正文级别 1…"/>
           <p:cNvSpPr txBox="1"/>
           <p:nvPr>
-            <p:ph type="body" sz="half" idx="1"/>
+            <p:ph type="body" sz="half" idx="1" hasCustomPrompt="1"/>
           </p:nvPr>
         </p:nvSpPr>
         <p:spPr>
@@ -1605,7 +1592,7 @@
             <a:lvl1pPr>
               <a:defRPr sz="3200"/>
             </a:lvl1pPr>
-            <a:lvl2pPr marL="718457" indent="-261257">
+            <a:lvl2pPr marL="718185" indent="-260985">
               <a:defRPr sz="3200"/>
             </a:lvl2pPr>
             <a:lvl3pPr marL="1219200" indent="-304800">
@@ -1619,7 +1606,6 @@
             </a:lvl5pPr>
           </a:lstStyle>
           <a:p>
-            <a:pPr/>
             <a:r>
               <a:t>正文级别 1</a:t>
             </a:r>
@@ -1670,9 +1656,7 @@
         <p:txBody>
           <a:bodyPr/>
           <a:lstStyle/>
-          <a:p>
-            <a:pPr/>
-          </a:p>
+          <a:p/>
         </p:txBody>
       </p:sp>
       <p:sp>
@@ -1692,8 +1676,10 @@
           <a:bodyPr/>
           <a:lstStyle/>
           <a:p>
-            <a:pPr/>
-            <a:fld id="{86CB4B4D-7CA3-9044-876B-883B54F8677D}" type="slidenum"/>
+            <a:fld id="{86CB4B4D-7CA3-9044-876B-883B54F8677D}" type="slidenum">
+              <a:rPr/>
+            </a:fld>
+            <a:endParaRPr/>
           </a:p>
         </p:txBody>
       </p:sp>
@@ -1702,12 +1688,12 @@
   <p:clrMapOvr>
     <a:masterClrMapping/>
   </p:clrMapOvr>
-  <p:transition xmlns:p14="http://schemas.microsoft.com/office/powerpoint/2010/main" spd="med" advClick="1"/>
+  <p:transition spd="med"/>
 </p:sldLayout>
 </file>
 
 <file path=ppt/slideLayouts/slideLayout18.xml><?xml version="1.0" encoding="utf-8"?>
-<p:sldLayout xmlns:a="http://schemas.openxmlformats.org/drawingml/2006/main" xmlns:r="http://schemas.openxmlformats.org/officeDocument/2006/relationships" xmlns:p="http://schemas.openxmlformats.org/presentationml/2006/main" xmlns:m="http://schemas.openxmlformats.org/officeDocument/2006/math" xmlns:a14="http://schemas.microsoft.com/office/drawing/2010/main" type="tx" showMasterSp="1" showMasterPhAnim="1">
+<p:sldLayout xmlns:a="http://schemas.openxmlformats.org/drawingml/2006/main" xmlns:r="http://schemas.openxmlformats.org/officeDocument/2006/relationships" xmlns:p="http://schemas.openxmlformats.org/presentationml/2006/main" type="tx">
   <p:cSld name="图片与标题">
     <p:spTree>
       <p:nvGrpSpPr>
@@ -1728,7 +1714,7 @@
           <p:cNvPr id="163" name="标题文本"/>
           <p:cNvSpPr txBox="1"/>
           <p:nvPr>
-            <p:ph type="title"/>
+            <p:ph type="title" hasCustomPrompt="1"/>
           </p:nvPr>
         </p:nvSpPr>
         <p:spPr>
@@ -1748,7 +1734,6 @@
             </a:lvl1pPr>
           </a:lstStyle>
           <a:p>
-            <a:pPr/>
             <a:r>
               <a:t>标题文本</a:t>
             </a:r>
@@ -1777,9 +1762,7 @@
             <a:noAutofit/>
           </a:bodyPr>
           <a:lstStyle/>
-          <a:p>
-            <a:pPr/>
-          </a:p>
+          <a:p/>
         </p:txBody>
       </p:sp>
       <p:sp>
@@ -1787,7 +1770,7 @@
           <p:cNvPr id="165" name="正文级别 1…"/>
           <p:cNvSpPr txBox="1"/>
           <p:nvPr>
-            <p:ph type="body" sz="quarter" idx="1"/>
+            <p:ph type="body" sz="quarter" idx="1" hasCustomPrompt="1"/>
           </p:nvPr>
         </p:nvSpPr>
         <p:spPr>
@@ -1834,7 +1817,6 @@
             </a:lvl5pPr>
           </a:lstStyle>
           <a:p>
-            <a:pPr/>
             <a:r>
               <a:t>正文级别 1</a:t>
             </a:r>
@@ -1882,8 +1864,10 @@
           <a:bodyPr/>
           <a:lstStyle/>
           <a:p>
-            <a:pPr/>
-            <a:fld id="{86CB4B4D-7CA3-9044-876B-883B54F8677D}" type="slidenum"/>
+            <a:fld id="{86CB4B4D-7CA3-9044-876B-883B54F8677D}" type="slidenum">
+              <a:rPr/>
+            </a:fld>
+            <a:endParaRPr/>
           </a:p>
         </p:txBody>
       </p:sp>
@@ -1892,12 +1876,12 @@
   <p:clrMapOvr>
     <a:masterClrMapping/>
   </p:clrMapOvr>
-  <p:transition xmlns:p14="http://schemas.microsoft.com/office/powerpoint/2010/main" spd="med" advClick="1"/>
+  <p:transition spd="med"/>
 </p:sldLayout>
 </file>
 
 <file path=ppt/slideLayouts/slideLayout2.xml><?xml version="1.0" encoding="utf-8"?>
-<p:sldLayout xmlns:a="http://schemas.openxmlformats.org/drawingml/2006/main" xmlns:r="http://schemas.openxmlformats.org/officeDocument/2006/relationships" xmlns:p="http://schemas.openxmlformats.org/presentationml/2006/main" xmlns:m="http://schemas.openxmlformats.org/officeDocument/2006/math" xmlns:a14="http://schemas.microsoft.com/office/drawing/2010/main" type="tx" showMasterSp="1" showMasterPhAnim="1">
+<p:sldLayout xmlns:a="http://schemas.openxmlformats.org/drawingml/2006/main" xmlns:r="http://schemas.openxmlformats.org/officeDocument/2006/relationships" xmlns:p="http://schemas.openxmlformats.org/presentationml/2006/main" type="tx">
   <p:cSld name="标题和内容">
     <p:spTree>
       <p:nvGrpSpPr>
@@ -1918,7 +1902,7 @@
           <p:cNvPr id="20" name="标题文本"/>
           <p:cNvSpPr txBox="1"/>
           <p:nvPr>
-            <p:ph type="title"/>
+            <p:ph type="title" hasCustomPrompt="1"/>
           </p:nvPr>
         </p:nvSpPr>
         <p:spPr>
@@ -1930,7 +1914,6 @@
           <a:bodyPr/>
           <a:lstStyle/>
           <a:p>
-            <a:pPr/>
             <a:r>
               <a:t>标题文本</a:t>
             </a:r>
@@ -1942,7 +1925,7 @@
           <p:cNvPr id="21" name="正文级别 1…"/>
           <p:cNvSpPr txBox="1"/>
           <p:nvPr>
-            <p:ph type="body" idx="1"/>
+            <p:ph type="body" idx="1" hasCustomPrompt="1"/>
           </p:nvPr>
         </p:nvSpPr>
         <p:spPr>
@@ -1954,7 +1937,6 @@
           <a:bodyPr/>
           <a:lstStyle/>
           <a:p>
-            <a:pPr/>
             <a:r>
               <a:t>正文级别 1</a:t>
             </a:r>
@@ -2002,8 +1984,10 @@
           <a:bodyPr/>
           <a:lstStyle/>
           <a:p>
-            <a:pPr/>
-            <a:fld id="{86CB4B4D-7CA3-9044-876B-883B54F8677D}" type="slidenum"/>
+            <a:fld id="{86CB4B4D-7CA3-9044-876B-883B54F8677D}" type="slidenum">
+              <a:rPr/>
+            </a:fld>
+            <a:endParaRPr/>
           </a:p>
         </p:txBody>
       </p:sp>
@@ -2012,12 +1996,12 @@
   <p:clrMapOvr>
     <a:masterClrMapping/>
   </p:clrMapOvr>
-  <p:transition xmlns:p14="http://schemas.microsoft.com/office/powerpoint/2010/main" spd="med" advClick="1"/>
+  <p:transition spd="med"/>
 </p:sldLayout>
 </file>
 
 <file path=ppt/slideLayouts/slideLayout3.xml><?xml version="1.0" encoding="utf-8"?>
-<p:sldLayout xmlns:a="http://schemas.openxmlformats.org/drawingml/2006/main" xmlns:r="http://schemas.openxmlformats.org/officeDocument/2006/relationships" xmlns:p="http://schemas.openxmlformats.org/presentationml/2006/main" xmlns:m="http://schemas.openxmlformats.org/officeDocument/2006/math" xmlns:a14="http://schemas.microsoft.com/office/drawing/2010/main" type="tx" showMasterSp="1" showMasterPhAnim="1">
+<p:sldLayout xmlns:a="http://schemas.openxmlformats.org/drawingml/2006/main" xmlns:r="http://schemas.openxmlformats.org/officeDocument/2006/relationships" xmlns:p="http://schemas.openxmlformats.org/presentationml/2006/main" type="tx">
   <p:cSld name="节标题">
     <p:spTree>
       <p:nvGrpSpPr>
@@ -2038,7 +2022,7 @@
           <p:cNvPr id="29" name="标题文本"/>
           <p:cNvSpPr txBox="1"/>
           <p:nvPr>
-            <p:ph type="title"/>
+            <p:ph type="title" hasCustomPrompt="1"/>
           </p:nvPr>
         </p:nvSpPr>
         <p:spPr>
@@ -2058,7 +2042,6 @@
             </a:lvl1pPr>
           </a:lstStyle>
           <a:p>
-            <a:pPr/>
             <a:r>
               <a:t>标题文本</a:t>
             </a:r>
@@ -2070,7 +2053,7 @@
           <p:cNvPr id="30" name="正文级别 1…"/>
           <p:cNvSpPr txBox="1"/>
           <p:nvPr>
-            <p:ph type="body" sz="quarter" idx="1"/>
+            <p:ph type="body" sz="quarter" idx="1" hasCustomPrompt="1"/>
           </p:nvPr>
         </p:nvSpPr>
         <p:spPr>
@@ -2137,7 +2120,6 @@
             </a:lvl5pPr>
           </a:lstStyle>
           <a:p>
-            <a:pPr/>
             <a:r>
               <a:t>正文级别 1</a:t>
             </a:r>
@@ -2185,8 +2167,10 @@
           <a:bodyPr/>
           <a:lstStyle/>
           <a:p>
-            <a:pPr/>
-            <a:fld id="{86CB4B4D-7CA3-9044-876B-883B54F8677D}" type="slidenum"/>
+            <a:fld id="{86CB4B4D-7CA3-9044-876B-883B54F8677D}" type="slidenum">
+              <a:rPr/>
+            </a:fld>
+            <a:endParaRPr/>
           </a:p>
         </p:txBody>
       </p:sp>
@@ -2195,12 +2179,12 @@
   <p:clrMapOvr>
     <a:masterClrMapping/>
   </p:clrMapOvr>
-  <p:transition xmlns:p14="http://schemas.microsoft.com/office/powerpoint/2010/main" spd="med" advClick="1"/>
+  <p:transition spd="med"/>
 </p:sldLayout>
 </file>
 
 <file path=ppt/slideLayouts/slideLayout4.xml><?xml version="1.0" encoding="utf-8"?>
-<p:sldLayout xmlns:a="http://schemas.openxmlformats.org/drawingml/2006/main" xmlns:r="http://schemas.openxmlformats.org/officeDocument/2006/relationships" xmlns:p="http://schemas.openxmlformats.org/presentationml/2006/main" xmlns:m="http://schemas.openxmlformats.org/officeDocument/2006/math" xmlns:a14="http://schemas.microsoft.com/office/drawing/2010/main" type="tx" showMasterSp="1" showMasterPhAnim="1">
+<p:sldLayout xmlns:a="http://schemas.openxmlformats.org/drawingml/2006/main" xmlns:r="http://schemas.openxmlformats.org/officeDocument/2006/relationships" xmlns:p="http://schemas.openxmlformats.org/presentationml/2006/main" type="tx">
   <p:cSld name="两栏内容">
     <p:spTree>
       <p:nvGrpSpPr>
@@ -2221,7 +2205,7 @@
           <p:cNvPr id="38" name="标题文本"/>
           <p:cNvSpPr txBox="1"/>
           <p:nvPr>
-            <p:ph type="title"/>
+            <p:ph type="title" hasCustomPrompt="1"/>
           </p:nvPr>
         </p:nvSpPr>
         <p:spPr>
@@ -2233,7 +2217,6 @@
           <a:bodyPr/>
           <a:lstStyle/>
           <a:p>
-            <a:pPr/>
             <a:r>
               <a:t>标题文本</a:t>
             </a:r>
@@ -2245,7 +2228,7 @@
           <p:cNvPr id="39" name="正文级别 1…"/>
           <p:cNvSpPr txBox="1"/>
           <p:nvPr>
-            <p:ph type="body" sz="half" idx="1"/>
+            <p:ph type="body" sz="half" idx="1" hasCustomPrompt="1"/>
           </p:nvPr>
         </p:nvSpPr>
         <p:spPr>
@@ -2261,7 +2244,6 @@
           <a:bodyPr/>
           <a:lstStyle/>
           <a:p>
-            <a:pPr/>
             <a:r>
               <a:t>正文级别 1</a:t>
             </a:r>
@@ -2309,8 +2291,10 @@
           <a:bodyPr/>
           <a:lstStyle/>
           <a:p>
-            <a:pPr/>
-            <a:fld id="{86CB4B4D-7CA3-9044-876B-883B54F8677D}" type="slidenum"/>
+            <a:fld id="{86CB4B4D-7CA3-9044-876B-883B54F8677D}" type="slidenum">
+              <a:rPr/>
+            </a:fld>
+            <a:endParaRPr/>
           </a:p>
         </p:txBody>
       </p:sp>
@@ -2319,12 +2303,12 @@
   <p:clrMapOvr>
     <a:masterClrMapping/>
   </p:clrMapOvr>
-  <p:transition xmlns:p14="http://schemas.microsoft.com/office/powerpoint/2010/main" spd="med" advClick="1"/>
+  <p:transition spd="med"/>
 </p:sldLayout>
 </file>
 
 <file path=ppt/slideLayouts/slideLayout5.xml><?xml version="1.0" encoding="utf-8"?>
-<p:sldLayout xmlns:a="http://schemas.openxmlformats.org/drawingml/2006/main" xmlns:r="http://schemas.openxmlformats.org/officeDocument/2006/relationships" xmlns:p="http://schemas.openxmlformats.org/presentationml/2006/main" xmlns:m="http://schemas.openxmlformats.org/officeDocument/2006/math" xmlns:a14="http://schemas.microsoft.com/office/drawing/2010/main" type="tx" showMasterSp="1" showMasterPhAnim="1">
+<p:sldLayout xmlns:a="http://schemas.openxmlformats.org/drawingml/2006/main" xmlns:r="http://schemas.openxmlformats.org/officeDocument/2006/relationships" xmlns:p="http://schemas.openxmlformats.org/presentationml/2006/main" type="tx">
   <p:cSld name="比较">
     <p:spTree>
       <p:nvGrpSpPr>
@@ -2345,7 +2329,7 @@
           <p:cNvPr id="47" name="标题文本"/>
           <p:cNvSpPr txBox="1"/>
           <p:nvPr>
-            <p:ph type="title"/>
+            <p:ph type="title" hasCustomPrompt="1"/>
           </p:nvPr>
         </p:nvSpPr>
         <p:spPr>
@@ -2361,7 +2345,6 @@
           <a:bodyPr/>
           <a:lstStyle/>
           <a:p>
-            <a:pPr/>
             <a:r>
               <a:t>标题文本</a:t>
             </a:r>
@@ -2373,7 +2356,7 @@
           <p:cNvPr id="48" name="正文级别 1…"/>
           <p:cNvSpPr txBox="1"/>
           <p:nvPr>
-            <p:ph type="body" sz="quarter" idx="1"/>
+            <p:ph type="body" sz="quarter" idx="1" hasCustomPrompt="1"/>
           </p:nvPr>
         </p:nvSpPr>
         <p:spPr>
@@ -2392,35 +2375,34 @@
               <a:buSzTx/>
               <a:buFontTx/>
               <a:buNone/>
-              <a:defRPr b="1" sz="2400"/>
+              <a:defRPr sz="2400" b="1"/>
             </a:lvl1pPr>
             <a:lvl2pPr marL="0" indent="0">
               <a:buSzTx/>
               <a:buFontTx/>
               <a:buNone/>
-              <a:defRPr b="1" sz="2400"/>
+              <a:defRPr sz="2400" b="1"/>
             </a:lvl2pPr>
             <a:lvl3pPr marL="0" indent="0">
               <a:buSzTx/>
               <a:buFontTx/>
               <a:buNone/>
-              <a:defRPr b="1" sz="2400"/>
+              <a:defRPr sz="2400" b="1"/>
             </a:lvl3pPr>
             <a:lvl4pPr marL="0" indent="0">
               <a:buSzTx/>
               <a:buFontTx/>
               <a:buNone/>
-              <a:defRPr b="1" sz="2400"/>
+              <a:defRPr sz="2400" b="1"/>
             </a:lvl4pPr>
             <a:lvl5pPr marL="0" indent="0">
               <a:buSzTx/>
               <a:buFontTx/>
               <a:buNone/>
-              <a:defRPr b="1" sz="2400"/>
+              <a:defRPr sz="2400" b="1"/>
             </a:lvl5pPr>
           </a:lstStyle>
           <a:p>
-            <a:pPr/>
             <a:r>
               <a:t>正文级别 1</a:t>
             </a:r>
@@ -2471,9 +2453,7 @@
         <p:txBody>
           <a:bodyPr anchor="b"/>
           <a:lstStyle/>
-          <a:p>
-            <a:pPr/>
-          </a:p>
+          <a:p/>
         </p:txBody>
       </p:sp>
       <p:sp>
@@ -2493,8 +2473,10 @@
           <a:bodyPr/>
           <a:lstStyle/>
           <a:p>
-            <a:pPr/>
-            <a:fld id="{86CB4B4D-7CA3-9044-876B-883B54F8677D}" type="slidenum"/>
+            <a:fld id="{86CB4B4D-7CA3-9044-876B-883B54F8677D}" type="slidenum">
+              <a:rPr/>
+            </a:fld>
+            <a:endParaRPr/>
           </a:p>
         </p:txBody>
       </p:sp>
@@ -2503,12 +2485,12 @@
   <p:clrMapOvr>
     <a:masterClrMapping/>
   </p:clrMapOvr>
-  <p:transition xmlns:p14="http://schemas.microsoft.com/office/powerpoint/2010/main" spd="med" advClick="1"/>
+  <p:transition spd="med"/>
 </p:sldLayout>
 </file>
 
 <file path=ppt/slideLayouts/slideLayout6.xml><?xml version="1.0" encoding="utf-8"?>
-<p:sldLayout xmlns:a="http://schemas.openxmlformats.org/drawingml/2006/main" xmlns:r="http://schemas.openxmlformats.org/officeDocument/2006/relationships" xmlns:p="http://schemas.openxmlformats.org/presentationml/2006/main" xmlns:m="http://schemas.openxmlformats.org/officeDocument/2006/math" xmlns:a14="http://schemas.microsoft.com/office/drawing/2010/main" type="tx" showMasterSp="1" showMasterPhAnim="1">
+<p:sldLayout xmlns:a="http://schemas.openxmlformats.org/drawingml/2006/main" xmlns:r="http://schemas.openxmlformats.org/officeDocument/2006/relationships" xmlns:p="http://schemas.openxmlformats.org/presentationml/2006/main" type="tx">
   <p:cSld name="仅标题">
     <p:spTree>
       <p:nvGrpSpPr>
@@ -2529,7 +2511,7 @@
           <p:cNvPr id="57" name="标题文本"/>
           <p:cNvSpPr txBox="1"/>
           <p:nvPr>
-            <p:ph type="title"/>
+            <p:ph type="title" hasCustomPrompt="1"/>
           </p:nvPr>
         </p:nvSpPr>
         <p:spPr>
@@ -2541,7 +2523,6 @@
           <a:bodyPr/>
           <a:lstStyle/>
           <a:p>
-            <a:pPr/>
             <a:r>
               <a:t>标题文本</a:t>
             </a:r>
@@ -2565,8 +2546,10 @@
           <a:bodyPr/>
           <a:lstStyle/>
           <a:p>
-            <a:pPr/>
-            <a:fld id="{86CB4B4D-7CA3-9044-876B-883B54F8677D}" type="slidenum"/>
+            <a:fld id="{86CB4B4D-7CA3-9044-876B-883B54F8677D}" type="slidenum">
+              <a:rPr/>
+            </a:fld>
+            <a:endParaRPr/>
           </a:p>
         </p:txBody>
       </p:sp>
@@ -2575,12 +2558,12 @@
   <p:clrMapOvr>
     <a:masterClrMapping/>
   </p:clrMapOvr>
-  <p:transition xmlns:p14="http://schemas.microsoft.com/office/powerpoint/2010/main" spd="med" advClick="1"/>
+  <p:transition spd="med"/>
 </p:sldLayout>
 </file>
 
 <file path=ppt/slideLayouts/slideLayout7.xml><?xml version="1.0" encoding="utf-8"?>
-<p:sldLayout xmlns:a="http://schemas.openxmlformats.org/drawingml/2006/main" xmlns:r="http://schemas.openxmlformats.org/officeDocument/2006/relationships" xmlns:p="http://schemas.openxmlformats.org/presentationml/2006/main" xmlns:m="http://schemas.openxmlformats.org/officeDocument/2006/math" xmlns:a14="http://schemas.microsoft.com/office/drawing/2010/main" type="tx" showMasterSp="1" showMasterPhAnim="1">
+<p:sldLayout xmlns:a="http://schemas.openxmlformats.org/drawingml/2006/main" xmlns:r="http://schemas.openxmlformats.org/officeDocument/2006/relationships" xmlns:p="http://schemas.openxmlformats.org/presentationml/2006/main" type="tx">
   <p:cSld name="空白">
     <p:spTree>
       <p:nvGrpSpPr>
@@ -2613,8 +2596,10 @@
           <a:bodyPr/>
           <a:lstStyle/>
           <a:p>
-            <a:pPr/>
-            <a:fld id="{86CB4B4D-7CA3-9044-876B-883B54F8677D}" type="slidenum"/>
+            <a:fld id="{86CB4B4D-7CA3-9044-876B-883B54F8677D}" type="slidenum">
+              <a:rPr/>
+            </a:fld>
+            <a:endParaRPr/>
           </a:p>
         </p:txBody>
       </p:sp>
@@ -2623,12 +2608,12 @@
   <p:clrMapOvr>
     <a:masterClrMapping/>
   </p:clrMapOvr>
-  <p:transition xmlns:p14="http://schemas.microsoft.com/office/powerpoint/2010/main" spd="med" advClick="1"/>
+  <p:transition spd="med"/>
 </p:sldLayout>
 </file>
 
 <file path=ppt/slideLayouts/slideLayout8.xml><?xml version="1.0" encoding="utf-8"?>
-<p:sldLayout xmlns:a="http://schemas.openxmlformats.org/drawingml/2006/main" xmlns:r="http://schemas.openxmlformats.org/officeDocument/2006/relationships" xmlns:p="http://schemas.openxmlformats.org/presentationml/2006/main" xmlns:m="http://schemas.openxmlformats.org/officeDocument/2006/math" xmlns:a14="http://schemas.microsoft.com/office/drawing/2010/main" type="tx" showMasterSp="1" showMasterPhAnim="1">
+<p:sldLayout xmlns:a="http://schemas.openxmlformats.org/drawingml/2006/main" xmlns:r="http://schemas.openxmlformats.org/officeDocument/2006/relationships" xmlns:p="http://schemas.openxmlformats.org/presentationml/2006/main" type="tx">
   <p:cSld name="内容与标题">
     <p:spTree>
       <p:nvGrpSpPr>
@@ -2649,7 +2634,7 @@
           <p:cNvPr id="72" name="标题文本"/>
           <p:cNvSpPr txBox="1"/>
           <p:nvPr>
-            <p:ph type="title"/>
+            <p:ph type="title" hasCustomPrompt="1"/>
           </p:nvPr>
         </p:nvSpPr>
         <p:spPr>
@@ -2669,7 +2654,6 @@
             </a:lvl1pPr>
           </a:lstStyle>
           <a:p>
-            <a:pPr/>
             <a:r>
               <a:t>标题文本</a:t>
             </a:r>
@@ -2681,7 +2665,7 @@
           <p:cNvPr id="73" name="正文级别 1…"/>
           <p:cNvSpPr txBox="1"/>
           <p:nvPr>
-            <p:ph type="body" sz="half" idx="1"/>
+            <p:ph type="body" sz="half" idx="1" hasCustomPrompt="1"/>
           </p:nvPr>
         </p:nvSpPr>
         <p:spPr>
@@ -2699,7 +2683,7 @@
             <a:lvl1pPr>
               <a:defRPr sz="3200"/>
             </a:lvl1pPr>
-            <a:lvl2pPr marL="718457" indent="-261257">
+            <a:lvl2pPr marL="718185" indent="-260985">
               <a:defRPr sz="3200"/>
             </a:lvl2pPr>
             <a:lvl3pPr marL="1219200" indent="-304800">
@@ -2713,7 +2697,6 @@
             </a:lvl5pPr>
           </a:lstStyle>
           <a:p>
-            <a:pPr/>
             <a:r>
               <a:t>正文级别 1</a:t>
             </a:r>
@@ -2764,9 +2747,7 @@
         <p:txBody>
           <a:bodyPr/>
           <a:lstStyle/>
-          <a:p>
-            <a:pPr/>
-          </a:p>
+          <a:p/>
         </p:txBody>
       </p:sp>
       <p:sp>
@@ -2786,8 +2767,10 @@
           <a:bodyPr/>
           <a:lstStyle/>
           <a:p>
-            <a:pPr/>
-            <a:fld id="{86CB4B4D-7CA3-9044-876B-883B54F8677D}" type="slidenum"/>
+            <a:fld id="{86CB4B4D-7CA3-9044-876B-883B54F8677D}" type="slidenum">
+              <a:rPr/>
+            </a:fld>
+            <a:endParaRPr/>
           </a:p>
         </p:txBody>
       </p:sp>
@@ -2796,12 +2779,12 @@
   <p:clrMapOvr>
     <a:masterClrMapping/>
   </p:clrMapOvr>
-  <p:transition xmlns:p14="http://schemas.microsoft.com/office/powerpoint/2010/main" spd="med" advClick="1"/>
+  <p:transition spd="med"/>
 </p:sldLayout>
 </file>
 
 <file path=ppt/slideLayouts/slideLayout9.xml><?xml version="1.0" encoding="utf-8"?>
-<p:sldLayout xmlns:a="http://schemas.openxmlformats.org/drawingml/2006/main" xmlns:r="http://schemas.openxmlformats.org/officeDocument/2006/relationships" xmlns:p="http://schemas.openxmlformats.org/presentationml/2006/main" xmlns:m="http://schemas.openxmlformats.org/officeDocument/2006/math" xmlns:a14="http://schemas.microsoft.com/office/drawing/2010/main" type="tx" showMasterSp="1" showMasterPhAnim="1">
+<p:sldLayout xmlns:a="http://schemas.openxmlformats.org/drawingml/2006/main" xmlns:r="http://schemas.openxmlformats.org/officeDocument/2006/relationships" xmlns:p="http://schemas.openxmlformats.org/presentationml/2006/main" type="tx">
   <p:cSld name="图片与标题">
     <p:spTree>
       <p:nvGrpSpPr>
@@ -2822,7 +2805,7 @@
           <p:cNvPr id="82" name="标题文本"/>
           <p:cNvSpPr txBox="1"/>
           <p:nvPr>
-            <p:ph type="title"/>
+            <p:ph type="title" hasCustomPrompt="1"/>
           </p:nvPr>
         </p:nvSpPr>
         <p:spPr>
@@ -2842,7 +2825,6 @@
             </a:lvl1pPr>
           </a:lstStyle>
           <a:p>
-            <a:pPr/>
             <a:r>
               <a:t>标题文本</a:t>
             </a:r>
@@ -2871,9 +2853,7 @@
             <a:noAutofit/>
           </a:bodyPr>
           <a:lstStyle/>
-          <a:p>
-            <a:pPr/>
-          </a:p>
+          <a:p/>
         </p:txBody>
       </p:sp>
       <p:sp>
@@ -2881,7 +2861,7 @@
           <p:cNvPr id="84" name="正文级别 1…"/>
           <p:cNvSpPr txBox="1"/>
           <p:nvPr>
-            <p:ph type="body" sz="quarter" idx="1"/>
+            <p:ph type="body" sz="quarter" idx="1" hasCustomPrompt="1"/>
           </p:nvPr>
         </p:nvSpPr>
         <p:spPr>
@@ -2928,7 +2908,6 @@
             </a:lvl5pPr>
           </a:lstStyle>
           <a:p>
-            <a:pPr/>
             <a:r>
               <a:t>正文级别 1</a:t>
             </a:r>
@@ -2976,8 +2955,10 @@
           <a:bodyPr/>
           <a:lstStyle/>
           <a:p>
-            <a:pPr/>
-            <a:fld id="{86CB4B4D-7CA3-9044-876B-883B54F8677D}" type="slidenum"/>
+            <a:fld id="{86CB4B4D-7CA3-9044-876B-883B54F8677D}" type="slidenum">
+              <a:rPr/>
+            </a:fld>
+            <a:endParaRPr/>
           </a:p>
         </p:txBody>
       </p:sp>
@@ -2986,18 +2967,19 @@
   <p:clrMapOvr>
     <a:masterClrMapping/>
   </p:clrMapOvr>
-  <p:transition xmlns:p14="http://schemas.microsoft.com/office/powerpoint/2010/main" spd="med" advClick="1"/>
+  <p:transition spd="med"/>
 </p:sldLayout>
 </file>
 
 <file path=ppt/slideMasters/slideMaster1.xml><?xml version="1.0" encoding="utf-8"?>
-<p:sldMaster xmlns:a="http://schemas.openxmlformats.org/drawingml/2006/main" xmlns:r="http://schemas.openxmlformats.org/officeDocument/2006/relationships" xmlns:p="http://schemas.openxmlformats.org/presentationml/2006/main" xmlns:m="http://schemas.openxmlformats.org/officeDocument/2006/math" xmlns:a14="http://schemas.microsoft.com/office/drawing/2010/main">
+<p:sldMaster xmlns:a="http://schemas.openxmlformats.org/drawingml/2006/main" xmlns:r="http://schemas.openxmlformats.org/officeDocument/2006/relationships" xmlns:p="http://schemas.openxmlformats.org/presentationml/2006/main">
   <p:cSld>
     <p:bg>
       <p:bgPr>
         <a:solidFill>
           <a:srgbClr val="FFFFFF"/>
         </a:solidFill>
+        <a:effectLst/>
       </p:bgPr>
     </p:bg>
     <p:spTree>
@@ -3033,19 +3015,13 @@
           <a:ln w="12700">
             <a:miter lim="400000"/>
           </a:ln>
-          <a:extLst>
-            <a:ext uri="{C572A759-6A51-4108-AA02-DFA0A04FC94B}">
-              <ma14:wrappingTextBoxFlag xmlns:ma14="http://schemas.microsoft.com/office/mac/drawingml/2011/main" val="1"/>
-            </a:ext>
-          </a:extLst>
         </p:spPr>
         <p:txBody>
           <a:bodyPr lIns="45718" tIns="45718" rIns="45718" bIns="45718" anchor="ctr">
-            <a:normAutofit fontScale="100000" lnSpcReduction="0"/>
+            <a:normAutofit/>
           </a:bodyPr>
           <a:lstStyle/>
           <a:p>
-            <a:pPr/>
             <a:r>
               <a:t>标题文本</a:t>
             </a:r>
@@ -3071,19 +3047,13 @@
           <a:ln w="12700">
             <a:miter lim="400000"/>
           </a:ln>
-          <a:extLst>
-            <a:ext uri="{C572A759-6A51-4108-AA02-DFA0A04FC94B}">
-              <ma14:wrappingTextBoxFlag xmlns:ma14="http://schemas.microsoft.com/office/mac/drawingml/2011/main" val="1"/>
-            </a:ext>
-          </a:extLst>
         </p:spPr>
         <p:txBody>
           <a:bodyPr lIns="45718" tIns="45718" rIns="45718" bIns="45718">
-            <a:normAutofit fontScale="100000" lnSpcReduction="0"/>
+            <a:normAutofit/>
           </a:bodyPr>
           <a:lstStyle/>
           <a:p>
-            <a:pPr/>
             <a:r>
               <a:t>正文级别 1</a:t>
             </a:r>
@@ -3144,16 +3114,18 @@
                 <a:solidFill>
                   <a:srgbClr val="888888"/>
                 </a:solidFill>
-                <a:latin typeface="等线"/>
-                <a:ea typeface="等线"/>
-                <a:cs typeface="等线"/>
-                <a:sym typeface="等线"/>
+                <a:latin typeface="等线" panose="02010600030101010101" charset="-122"/>
+                <a:ea typeface="等线" panose="02010600030101010101" charset="-122"/>
+                <a:cs typeface="等线" panose="02010600030101010101" charset="-122"/>
+                <a:sym typeface="等线" panose="02010600030101010101" charset="-122"/>
               </a:defRPr>
             </a:lvl1pPr>
           </a:lstStyle>
           <a:p>
-            <a:pPr/>
-            <a:fld id="{86CB4B4D-7CA3-9044-876B-883B54F8677D}" type="slidenum"/>
+            <a:fld id="{86CB4B4D-7CA3-9044-876B-883B54F8677D}" type="slidenum">
+              <a:rPr/>
+            </a:fld>
+            <a:endParaRPr/>
           </a:p>
         </p:txBody>
       </p:sp>
@@ -3161,26 +3133,26 @@
   </p:cSld>
   <p:clrMap bg1="lt1" tx1="dk1" bg2="lt2" tx2="dk2" accent1="accent1" accent2="accent2" accent3="accent3" accent4="accent4" accent5="accent5" accent6="accent6" hlink="hlink" folHlink="folHlink"/>
   <p:sldLayoutIdLst>
-    <p:sldLayoutId id="2147483649" r:id="rId2"/>
-    <p:sldLayoutId id="2147483650" r:id="rId3"/>
-    <p:sldLayoutId id="2147483651" r:id="rId4"/>
-    <p:sldLayoutId id="2147483652" r:id="rId5"/>
-    <p:sldLayoutId id="2147483653" r:id="rId6"/>
-    <p:sldLayoutId id="2147483654" r:id="rId7"/>
-    <p:sldLayoutId id="2147483655" r:id="rId8"/>
-    <p:sldLayoutId id="2147483656" r:id="rId9"/>
-    <p:sldLayoutId id="2147483657" r:id="rId10"/>
-    <p:sldLayoutId id="2147483658" r:id="rId11"/>
-    <p:sldLayoutId id="2147483659" r:id="rId12"/>
-    <p:sldLayoutId id="2147483660" r:id="rId13"/>
-    <p:sldLayoutId id="2147483661" r:id="rId14"/>
-    <p:sldLayoutId id="2147483662" r:id="rId15"/>
-    <p:sldLayoutId id="2147483663" r:id="rId16"/>
-    <p:sldLayoutId id="2147483664" r:id="rId17"/>
-    <p:sldLayoutId id="2147483665" r:id="rId18"/>
-    <p:sldLayoutId id="2147483666" r:id="rId19"/>
+    <p:sldLayoutId id="2147483649" r:id="rId1"/>
+    <p:sldLayoutId id="2147483650" r:id="rId2"/>
+    <p:sldLayoutId id="2147483651" r:id="rId3"/>
+    <p:sldLayoutId id="2147483652" r:id="rId4"/>
+    <p:sldLayoutId id="2147483653" r:id="rId5"/>
+    <p:sldLayoutId id="2147483654" r:id="rId6"/>
+    <p:sldLayoutId id="2147483655" r:id="rId7"/>
+    <p:sldLayoutId id="2147483656" r:id="rId8"/>
+    <p:sldLayoutId id="2147483657" r:id="rId9"/>
+    <p:sldLayoutId id="2147483658" r:id="rId10"/>
+    <p:sldLayoutId id="2147483659" r:id="rId11"/>
+    <p:sldLayoutId id="2147483660" r:id="rId12"/>
+    <p:sldLayoutId id="2147483661" r:id="rId13"/>
+    <p:sldLayoutId id="2147483662" r:id="rId14"/>
+    <p:sldLayoutId id="2147483663" r:id="rId15"/>
+    <p:sldLayoutId id="2147483664" r:id="rId16"/>
+    <p:sldLayoutId id="2147483665" r:id="rId17"/>
+    <p:sldLayoutId id="2147483666" r:id="rId18"/>
   </p:sldLayoutIdLst>
-  <p:transition xmlns:p14="http://schemas.microsoft.com/office/powerpoint/2010/main" spd="med" advClick="1"/>
+  <p:transition spd="med"/>
   <p:txStyles>
     <p:titleStyle>
       <a:lvl1pPr marL="0" marR="0" indent="0" algn="l" defTabSz="914400" rtl="0" latinLnBrk="0">
@@ -3197,8 +3169,7 @@
         <a:buSzTx/>
         <a:buFontTx/>
         <a:buNone/>
-        <a:tabLst/>
-        <a:defRPr b="0" baseline="0" cap="none" i="0" spc="0" strike="noStrike" sz="4400" u="none">
+        <a:defRPr sz="4400" b="0" i="0" u="none" strike="noStrike" cap="none" spc="0" baseline="0">
           <a:ln>
             <a:noFill/>
           </a:ln>
@@ -3206,10 +3177,10 @@
             <a:srgbClr val="000000"/>
           </a:solidFill>
           <a:uFillTx/>
-          <a:latin typeface="等线 Light"/>
-          <a:ea typeface="等线 Light"/>
-          <a:cs typeface="等线 Light"/>
-          <a:sym typeface="等线 Light"/>
+          <a:latin typeface="等线 Light" panose="02010600030101010101" charset="-122"/>
+          <a:ea typeface="等线 Light" panose="02010600030101010101" charset="-122"/>
+          <a:cs typeface="等线 Light" panose="02010600030101010101" charset="-122"/>
+          <a:sym typeface="等线 Light" panose="02010600030101010101" charset="-122"/>
         </a:defRPr>
       </a:lvl1pPr>
       <a:lvl2pPr marL="0" marR="0" indent="0" algn="l" defTabSz="914400" rtl="0" latinLnBrk="0">
@@ -3226,8 +3197,7 @@
         <a:buSzTx/>
         <a:buFontTx/>
         <a:buNone/>
-        <a:tabLst/>
-        <a:defRPr b="0" baseline="0" cap="none" i="0" spc="0" strike="noStrike" sz="4400" u="none">
+        <a:defRPr sz="4400" b="0" i="0" u="none" strike="noStrike" cap="none" spc="0" baseline="0">
           <a:ln>
             <a:noFill/>
           </a:ln>
@@ -3235,10 +3205,10 @@
             <a:srgbClr val="000000"/>
           </a:solidFill>
           <a:uFillTx/>
-          <a:latin typeface="等线 Light"/>
-          <a:ea typeface="等线 Light"/>
-          <a:cs typeface="等线 Light"/>
-          <a:sym typeface="等线 Light"/>
+          <a:latin typeface="等线 Light" panose="02010600030101010101" charset="-122"/>
+          <a:ea typeface="等线 Light" panose="02010600030101010101" charset="-122"/>
+          <a:cs typeface="等线 Light" panose="02010600030101010101" charset="-122"/>
+          <a:sym typeface="等线 Light" panose="02010600030101010101" charset="-122"/>
         </a:defRPr>
       </a:lvl2pPr>
       <a:lvl3pPr marL="0" marR="0" indent="0" algn="l" defTabSz="914400" rtl="0" latinLnBrk="0">
@@ -3255,8 +3225,7 @@
         <a:buSzTx/>
         <a:buFontTx/>
         <a:buNone/>
-        <a:tabLst/>
-        <a:defRPr b="0" baseline="0" cap="none" i="0" spc="0" strike="noStrike" sz="4400" u="none">
+        <a:defRPr sz="4400" b="0" i="0" u="none" strike="noStrike" cap="none" spc="0" baseline="0">
           <a:ln>
             <a:noFill/>
           </a:ln>
@@ -3264,10 +3233,10 @@
             <a:srgbClr val="000000"/>
           </a:solidFill>
           <a:uFillTx/>
-          <a:latin typeface="等线 Light"/>
-          <a:ea typeface="等线 Light"/>
-          <a:cs typeface="等线 Light"/>
-          <a:sym typeface="等线 Light"/>
+          <a:latin typeface="等线 Light" panose="02010600030101010101" charset="-122"/>
+          <a:ea typeface="等线 Light" panose="02010600030101010101" charset="-122"/>
+          <a:cs typeface="等线 Light" panose="02010600030101010101" charset="-122"/>
+          <a:sym typeface="等线 Light" panose="02010600030101010101" charset="-122"/>
         </a:defRPr>
       </a:lvl3pPr>
       <a:lvl4pPr marL="0" marR="0" indent="0" algn="l" defTabSz="914400" rtl="0" latinLnBrk="0">
@@ -3284,8 +3253,7 @@
         <a:buSzTx/>
         <a:buFontTx/>
         <a:buNone/>
-        <a:tabLst/>
-        <a:defRPr b="0" baseline="0" cap="none" i="0" spc="0" strike="noStrike" sz="4400" u="none">
+        <a:defRPr sz="4400" b="0" i="0" u="none" strike="noStrike" cap="none" spc="0" baseline="0">
           <a:ln>
             <a:noFill/>
           </a:ln>
@@ -3293,10 +3261,10 @@
             <a:srgbClr val="000000"/>
           </a:solidFill>
           <a:uFillTx/>
-          <a:latin typeface="等线 Light"/>
-          <a:ea typeface="等线 Light"/>
-          <a:cs typeface="等线 Light"/>
-          <a:sym typeface="等线 Light"/>
+          <a:latin typeface="等线 Light" panose="02010600030101010101" charset="-122"/>
+          <a:ea typeface="等线 Light" panose="02010600030101010101" charset="-122"/>
+          <a:cs typeface="等线 Light" panose="02010600030101010101" charset="-122"/>
+          <a:sym typeface="等线 Light" panose="02010600030101010101" charset="-122"/>
         </a:defRPr>
       </a:lvl4pPr>
       <a:lvl5pPr marL="0" marR="0" indent="0" algn="l" defTabSz="914400" rtl="0" latinLnBrk="0">
@@ -3313,8 +3281,7 @@
         <a:buSzTx/>
         <a:buFontTx/>
         <a:buNone/>
-        <a:tabLst/>
-        <a:defRPr b="0" baseline="0" cap="none" i="0" spc="0" strike="noStrike" sz="4400" u="none">
+        <a:defRPr sz="4400" b="0" i="0" u="none" strike="noStrike" cap="none" spc="0" baseline="0">
           <a:ln>
             <a:noFill/>
           </a:ln>
@@ -3322,10 +3289,10 @@
             <a:srgbClr val="000000"/>
           </a:solidFill>
           <a:uFillTx/>
-          <a:latin typeface="等线 Light"/>
-          <a:ea typeface="等线 Light"/>
-          <a:cs typeface="等线 Light"/>
-          <a:sym typeface="等线 Light"/>
+          <a:latin typeface="等线 Light" panose="02010600030101010101" charset="-122"/>
+          <a:ea typeface="等线 Light" panose="02010600030101010101" charset="-122"/>
+          <a:cs typeface="等线 Light" panose="02010600030101010101" charset="-122"/>
+          <a:sym typeface="等线 Light" panose="02010600030101010101" charset="-122"/>
         </a:defRPr>
       </a:lvl5pPr>
       <a:lvl6pPr marL="0" marR="0" indent="0" algn="l" defTabSz="914400" rtl="0" latinLnBrk="0">
@@ -3342,8 +3309,7 @@
         <a:buSzTx/>
         <a:buFontTx/>
         <a:buNone/>
-        <a:tabLst/>
-        <a:defRPr b="0" baseline="0" cap="none" i="0" spc="0" strike="noStrike" sz="4400" u="none">
+        <a:defRPr sz="4400" b="0" i="0" u="none" strike="noStrike" cap="none" spc="0" baseline="0">
           <a:ln>
             <a:noFill/>
           </a:ln>
@@ -3351,10 +3317,10 @@
             <a:srgbClr val="000000"/>
           </a:solidFill>
           <a:uFillTx/>
-          <a:latin typeface="等线 Light"/>
-          <a:ea typeface="等线 Light"/>
-          <a:cs typeface="等线 Light"/>
-          <a:sym typeface="等线 Light"/>
+          <a:latin typeface="等线 Light" panose="02010600030101010101" charset="-122"/>
+          <a:ea typeface="等线 Light" panose="02010600030101010101" charset="-122"/>
+          <a:cs typeface="等线 Light" panose="02010600030101010101" charset="-122"/>
+          <a:sym typeface="等线 Light" panose="02010600030101010101" charset="-122"/>
         </a:defRPr>
       </a:lvl6pPr>
       <a:lvl7pPr marL="0" marR="0" indent="0" algn="l" defTabSz="914400" rtl="0" latinLnBrk="0">
@@ -3371,8 +3337,7 @@
         <a:buSzTx/>
         <a:buFontTx/>
         <a:buNone/>
-        <a:tabLst/>
-        <a:defRPr b="0" baseline="0" cap="none" i="0" spc="0" strike="noStrike" sz="4400" u="none">
+        <a:defRPr sz="4400" b="0" i="0" u="none" strike="noStrike" cap="none" spc="0" baseline="0">
           <a:ln>
             <a:noFill/>
           </a:ln>
@@ -3380,10 +3345,10 @@
             <a:srgbClr val="000000"/>
           </a:solidFill>
           <a:uFillTx/>
-          <a:latin typeface="等线 Light"/>
-          <a:ea typeface="等线 Light"/>
-          <a:cs typeface="等线 Light"/>
-          <a:sym typeface="等线 Light"/>
+          <a:latin typeface="等线 Light" panose="02010600030101010101" charset="-122"/>
+          <a:ea typeface="等线 Light" panose="02010600030101010101" charset="-122"/>
+          <a:cs typeface="等线 Light" panose="02010600030101010101" charset="-122"/>
+          <a:sym typeface="等线 Light" panose="02010600030101010101" charset="-122"/>
         </a:defRPr>
       </a:lvl7pPr>
       <a:lvl8pPr marL="0" marR="0" indent="0" algn="l" defTabSz="914400" rtl="0" latinLnBrk="0">
@@ -3400,8 +3365,7 @@
         <a:buSzTx/>
         <a:buFontTx/>
         <a:buNone/>
-        <a:tabLst/>
-        <a:defRPr b="0" baseline="0" cap="none" i="0" spc="0" strike="noStrike" sz="4400" u="none">
+        <a:defRPr sz="4400" b="0" i="0" u="none" strike="noStrike" cap="none" spc="0" baseline="0">
           <a:ln>
             <a:noFill/>
           </a:ln>
@@ -3409,10 +3373,10 @@
             <a:srgbClr val="000000"/>
           </a:solidFill>
           <a:uFillTx/>
-          <a:latin typeface="等线 Light"/>
-          <a:ea typeface="等线 Light"/>
-          <a:cs typeface="等线 Light"/>
-          <a:sym typeface="等线 Light"/>
+          <a:latin typeface="等线 Light" panose="02010600030101010101" charset="-122"/>
+          <a:ea typeface="等线 Light" panose="02010600030101010101" charset="-122"/>
+          <a:cs typeface="等线 Light" panose="02010600030101010101" charset="-122"/>
+          <a:sym typeface="等线 Light" panose="02010600030101010101" charset="-122"/>
         </a:defRPr>
       </a:lvl8pPr>
       <a:lvl9pPr marL="0" marR="0" indent="0" algn="l" defTabSz="914400" rtl="0" latinLnBrk="0">
@@ -3429,8 +3393,7 @@
         <a:buSzTx/>
         <a:buFontTx/>
         <a:buNone/>
-        <a:tabLst/>
-        <a:defRPr b="0" baseline="0" cap="none" i="0" spc="0" strike="noStrike" sz="4400" u="none">
+        <a:defRPr sz="4400" b="0" i="0" u="none" strike="noStrike" cap="none" spc="0" baseline="0">
           <a:ln>
             <a:noFill/>
           </a:ln>
@@ -3438,10 +3401,10 @@
             <a:srgbClr val="000000"/>
           </a:solidFill>
           <a:uFillTx/>
-          <a:latin typeface="等线 Light"/>
-          <a:ea typeface="等线 Light"/>
-          <a:cs typeface="等线 Light"/>
-          <a:sym typeface="等线 Light"/>
+          <a:latin typeface="等线 Light" panose="02010600030101010101" charset="-122"/>
+          <a:ea typeface="等线 Light" panose="02010600030101010101" charset="-122"/>
+          <a:cs typeface="等线 Light" panose="02010600030101010101" charset="-122"/>
+          <a:sym typeface="等线 Light" panose="02010600030101010101" charset="-122"/>
         </a:defRPr>
       </a:lvl9pPr>
     </p:titleStyle>
@@ -3458,10 +3421,9 @@
         </a:spcAft>
         <a:buClrTx/>
         <a:buSzPct val="100000"/>
-        <a:buFont typeface="Arial"/>
+        <a:buFont typeface="Arial" panose="020B0604020202020204"/>
         <a:buChar char="•"/>
-        <a:tabLst/>
-        <a:defRPr b="0" baseline="0" cap="none" i="0" spc="0" strike="noStrike" sz="2800" u="none">
+        <a:defRPr sz="2800" b="0" i="0" u="none" strike="noStrike" cap="none" spc="0" baseline="0">
           <a:ln>
             <a:noFill/>
           </a:ln>
@@ -3469,10 +3431,10 @@
             <a:srgbClr val="000000"/>
           </a:solidFill>
           <a:uFillTx/>
-          <a:latin typeface="等线"/>
-          <a:ea typeface="等线"/>
-          <a:cs typeface="等线"/>
-          <a:sym typeface="等线"/>
+          <a:latin typeface="等线" panose="02010600030101010101" charset="-122"/>
+          <a:ea typeface="等线" panose="02010600030101010101" charset="-122"/>
+          <a:cs typeface="等线" panose="02010600030101010101" charset="-122"/>
+          <a:sym typeface="等线" panose="02010600030101010101" charset="-122"/>
         </a:defRPr>
       </a:lvl1pPr>
       <a:lvl2pPr marL="723900" marR="0" indent="-266700" algn="l" defTabSz="914400" rtl="0" latinLnBrk="0">
@@ -3487,10 +3449,9 @@
         </a:spcAft>
         <a:buClrTx/>
         <a:buSzPct val="100000"/>
-        <a:buFont typeface="Arial"/>
+        <a:buFont typeface="Arial" panose="020B0604020202020204"/>
         <a:buChar char="•"/>
-        <a:tabLst/>
-        <a:defRPr b="0" baseline="0" cap="none" i="0" spc="0" strike="noStrike" sz="2800" u="none">
+        <a:defRPr sz="2800" b="0" i="0" u="none" strike="noStrike" cap="none" spc="0" baseline="0">
           <a:ln>
             <a:noFill/>
           </a:ln>
@@ -3498,13 +3459,13 @@
             <a:srgbClr val="000000"/>
           </a:solidFill>
           <a:uFillTx/>
-          <a:latin typeface="等线"/>
-          <a:ea typeface="等线"/>
-          <a:cs typeface="等线"/>
-          <a:sym typeface="等线"/>
+          <a:latin typeface="等线" panose="02010600030101010101" charset="-122"/>
+          <a:ea typeface="等线" panose="02010600030101010101" charset="-122"/>
+          <a:cs typeface="等线" panose="02010600030101010101" charset="-122"/>
+          <a:sym typeface="等线" panose="02010600030101010101" charset="-122"/>
         </a:defRPr>
       </a:lvl2pPr>
-      <a:lvl3pPr marL="1234438" marR="0" indent="-320038" algn="l" defTabSz="914400" rtl="0" latinLnBrk="0">
+      <a:lvl3pPr marL="1234440" marR="0" indent="-320040" algn="l" defTabSz="914400" rtl="0" latinLnBrk="0">
         <a:lnSpc>
           <a:spcPct val="90000"/>
         </a:lnSpc>
@@ -3516,10 +3477,9 @@
         </a:spcAft>
         <a:buClrTx/>
         <a:buSzPct val="100000"/>
-        <a:buFont typeface="Arial"/>
+        <a:buFont typeface="Arial" panose="020B0604020202020204"/>
         <a:buChar char="•"/>
-        <a:tabLst/>
-        <a:defRPr b="0" baseline="0" cap="none" i="0" spc="0" strike="noStrike" sz="2800" u="none">
+        <a:defRPr sz="2800" b="0" i="0" u="none" strike="noStrike" cap="none" spc="0" baseline="0">
           <a:ln>
             <a:noFill/>
           </a:ln>
@@ -3527,10 +3487,10 @@
             <a:srgbClr val="000000"/>
           </a:solidFill>
           <a:uFillTx/>
-          <a:latin typeface="等线"/>
-          <a:ea typeface="等线"/>
-          <a:cs typeface="等线"/>
-          <a:sym typeface="等线"/>
+          <a:latin typeface="等线" panose="02010600030101010101" charset="-122"/>
+          <a:ea typeface="等线" panose="02010600030101010101" charset="-122"/>
+          <a:cs typeface="等线" panose="02010600030101010101" charset="-122"/>
+          <a:sym typeface="等线" panose="02010600030101010101" charset="-122"/>
         </a:defRPr>
       </a:lvl3pPr>
       <a:lvl4pPr marL="1727200" marR="0" indent="-355600" algn="l" defTabSz="914400" rtl="0" latinLnBrk="0">
@@ -3545,10 +3505,9 @@
         </a:spcAft>
         <a:buClrTx/>
         <a:buSzPct val="100000"/>
-        <a:buFont typeface="Arial"/>
+        <a:buFont typeface="Arial" panose="020B0604020202020204"/>
         <a:buChar char="•"/>
-        <a:tabLst/>
-        <a:defRPr b="0" baseline="0" cap="none" i="0" spc="0" strike="noStrike" sz="2800" u="none">
+        <a:defRPr sz="2800" b="0" i="0" u="none" strike="noStrike" cap="none" spc="0" baseline="0">
           <a:ln>
             <a:noFill/>
           </a:ln>
@@ -3556,10 +3515,10 @@
             <a:srgbClr val="000000"/>
           </a:solidFill>
           <a:uFillTx/>
-          <a:latin typeface="等线"/>
-          <a:ea typeface="等线"/>
-          <a:cs typeface="等线"/>
-          <a:sym typeface="等线"/>
+          <a:latin typeface="等线" panose="02010600030101010101" charset="-122"/>
+          <a:ea typeface="等线" panose="02010600030101010101" charset="-122"/>
+          <a:cs typeface="等线" panose="02010600030101010101" charset="-122"/>
+          <a:sym typeface="等线" panose="02010600030101010101" charset="-122"/>
         </a:defRPr>
       </a:lvl4pPr>
       <a:lvl5pPr marL="2184400" marR="0" indent="-355600" algn="l" defTabSz="914400" rtl="0" latinLnBrk="0">
@@ -3574,10 +3533,9 @@
         </a:spcAft>
         <a:buClrTx/>
         <a:buSzPct val="100000"/>
-        <a:buFont typeface="Arial"/>
+        <a:buFont typeface="Arial" panose="020B0604020202020204"/>
         <a:buChar char="•"/>
-        <a:tabLst/>
-        <a:defRPr b="0" baseline="0" cap="none" i="0" spc="0" strike="noStrike" sz="2800" u="none">
+        <a:defRPr sz="2800" b="0" i="0" u="none" strike="noStrike" cap="none" spc="0" baseline="0">
           <a:ln>
             <a:noFill/>
           </a:ln>
@@ -3585,10 +3543,10 @@
             <a:srgbClr val="000000"/>
           </a:solidFill>
           <a:uFillTx/>
-          <a:latin typeface="等线"/>
-          <a:ea typeface="等线"/>
-          <a:cs typeface="等线"/>
-          <a:sym typeface="等线"/>
+          <a:latin typeface="等线" panose="02010600030101010101" charset="-122"/>
+          <a:ea typeface="等线" panose="02010600030101010101" charset="-122"/>
+          <a:cs typeface="等线" panose="02010600030101010101" charset="-122"/>
+          <a:sym typeface="等线" panose="02010600030101010101" charset="-122"/>
         </a:defRPr>
       </a:lvl5pPr>
       <a:lvl6pPr marL="2641600" marR="0" indent="-355600" algn="l" defTabSz="914400" rtl="0" latinLnBrk="0">
@@ -3603,10 +3561,9 @@
         </a:spcAft>
         <a:buClrTx/>
         <a:buSzPct val="100000"/>
-        <a:buFont typeface="Arial"/>
+        <a:buFont typeface="Arial" panose="020B0604020202020204"/>
         <a:buChar char="•"/>
-        <a:tabLst/>
-        <a:defRPr b="0" baseline="0" cap="none" i="0" spc="0" strike="noStrike" sz="2800" u="none">
+        <a:defRPr sz="2800" b="0" i="0" u="none" strike="noStrike" cap="none" spc="0" baseline="0">
           <a:ln>
             <a:noFill/>
           </a:ln>
@@ -3614,10 +3571,10 @@
             <a:srgbClr val="000000"/>
           </a:solidFill>
           <a:uFillTx/>
-          <a:latin typeface="等线"/>
-          <a:ea typeface="等线"/>
-          <a:cs typeface="等线"/>
-          <a:sym typeface="等线"/>
+          <a:latin typeface="等线" panose="02010600030101010101" charset="-122"/>
+          <a:ea typeface="等线" panose="02010600030101010101" charset="-122"/>
+          <a:cs typeface="等线" panose="02010600030101010101" charset="-122"/>
+          <a:sym typeface="等线" panose="02010600030101010101" charset="-122"/>
         </a:defRPr>
       </a:lvl6pPr>
       <a:lvl7pPr marL="3098800" marR="0" indent="-355600" algn="l" defTabSz="914400" rtl="0" latinLnBrk="0">
@@ -3632,10 +3589,9 @@
         </a:spcAft>
         <a:buClrTx/>
         <a:buSzPct val="100000"/>
-        <a:buFont typeface="Arial"/>
+        <a:buFont typeface="Arial" panose="020B0604020202020204"/>
         <a:buChar char="•"/>
-        <a:tabLst/>
-        <a:defRPr b="0" baseline="0" cap="none" i="0" spc="0" strike="noStrike" sz="2800" u="none">
+        <a:defRPr sz="2800" b="0" i="0" u="none" strike="noStrike" cap="none" spc="0" baseline="0">
           <a:ln>
             <a:noFill/>
           </a:ln>
@@ -3643,10 +3599,10 @@
             <a:srgbClr val="000000"/>
           </a:solidFill>
           <a:uFillTx/>
-          <a:latin typeface="等线"/>
-          <a:ea typeface="等线"/>
-          <a:cs typeface="等线"/>
-          <a:sym typeface="等线"/>
+          <a:latin typeface="等线" panose="02010600030101010101" charset="-122"/>
+          <a:ea typeface="等线" panose="02010600030101010101" charset="-122"/>
+          <a:cs typeface="等线" panose="02010600030101010101" charset="-122"/>
+          <a:sym typeface="等线" panose="02010600030101010101" charset="-122"/>
         </a:defRPr>
       </a:lvl7pPr>
       <a:lvl8pPr marL="3556000" marR="0" indent="-355600" algn="l" defTabSz="914400" rtl="0" latinLnBrk="0">
@@ -3661,10 +3617,9 @@
         </a:spcAft>
         <a:buClrTx/>
         <a:buSzPct val="100000"/>
-        <a:buFont typeface="Arial"/>
+        <a:buFont typeface="Arial" panose="020B0604020202020204"/>
         <a:buChar char="•"/>
-        <a:tabLst/>
-        <a:defRPr b="0" baseline="0" cap="none" i="0" spc="0" strike="noStrike" sz="2800" u="none">
+        <a:defRPr sz="2800" b="0" i="0" u="none" strike="noStrike" cap="none" spc="0" baseline="0">
           <a:ln>
             <a:noFill/>
           </a:ln>
@@ -3672,10 +3627,10 @@
             <a:srgbClr val="000000"/>
           </a:solidFill>
           <a:uFillTx/>
-          <a:latin typeface="等线"/>
-          <a:ea typeface="等线"/>
-          <a:cs typeface="等线"/>
-          <a:sym typeface="等线"/>
+          <a:latin typeface="等线" panose="02010600030101010101" charset="-122"/>
+          <a:ea typeface="等线" panose="02010600030101010101" charset="-122"/>
+          <a:cs typeface="等线" panose="02010600030101010101" charset="-122"/>
+          <a:sym typeface="等线" panose="02010600030101010101" charset="-122"/>
         </a:defRPr>
       </a:lvl8pPr>
       <a:lvl9pPr marL="4013200" marR="0" indent="-355600" algn="l" defTabSz="914400" rtl="0" latinLnBrk="0">
@@ -3690,10 +3645,9 @@
         </a:spcAft>
         <a:buClrTx/>
         <a:buSzPct val="100000"/>
-        <a:buFont typeface="Arial"/>
+        <a:buFont typeface="Arial" panose="020B0604020202020204"/>
         <a:buChar char="•"/>
-        <a:tabLst/>
-        <a:defRPr b="0" baseline="0" cap="none" i="0" spc="0" strike="noStrike" sz="2800" u="none">
+        <a:defRPr sz="2800" b="0" i="0" u="none" strike="noStrike" cap="none" spc="0" baseline="0">
           <a:ln>
             <a:noFill/>
           </a:ln>
@@ -3701,10 +3655,10 @@
             <a:srgbClr val="000000"/>
           </a:solidFill>
           <a:uFillTx/>
-          <a:latin typeface="等线"/>
-          <a:ea typeface="等线"/>
-          <a:cs typeface="等线"/>
-          <a:sym typeface="等线"/>
+          <a:latin typeface="等线" panose="02010600030101010101" charset="-122"/>
+          <a:ea typeface="等线" panose="02010600030101010101" charset="-122"/>
+          <a:cs typeface="等线" panose="02010600030101010101" charset="-122"/>
+          <a:sym typeface="等线" panose="02010600030101010101" charset="-122"/>
         </a:defRPr>
       </a:lvl9pPr>
     </p:bodyStyle>
@@ -3723,8 +3677,7 @@
         <a:buSzTx/>
         <a:buFontTx/>
         <a:buNone/>
-        <a:tabLst/>
-        <a:defRPr b="0" baseline="0" cap="none" i="0" spc="0" strike="noStrike" sz="1200" u="none">
+        <a:defRPr sz="1200" b="0" i="0" u="none" strike="noStrike" cap="none" spc="0" baseline="0">
           <a:ln>
             <a:noFill/>
           </a:ln>
@@ -3735,7 +3688,7 @@
           <a:latin typeface="+mn-lt"/>
           <a:ea typeface="+mn-ea"/>
           <a:cs typeface="+mn-cs"/>
-          <a:sym typeface="等线"/>
+          <a:sym typeface="等线" panose="02010600030101010101" charset="-122"/>
         </a:defRPr>
       </a:lvl1pPr>
       <a:lvl2pPr marL="0" marR="0" indent="0" algn="r" defTabSz="914400" rtl="0" latinLnBrk="0">
@@ -3752,8 +3705,7 @@
         <a:buSzTx/>
         <a:buFontTx/>
         <a:buNone/>
-        <a:tabLst/>
-        <a:defRPr b="0" baseline="0" cap="none" i="0" spc="0" strike="noStrike" sz="1200" u="none">
+        <a:defRPr sz="1200" b="0" i="0" u="none" strike="noStrike" cap="none" spc="0" baseline="0">
           <a:ln>
             <a:noFill/>
           </a:ln>
@@ -3764,7 +3716,7 @@
           <a:latin typeface="+mn-lt"/>
           <a:ea typeface="+mn-ea"/>
           <a:cs typeface="+mn-cs"/>
-          <a:sym typeface="等线"/>
+          <a:sym typeface="等线" panose="02010600030101010101" charset="-122"/>
         </a:defRPr>
       </a:lvl2pPr>
       <a:lvl3pPr marL="0" marR="0" indent="0" algn="r" defTabSz="914400" rtl="0" latinLnBrk="0">
@@ -3781,8 +3733,7 @@
         <a:buSzTx/>
         <a:buFontTx/>
         <a:buNone/>
-        <a:tabLst/>
-        <a:defRPr b="0" baseline="0" cap="none" i="0" spc="0" strike="noStrike" sz="1200" u="none">
+        <a:defRPr sz="1200" b="0" i="0" u="none" strike="noStrike" cap="none" spc="0" baseline="0">
           <a:ln>
             <a:noFill/>
           </a:ln>
@@ -3793,7 +3744,7 @@
           <a:latin typeface="+mn-lt"/>
           <a:ea typeface="+mn-ea"/>
           <a:cs typeface="+mn-cs"/>
-          <a:sym typeface="等线"/>
+          <a:sym typeface="等线" panose="02010600030101010101" charset="-122"/>
         </a:defRPr>
       </a:lvl3pPr>
       <a:lvl4pPr marL="0" marR="0" indent="0" algn="r" defTabSz="914400" rtl="0" latinLnBrk="0">
@@ -3810,8 +3761,7 @@
         <a:buSzTx/>
         <a:buFontTx/>
         <a:buNone/>
-        <a:tabLst/>
-        <a:defRPr b="0" baseline="0" cap="none" i="0" spc="0" strike="noStrike" sz="1200" u="none">
+        <a:defRPr sz="1200" b="0" i="0" u="none" strike="noStrike" cap="none" spc="0" baseline="0">
           <a:ln>
             <a:noFill/>
           </a:ln>
@@ -3822,7 +3772,7 @@
           <a:latin typeface="+mn-lt"/>
           <a:ea typeface="+mn-ea"/>
           <a:cs typeface="+mn-cs"/>
-          <a:sym typeface="等线"/>
+          <a:sym typeface="等线" panose="02010600030101010101" charset="-122"/>
         </a:defRPr>
       </a:lvl4pPr>
       <a:lvl5pPr marL="0" marR="0" indent="0" algn="r" defTabSz="914400" rtl="0" latinLnBrk="0">
@@ -3839,8 +3789,7 @@
         <a:buSzTx/>
         <a:buFontTx/>
         <a:buNone/>
-        <a:tabLst/>
-        <a:defRPr b="0" baseline="0" cap="none" i="0" spc="0" strike="noStrike" sz="1200" u="none">
+        <a:defRPr sz="1200" b="0" i="0" u="none" strike="noStrike" cap="none" spc="0" baseline="0">
           <a:ln>
             <a:noFill/>
           </a:ln>
@@ -3851,7 +3800,7 @@
           <a:latin typeface="+mn-lt"/>
           <a:ea typeface="+mn-ea"/>
           <a:cs typeface="+mn-cs"/>
-          <a:sym typeface="等线"/>
+          <a:sym typeface="等线" panose="02010600030101010101" charset="-122"/>
         </a:defRPr>
       </a:lvl5pPr>
       <a:lvl6pPr marL="0" marR="0" indent="0" algn="r" defTabSz="914400" rtl="0" latinLnBrk="0">
@@ -3868,8 +3817,7 @@
         <a:buSzTx/>
         <a:buFontTx/>
         <a:buNone/>
-        <a:tabLst/>
-        <a:defRPr b="0" baseline="0" cap="none" i="0" spc="0" strike="noStrike" sz="1200" u="none">
+        <a:defRPr sz="1200" b="0" i="0" u="none" strike="noStrike" cap="none" spc="0" baseline="0">
           <a:ln>
             <a:noFill/>
           </a:ln>
@@ -3880,7 +3828,7 @@
           <a:latin typeface="+mn-lt"/>
           <a:ea typeface="+mn-ea"/>
           <a:cs typeface="+mn-cs"/>
-          <a:sym typeface="等线"/>
+          <a:sym typeface="等线" panose="02010600030101010101" charset="-122"/>
         </a:defRPr>
       </a:lvl6pPr>
       <a:lvl7pPr marL="0" marR="0" indent="0" algn="r" defTabSz="914400" rtl="0" latinLnBrk="0">
@@ -3897,8 +3845,7 @@
         <a:buSzTx/>
         <a:buFontTx/>
         <a:buNone/>
-        <a:tabLst/>
-        <a:defRPr b="0" baseline="0" cap="none" i="0" spc="0" strike="noStrike" sz="1200" u="none">
+        <a:defRPr sz="1200" b="0" i="0" u="none" strike="noStrike" cap="none" spc="0" baseline="0">
           <a:ln>
             <a:noFill/>
           </a:ln>
@@ -3909,7 +3856,7 @@
           <a:latin typeface="+mn-lt"/>
           <a:ea typeface="+mn-ea"/>
           <a:cs typeface="+mn-cs"/>
-          <a:sym typeface="等线"/>
+          <a:sym typeface="等线" panose="02010600030101010101" charset="-122"/>
         </a:defRPr>
       </a:lvl7pPr>
       <a:lvl8pPr marL="0" marR="0" indent="0" algn="r" defTabSz="914400" rtl="0" latinLnBrk="0">
@@ -3926,8 +3873,7 @@
         <a:buSzTx/>
         <a:buFontTx/>
         <a:buNone/>
-        <a:tabLst/>
-        <a:defRPr b="0" baseline="0" cap="none" i="0" spc="0" strike="noStrike" sz="1200" u="none">
+        <a:defRPr sz="1200" b="0" i="0" u="none" strike="noStrike" cap="none" spc="0" baseline="0">
           <a:ln>
             <a:noFill/>
           </a:ln>
@@ -3938,7 +3884,7 @@
           <a:latin typeface="+mn-lt"/>
           <a:ea typeface="+mn-ea"/>
           <a:cs typeface="+mn-cs"/>
-          <a:sym typeface="等线"/>
+          <a:sym typeface="等线" panose="02010600030101010101" charset="-122"/>
         </a:defRPr>
       </a:lvl8pPr>
       <a:lvl9pPr marL="0" marR="0" indent="0" algn="r" defTabSz="914400" rtl="0" latinLnBrk="0">
@@ -3955,8 +3901,7 @@
         <a:buSzTx/>
         <a:buFontTx/>
         <a:buNone/>
-        <a:tabLst/>
-        <a:defRPr b="0" baseline="0" cap="none" i="0" spc="0" strike="noStrike" sz="1200" u="none">
+        <a:defRPr sz="1200" b="0" i="0" u="none" strike="noStrike" cap="none" spc="0" baseline="0">
           <a:ln>
             <a:noFill/>
           </a:ln>
@@ -3967,7 +3912,7 @@
           <a:latin typeface="+mn-lt"/>
           <a:ea typeface="+mn-ea"/>
           <a:cs typeface="+mn-cs"/>
-          <a:sym typeface="等线"/>
+          <a:sym typeface="等线" panose="02010600030101010101" charset="-122"/>
         </a:defRPr>
       </a:lvl9pPr>
     </p:otherStyle>
@@ -3976,7 +3921,7 @@
 </file>
 
 <file path=ppt/slides/slide1.xml><?xml version="1.0" encoding="utf-8"?>
-<p:sld xmlns:a="http://schemas.openxmlformats.org/drawingml/2006/main" xmlns:r="http://schemas.openxmlformats.org/officeDocument/2006/relationships" xmlns:p="http://schemas.openxmlformats.org/presentationml/2006/main" xmlns:m="http://schemas.openxmlformats.org/officeDocument/2006/math" xmlns:a14="http://schemas.microsoft.com/office/drawing/2010/main" showMasterSp="1" showMasterPhAnim="1">
+<p:sld xmlns:a="http://schemas.openxmlformats.org/drawingml/2006/main" xmlns:r="http://schemas.openxmlformats.org/officeDocument/2006/relationships" xmlns:p="http://schemas.openxmlformats.org/presentationml/2006/main">
   <p:cSld>
     <p:spTree>
       <p:nvGrpSpPr>
@@ -4001,9 +3946,7 @@
           <p:nvPr/>
         </p:nvPicPr>
         <p:blipFill>
-          <a:blip r:embed="rId2">
-            <a:extLst/>
-          </a:blip>
+          <a:blip r:embed="rId1"/>
           <a:srcRect l="1821" t="2336" r="1038" b="2790"/>
           <a:stretch>
             <a:fillRect/>
@@ -4019,6 +3962,8 @@
           </a:prstGeom>
           <a:ln w="12700">
             <a:miter lim="400000"/>
+            <a:headEnd/>
+            <a:tailEnd/>
           </a:ln>
         </p:spPr>
       </p:pic>
@@ -4054,10 +3999,10 @@
                 <a:solidFill>
                   <a:srgbClr val="FFFFFF"/>
                 </a:solidFill>
-                <a:latin typeface="等线"/>
-                <a:ea typeface="等线"/>
-                <a:cs typeface="等线"/>
-                <a:sym typeface="等线"/>
+                <a:latin typeface="等线" panose="02010600030101010101" charset="-122"/>
+                <a:ea typeface="等线" panose="02010600030101010101" charset="-122"/>
+                <a:cs typeface="等线" panose="02010600030101010101" charset="-122"/>
+                <a:sym typeface="等线" panose="02010600030101010101" charset="-122"/>
               </a:defRPr>
             </a:pPr>
           </a:p>
@@ -4084,7 +4029,7 @@
             <a:miter lim="400000"/>
           </a:ln>
           <a:effectLst>
-            <a:outerShdw sx="100000" sy="100000" kx="0" ky="0" algn="b" rotWithShape="0" blurRad="63500" dist="0" dir="0">
+            <a:outerShdw blurRad="63500" rotWithShape="0">
               <a:srgbClr val="000000">
                 <a:alpha val="40000"/>
               </a:srgbClr>
@@ -4100,10 +4045,10 @@
                 <a:solidFill>
                   <a:srgbClr val="FFFFFF"/>
                 </a:solidFill>
-                <a:latin typeface="等线"/>
-                <a:ea typeface="等线"/>
-                <a:cs typeface="等线"/>
-                <a:sym typeface="等线"/>
+                <a:latin typeface="等线" panose="02010600030101010101" charset="-122"/>
+                <a:ea typeface="等线" panose="02010600030101010101" charset="-122"/>
+                <a:cs typeface="等线" panose="02010600030101010101" charset="-122"/>
+                <a:sym typeface="等线" panose="02010600030101010101" charset="-122"/>
               </a:defRPr>
             </a:pPr>
           </a:p>
@@ -4116,7 +4061,7 @@
           <p:nvPr/>
         </p:nvSpPr>
         <p:spPr>
-          <a:xfrm flipH="1" flipV="1" rot="16200000">
+          <a:xfrm rot="16200000" flipH="1" flipV="1">
             <a:off x="-5" y="-6561"/>
             <a:ext cx="1690221" cy="1690218"/>
           </a:xfrm>
@@ -4140,7 +4085,7 @@
             </a:cxnLst>
             <a:rect l="0" t="0" r="r" b="b"/>
             <a:pathLst>
-              <a:path w="21600" h="21600" fill="norm" stroke="1" extrusionOk="0">
+              <a:path w="21600" h="21600" extrusionOk="0">
                 <a:moveTo>
                   <a:pt x="0" y="21600"/>
                 </a:moveTo>
@@ -4161,7 +4106,7 @@
             <a:miter lim="400000"/>
           </a:ln>
           <a:effectLst>
-            <a:outerShdw sx="100000" sy="100000" kx="0" ky="0" algn="b" rotWithShape="0" blurRad="50800" dist="38100" dir="2700000">
+            <a:outerShdw blurRad="50800" dist="38100" dir="2700000" rotWithShape="0">
               <a:srgbClr val="000000">
                 <a:alpha val="40000"/>
               </a:srgbClr>
@@ -4174,10 +4119,10 @@
           <a:p>
             <a:pPr algn="ctr">
               <a:defRPr>
-                <a:latin typeface="等线"/>
-                <a:ea typeface="等线"/>
-                <a:cs typeface="等线"/>
-                <a:sym typeface="等线"/>
+                <a:latin typeface="等线" panose="02010600030101010101" charset="-122"/>
+                <a:ea typeface="等线" panose="02010600030101010101" charset="-122"/>
+                <a:cs typeface="等线" panose="02010600030101010101" charset="-122"/>
+                <a:sym typeface="等线" panose="02010600030101010101" charset="-122"/>
               </a:defRPr>
             </a:pPr>
           </a:p>
@@ -4200,11 +4145,6 @@
           <a:ln w="12700">
             <a:miter lim="400000"/>
           </a:ln>
-          <a:extLst>
-            <a:ext uri="{C572A759-6A51-4108-AA02-DFA0A04FC94B}">
-              <ma14:wrappingTextBoxFlag xmlns:ma14="http://schemas.microsoft.com/office/mac/drawingml/2011/main" val="1"/>
-            </a:ext>
-          </a:extLst>
         </p:spPr>
         <p:txBody>
           <a:bodyPr lIns="45718" tIns="45718" rIns="45718" bIns="45718">
@@ -4213,7 +4153,7 @@
           <a:lstStyle/>
           <a:p>
             <a:pPr algn="ctr">
-              <a:defRPr b="1" spc="300" sz="4000">
+              <a:defRPr sz="4000" b="1" spc="300">
                 <a:solidFill>
                   <a:srgbClr val="1C4372"/>
                 </a:solidFill>
@@ -4229,7 +4169,7 @@
           </a:p>
           <a:p>
             <a:pPr algn="ctr">
-              <a:defRPr spc="202" sz="2700">
+              <a:defRPr sz="2700" spc="202">
                 <a:solidFill>
                   <a:srgbClr val="1C4372"/>
                 </a:solidFill>
@@ -4262,11 +4202,6 @@
           <a:ln w="12700">
             <a:miter lim="400000"/>
           </a:ln>
-          <a:extLst>
-            <a:ext uri="{C572A759-6A51-4108-AA02-DFA0A04FC94B}">
-              <ma14:wrappingTextBoxFlag xmlns:ma14="http://schemas.microsoft.com/office/mac/drawingml/2011/main" val="1"/>
-            </a:ext>
-          </a:extLst>
         </p:spPr>
         <p:txBody>
           <a:bodyPr lIns="45718" tIns="45718" rIns="45718" bIns="45718">
@@ -4278,15 +4213,14 @@
                 <a:solidFill>
                   <a:srgbClr val="1C4372"/>
                 </a:solidFill>
-                <a:latin typeface="微软雅黑"/>
-                <a:ea typeface="微软雅黑"/>
-                <a:cs typeface="微软雅黑"/>
-                <a:sym typeface="微软雅黑"/>
+                <a:latin typeface="微软雅黑" panose="020B0503020204020204" charset="-122"/>
+                <a:ea typeface="微软雅黑" panose="020B0503020204020204" charset="-122"/>
+                <a:cs typeface="微软雅黑" panose="020B0503020204020204" charset="-122"/>
+                <a:sym typeface="微软雅黑" panose="020B0503020204020204" charset="-122"/>
               </a:defRPr>
             </a:lvl1pPr>
           </a:lstStyle>
           <a:p>
-            <a:pPr/>
             <a:r>
               <a:t>Wang Can &amp; Luo Runyi</a:t>
             </a:r>
@@ -4338,7 +4272,7 @@
               </a:cxnLst>
               <a:rect l="0" t="0" r="r" b="b"/>
               <a:pathLst>
-                <a:path w="21600" h="21600" fill="norm" stroke="1" extrusionOk="0">
+                <a:path w="21600" h="21600" extrusionOk="0">
                   <a:moveTo>
                     <a:pt x="21600" y="20555"/>
                   </a:moveTo>
@@ -4486,10 +4420,10 @@
                   <a:solidFill>
                     <a:srgbClr val="1C4372"/>
                   </a:solidFill>
-                  <a:latin typeface="等线"/>
-                  <a:ea typeface="等线"/>
-                  <a:cs typeface="等线"/>
-                  <a:sym typeface="等线"/>
+                  <a:latin typeface="等线" panose="02010600030101010101" charset="-122"/>
+                  <a:ea typeface="等线" panose="02010600030101010101" charset="-122"/>
+                  <a:cs typeface="等线" panose="02010600030101010101" charset="-122"/>
+                  <a:sym typeface="等线" panose="02010600030101010101" charset="-122"/>
                 </a:defRPr>
               </a:pPr>
             </a:p>
@@ -4530,10 +4464,10 @@
                   <a:solidFill>
                     <a:srgbClr val="1C4372"/>
                   </a:solidFill>
-                  <a:latin typeface="等线"/>
-                  <a:ea typeface="等线"/>
-                  <a:cs typeface="等线"/>
-                  <a:sym typeface="等线"/>
+                  <a:latin typeface="等线" panose="02010600030101010101" charset="-122"/>
+                  <a:ea typeface="等线" panose="02010600030101010101" charset="-122"/>
+                  <a:cs typeface="等线" panose="02010600030101010101" charset="-122"/>
+                  <a:sym typeface="等线" panose="02010600030101010101" charset="-122"/>
                 </a:defRPr>
               </a:pPr>
             </a:p>
@@ -4571,7 +4505,7 @@
             </a:cxnLst>
             <a:rect l="0" t="0" r="r" b="b"/>
             <a:pathLst>
-              <a:path w="21600" h="21600" fill="norm" stroke="1" extrusionOk="0">
+              <a:path w="21600" h="21600" extrusionOk="0">
                 <a:moveTo>
                   <a:pt x="0" y="21600"/>
                 </a:moveTo>
@@ -4592,7 +4526,7 @@
             <a:miter lim="400000"/>
           </a:ln>
           <a:effectLst>
-            <a:outerShdw sx="100000" sy="100000" kx="0" ky="0" algn="b" rotWithShape="0" blurRad="50800" dist="38100" dir="13500000">
+            <a:outerShdw blurRad="50800" dist="38100" dir="13500000" rotWithShape="0">
               <a:srgbClr val="000000">
                 <a:alpha val="40000"/>
               </a:srgbClr>
@@ -4605,10 +4539,10 @@
           <a:p>
             <a:pPr algn="ctr">
               <a:defRPr>
-                <a:latin typeface="等线"/>
-                <a:ea typeface="等线"/>
-                <a:cs typeface="等线"/>
-                <a:sym typeface="等线"/>
+                <a:latin typeface="等线" panose="02010600030101010101" charset="-122"/>
+                <a:ea typeface="等线" panose="02010600030101010101" charset="-122"/>
+                <a:cs typeface="等线" panose="02010600030101010101" charset="-122"/>
+                <a:sym typeface="等线" panose="02010600030101010101" charset="-122"/>
               </a:defRPr>
             </a:pPr>
           </a:p>
@@ -4623,9 +4557,7 @@
           <p:nvPr/>
         </p:nvPicPr>
         <p:blipFill>
-          <a:blip r:embed="rId3">
-            <a:extLst/>
-          </a:blip>
+          <a:blip r:embed="rId2"/>
           <a:stretch>
             <a:fillRect/>
           </a:stretch>
@@ -4640,6 +4572,8 @@
           </a:prstGeom>
           <a:ln w="12700">
             <a:miter lim="400000"/>
+            <a:headEnd/>
+            <a:tailEnd/>
           </a:ln>
         </p:spPr>
       </p:pic>
@@ -4652,9 +4586,7 @@
           <p:nvPr/>
         </p:nvPicPr>
         <p:blipFill>
-          <a:blip r:embed="rId4">
-            <a:extLst/>
-          </a:blip>
+          <a:blip r:embed="rId3"/>
           <a:stretch>
             <a:fillRect/>
           </a:stretch>
@@ -4669,6 +4601,8 @@
           </a:prstGeom>
           <a:ln w="12700">
             <a:miter lim="400000"/>
+            <a:headEnd/>
+            <a:tailEnd/>
           </a:ln>
         </p:spPr>
       </p:pic>
@@ -4749,18 +4683,15 @@
           <a:prstGeom prst="rect">
             <a:avLst/>
           </a:prstGeom>
-          <a:extLst>
-            <a:ext uri="{C572A759-6A51-4108-AA02-DFA0A04FC94B}">
-              <ma14:wrappingTextBoxFlag xmlns:ma14="http://schemas.microsoft.com/office/mac/drawingml/2011/main" val="1"/>
-            </a:ext>
-          </a:extLst>
         </p:spPr>
         <p:txBody>
           <a:bodyPr/>
           <a:lstStyle/>
           <a:p>
-            <a:pPr/>
-            <a:fld id="{86CB4B4D-7CA3-9044-876B-883B54F8677D}" type="slidenum"/>
+            <a:fld id="{86CB4B4D-7CA3-9044-876B-883B54F8677D}" type="slidenum">
+              <a:rPr/>
+            </a:fld>
+            <a:endParaRPr/>
           </a:p>
         </p:txBody>
       </p:sp>
@@ -4769,12 +4700,12 @@
   <p:clrMapOvr>
     <a:masterClrMapping/>
   </p:clrMapOvr>
-  <p:transition xmlns:p14="http://schemas.microsoft.com/office/powerpoint/2010/main" spd="med" advClick="1"/>
+  <p:transition spd="med"/>
 </p:sld>
 </file>
 
 <file path=ppt/slides/slide10.xml><?xml version="1.0" encoding="utf-8"?>
-<p:sld xmlns:a="http://schemas.openxmlformats.org/drawingml/2006/main" xmlns:r="http://schemas.openxmlformats.org/officeDocument/2006/relationships" xmlns:p="http://schemas.openxmlformats.org/presentationml/2006/main" xmlns:m="http://schemas.openxmlformats.org/officeDocument/2006/math" xmlns:a14="http://schemas.microsoft.com/office/drawing/2010/main" showMasterSp="1" showMasterPhAnim="1">
+<p:sld xmlns:a="http://schemas.openxmlformats.org/drawingml/2006/main" xmlns:r="http://schemas.openxmlformats.org/officeDocument/2006/relationships" xmlns:p="http://schemas.openxmlformats.org/presentationml/2006/main">
   <p:cSld>
     <p:spTree>
       <p:nvGrpSpPr>
@@ -4792,16 +4723,14 @@
       </p:grpSpPr>
       <p:pic>
         <p:nvPicPr>
-          <p:cNvPr id="358" name="图片 3" descr="图片 3"/>
+          <p:cNvPr id="347" name="图片 3" descr="图片 3"/>
           <p:cNvPicPr>
             <a:picLocks noChangeAspect="1"/>
           </p:cNvPicPr>
           <p:nvPr/>
         </p:nvPicPr>
         <p:blipFill>
-          <a:blip r:embed="rId2">
-            <a:extLst/>
-          </a:blip>
+          <a:blip r:embed="rId1"/>
           <a:srcRect l="1821" t="2336" r="1038" b="2790"/>
           <a:stretch>
             <a:fillRect/>
@@ -4817,12 +4746,14 @@
           </a:prstGeom>
           <a:ln w="12700">
             <a:miter lim="400000"/>
+            <a:headEnd/>
+            <a:tailEnd/>
           </a:ln>
         </p:spPr>
       </p:pic>
       <p:sp>
         <p:nvSpPr>
-          <p:cNvPr id="359" name="矩形 4"/>
+          <p:cNvPr id="348" name="矩形 4"/>
           <p:cNvSpPr/>
           <p:nvPr/>
         </p:nvSpPr>
@@ -4852,10 +4783,10 @@
                 <a:solidFill>
                   <a:srgbClr val="FFFFFF"/>
                 </a:solidFill>
-                <a:latin typeface="等线"/>
-                <a:ea typeface="等线"/>
-                <a:cs typeface="等线"/>
-                <a:sym typeface="等线"/>
+                <a:latin typeface="等线" panose="02010600030101010101" charset="-122"/>
+                <a:ea typeface="等线" panose="02010600030101010101" charset="-122"/>
+                <a:cs typeface="等线" panose="02010600030101010101" charset="-122"/>
+                <a:sym typeface="等线" panose="02010600030101010101" charset="-122"/>
               </a:defRPr>
             </a:pPr>
           </a:p>
@@ -4863,7 +4794,7 @@
       </p:sp>
       <p:sp>
         <p:nvSpPr>
-          <p:cNvPr id="360" name="矩形 5"/>
+          <p:cNvPr id="349" name="矩形 5"/>
           <p:cNvSpPr/>
           <p:nvPr/>
         </p:nvSpPr>
@@ -4882,7 +4813,7 @@
             <a:miter lim="400000"/>
           </a:ln>
           <a:effectLst>
-            <a:outerShdw sx="100000" sy="100000" kx="0" ky="0" algn="b" rotWithShape="0" blurRad="63500" dist="0" dir="0">
+            <a:outerShdw blurRad="63500" rotWithShape="0">
               <a:srgbClr val="000000">
                 <a:alpha val="40000"/>
               </a:srgbClr>
@@ -4898,10 +4829,10 @@
                 <a:solidFill>
                   <a:srgbClr val="FFFFFF"/>
                 </a:solidFill>
-                <a:latin typeface="等线"/>
-                <a:ea typeface="等线"/>
-                <a:cs typeface="等线"/>
-                <a:sym typeface="等线"/>
+                <a:latin typeface="等线" panose="02010600030101010101" charset="-122"/>
+                <a:ea typeface="等线" panose="02010600030101010101" charset="-122"/>
+                <a:cs typeface="等线" panose="02010600030101010101" charset="-122"/>
+                <a:sym typeface="等线" panose="02010600030101010101" charset="-122"/>
               </a:defRPr>
             </a:pPr>
           </a:p>
@@ -4909,12 +4840,12 @@
       </p:sp>
       <p:sp>
         <p:nvSpPr>
-          <p:cNvPr id="361" name="直角三角形 6"/>
+          <p:cNvPr id="350" name="直角三角形 6"/>
           <p:cNvSpPr/>
           <p:nvPr/>
         </p:nvSpPr>
         <p:spPr>
-          <a:xfrm flipH="1" flipV="1" rot="16200000">
+          <a:xfrm rot="16200000" flipH="1" flipV="1">
             <a:off x="-5" y="-6561"/>
             <a:ext cx="1690221" cy="1690218"/>
           </a:xfrm>
@@ -4938,7 +4869,7 @@
             </a:cxnLst>
             <a:rect l="0" t="0" r="r" b="b"/>
             <a:pathLst>
-              <a:path w="21600" h="21600" fill="norm" stroke="1" extrusionOk="0">
+              <a:path w="21600" h="21600" extrusionOk="0">
                 <a:moveTo>
                   <a:pt x="0" y="21600"/>
                 </a:moveTo>
@@ -4959,7 +4890,7 @@
             <a:miter lim="400000"/>
           </a:ln>
           <a:effectLst>
-            <a:outerShdw sx="100000" sy="100000" kx="0" ky="0" algn="b" rotWithShape="0" blurRad="50800" dist="38100" dir="2700000">
+            <a:outerShdw blurRad="50800" dist="38100" dir="2700000" rotWithShape="0">
               <a:srgbClr val="000000">
                 <a:alpha val="40000"/>
               </a:srgbClr>
@@ -4972,10 +4903,10 @@
           <a:p>
             <a:pPr algn="ctr">
               <a:defRPr>
-                <a:latin typeface="等线"/>
-                <a:ea typeface="等线"/>
-                <a:cs typeface="等线"/>
-                <a:sym typeface="等线"/>
+                <a:latin typeface="等线" panose="02010600030101010101" charset="-122"/>
+                <a:ea typeface="等线" panose="02010600030101010101" charset="-122"/>
+                <a:cs typeface="等线" panose="02010600030101010101" charset="-122"/>
+                <a:sym typeface="等线" panose="02010600030101010101" charset="-122"/>
               </a:defRPr>
             </a:pPr>
           </a:p>
@@ -4983,7 +4914,7 @@
       </p:sp>
       <p:sp>
         <p:nvSpPr>
-          <p:cNvPr id="362" name="直角三角形 19"/>
+          <p:cNvPr id="351" name="直角三角形 19"/>
           <p:cNvSpPr/>
           <p:nvPr/>
         </p:nvSpPr>
@@ -5012,7 +4943,7 @@
             </a:cxnLst>
             <a:rect l="0" t="0" r="r" b="b"/>
             <a:pathLst>
-              <a:path w="21600" h="21600" fill="norm" stroke="1" extrusionOk="0">
+              <a:path w="21600" h="21600" extrusionOk="0">
                 <a:moveTo>
                   <a:pt x="0" y="21600"/>
                 </a:moveTo>
@@ -5033,7 +4964,7 @@
             <a:miter lim="400000"/>
           </a:ln>
           <a:effectLst>
-            <a:outerShdw sx="100000" sy="100000" kx="0" ky="0" algn="b" rotWithShape="0" blurRad="50800" dist="38100" dir="13500000">
+            <a:outerShdw blurRad="50800" dist="38100" dir="13500000" rotWithShape="0">
               <a:srgbClr val="000000">
                 <a:alpha val="40000"/>
               </a:srgbClr>
@@ -5046,10 +4977,10 @@
           <a:p>
             <a:pPr algn="ctr">
               <a:defRPr>
-                <a:latin typeface="等线"/>
-                <a:ea typeface="等线"/>
-                <a:cs typeface="等线"/>
-                <a:sym typeface="等线"/>
+                <a:latin typeface="等线" panose="02010600030101010101" charset="-122"/>
+                <a:ea typeface="等线" panose="02010600030101010101" charset="-122"/>
+                <a:cs typeface="等线" panose="02010600030101010101" charset="-122"/>
+                <a:sym typeface="等线" panose="02010600030101010101" charset="-122"/>
               </a:defRPr>
             </a:pPr>
           </a:p>
@@ -5057,7 +4988,7 @@
       </p:sp>
       <p:sp>
         <p:nvSpPr>
-          <p:cNvPr id="363" name="灯片编号占位符 7"/>
+          <p:cNvPr id="352" name="灯片编号占位符 7"/>
           <p:cNvSpPr txBox="1"/>
           <p:nvPr>
             <p:ph type="sldNum" sz="quarter" idx="4294967295"/>
@@ -5065,30 +4996,27 @@
         </p:nvSpPr>
         <p:spPr>
           <a:xfrm>
-            <a:off x="11080146" y="6404293"/>
-            <a:ext cx="273654" cy="269239"/>
-          </a:xfrm>
-          <a:prstGeom prst="rect">
-            <a:avLst/>
-          </a:prstGeom>
-          <a:extLst>
-            <a:ext uri="{C572A759-6A51-4108-AA02-DFA0A04FC94B}">
-              <ma14:wrappingTextBoxFlag xmlns:ma14="http://schemas.microsoft.com/office/mac/drawingml/2011/main" val="1"/>
-            </a:ext>
-          </a:extLst>
+            <a:off x="11164901" y="6404291"/>
+            <a:ext cx="188897" cy="269239"/>
+          </a:xfrm>
+          <a:prstGeom prst="rect">
+            <a:avLst/>
+          </a:prstGeom>
         </p:spPr>
         <p:txBody>
           <a:bodyPr/>
           <a:lstStyle/>
           <a:p>
-            <a:pPr/>
-            <a:fld id="{86CB4B4D-7CA3-9044-876B-883B54F8677D}" type="slidenum"/>
-          </a:p>
-        </p:txBody>
-      </p:sp>
-      <p:sp>
-        <p:nvSpPr>
-          <p:cNvPr id="364" name="文本框 46"/>
+            <a:fld id="{86CB4B4D-7CA3-9044-876B-883B54F8677D}" type="slidenum">
+              <a:rPr/>
+            </a:fld>
+            <a:endParaRPr/>
+          </a:p>
+        </p:txBody>
+      </p:sp>
+      <p:sp>
+        <p:nvSpPr>
+          <p:cNvPr id="353" name="文本框 46"/>
           <p:cNvSpPr txBox="1"/>
           <p:nvPr/>
         </p:nvSpPr>
@@ -5103,11 +5031,6 @@
           <a:ln w="12700">
             <a:miter lim="400000"/>
           </a:ln>
-          <a:extLst>
-            <a:ext uri="{C572A759-6A51-4108-AA02-DFA0A04FC94B}">
-              <ma14:wrappingTextBoxFlag xmlns:ma14="http://schemas.microsoft.com/office/mac/drawingml/2011/main" val="1"/>
-            </a:ext>
-          </a:extLst>
         </p:spPr>
         <p:txBody>
           <a:bodyPr lIns="45718" tIns="45718" rIns="45718" bIns="45718">
@@ -5115,19 +5038,18 @@
           </a:bodyPr>
           <a:lstStyle>
             <a:lvl1pPr>
-              <a:defRPr b="1" sz="2000">
+              <a:defRPr sz="2000" b="1">
                 <a:solidFill>
                   <a:srgbClr val="1C4372"/>
                 </a:solidFill>
-                <a:latin typeface="微软雅黑"/>
-                <a:ea typeface="微软雅黑"/>
-                <a:cs typeface="微软雅黑"/>
-                <a:sym typeface="微软雅黑"/>
+                <a:latin typeface="微软雅黑" panose="020B0503020204020204" charset="-122"/>
+                <a:ea typeface="微软雅黑" panose="020B0503020204020204" charset="-122"/>
+                <a:cs typeface="微软雅黑" panose="020B0503020204020204" charset="-122"/>
+                <a:sym typeface="微软雅黑" panose="020B0503020204020204" charset="-122"/>
               </a:defRPr>
             </a:lvl1pPr>
           </a:lstStyle>
           <a:p>
-            <a:pPr/>
             <a:r>
               <a:t>Introduction</a:t>
             </a:r>
@@ -5136,7 +5058,7 @@
       </p:sp>
       <p:sp>
         <p:nvSpPr>
-          <p:cNvPr id="365" name="文本框 1"/>
+          <p:cNvPr id="354" name="文本框 1"/>
           <p:cNvSpPr txBox="1"/>
           <p:nvPr/>
         </p:nvSpPr>
@@ -5151,11 +5073,6 @@
           <a:ln w="12700">
             <a:miter lim="400000"/>
           </a:ln>
-          <a:extLst>
-            <a:ext uri="{C572A759-6A51-4108-AA02-DFA0A04FC94B}">
-              <ma14:wrappingTextBoxFlag xmlns:ma14="http://schemas.microsoft.com/office/mac/drawingml/2011/main" val="1"/>
-            </a:ext>
-          </a:extLst>
         </p:spPr>
         <p:txBody>
           <a:bodyPr lIns="45718" tIns="45718" rIns="45718" bIns="45718">
@@ -5170,15 +5087,14 @@
                 <a:solidFill>
                   <a:srgbClr val="1C4372"/>
                 </a:solidFill>
-                <a:latin typeface="微软雅黑"/>
-                <a:ea typeface="微软雅黑"/>
-                <a:cs typeface="微软雅黑"/>
-                <a:sym typeface="微软雅黑"/>
+                <a:latin typeface="微软雅黑" panose="020B0503020204020204" charset="-122"/>
+                <a:ea typeface="微软雅黑" panose="020B0503020204020204" charset="-122"/>
+                <a:cs typeface="微软雅黑" panose="020B0503020204020204" charset="-122"/>
+                <a:sym typeface="微软雅黑" panose="020B0503020204020204" charset="-122"/>
               </a:defRPr>
             </a:lvl1pPr>
           </a:lstStyle>
           <a:p>
-            <a:pPr/>
             <a:r>
               <a:t>01</a:t>
             </a:r>
@@ -5187,14 +5103,14 @@
       </p:sp>
       <p:sp>
         <p:nvSpPr>
-          <p:cNvPr id="366" name="—— Onesignal"/>
+          <p:cNvPr id="355" name="—— Onesignal"/>
           <p:cNvSpPr txBox="1"/>
           <p:nvPr/>
         </p:nvSpPr>
         <p:spPr>
           <a:xfrm>
             <a:off x="3943350" y="537844"/>
-            <a:ext cx="1562783" cy="279401"/>
+            <a:ext cx="4102100" cy="276860"/>
           </a:xfrm>
           <a:prstGeom prst="rect">
             <a:avLst/>
@@ -5202,11 +5118,6 @@
           <a:ln w="12700">
             <a:miter lim="400000"/>
           </a:ln>
-          <a:extLst>
-            <a:ext uri="{C572A759-6A51-4108-AA02-DFA0A04FC94B}">
-              <ma14:wrappingTextBoxFlag xmlns:ma14="http://schemas.microsoft.com/office/mac/drawingml/2011/main" val="1"/>
-            </a:ext>
-          </a:extLst>
         </p:spPr>
         <p:txBody>
           <a:bodyPr wrap="none" lIns="0" tIns="0" rIns="0" bIns="0">
@@ -5222,39 +5133,43 @@
             </a:lvl1pPr>
           </a:lstStyle>
           <a:p>
-            <a:pPr/>
-            <a:r>
-              <a:t>—— Onesignal</a:t>
-            </a:r>
+            <a:r>
+              <a:t>—— Onesignal </a:t>
+            </a:r>
+            <a:r>
+              <a:rPr lang="en-US"/>
+              <a:t>all message send before</a:t>
+            </a:r>
+            <a:endParaRPr lang="en-US"/>
           </a:p>
         </p:txBody>
       </p:sp>
       <p:pic>
         <p:nvPicPr>
-          <p:cNvPr id="367" name="onesignal消息定义和预览.png" descr="onesignal消息定义和预览.png"/>
+          <p:cNvPr id="356" name="onesignal推送面板.png" descr="onesignal推送面板.png"/>
           <p:cNvPicPr>
             <a:picLocks noChangeAspect="1"/>
           </p:cNvPicPr>
           <p:nvPr/>
         </p:nvPicPr>
         <p:blipFill>
-          <a:blip r:embed="rId3">
-            <a:extLst/>
-          </a:blip>
+          <a:blip r:embed="rId2"/>
           <a:stretch>
             <a:fillRect/>
           </a:stretch>
         </p:blipFill>
         <p:spPr>
           <a:xfrm>
-            <a:off x="1364297" y="947325"/>
-            <a:ext cx="6720888" cy="5224875"/>
+            <a:off x="1656863" y="1161492"/>
+            <a:ext cx="8878274" cy="4535016"/>
           </a:xfrm>
           <a:prstGeom prst="rect">
             <a:avLst/>
           </a:prstGeom>
           <a:ln w="12700">
             <a:miter lim="400000"/>
+            <a:headEnd/>
+            <a:tailEnd/>
           </a:ln>
         </p:spPr>
       </p:pic>
@@ -5263,12 +5178,12 @@
   <p:clrMapOvr>
     <a:masterClrMapping/>
   </p:clrMapOvr>
-  <p:transition xmlns:p14="http://schemas.microsoft.com/office/powerpoint/2010/main" spd="med" advClick="1"/>
+  <p:transition spd="med"/>
 </p:sld>
 </file>
 
 <file path=ppt/slides/slide11.xml><?xml version="1.0" encoding="utf-8"?>
-<p:sld xmlns:a="http://schemas.openxmlformats.org/drawingml/2006/main" xmlns:r="http://schemas.openxmlformats.org/officeDocument/2006/relationships" xmlns:p="http://schemas.openxmlformats.org/presentationml/2006/main" xmlns:m="http://schemas.openxmlformats.org/officeDocument/2006/math" xmlns:a14="http://schemas.microsoft.com/office/drawing/2010/main" showMasterSp="1" showMasterPhAnim="1">
+<p:sld xmlns:a="http://schemas.openxmlformats.org/drawingml/2006/main" xmlns:r="http://schemas.openxmlformats.org/officeDocument/2006/relationships" xmlns:p="http://schemas.openxmlformats.org/presentationml/2006/main">
   <p:cSld>
     <p:spTree>
       <p:nvGrpSpPr>
@@ -5293,9 +5208,7 @@
           <p:nvPr/>
         </p:nvPicPr>
         <p:blipFill>
-          <a:blip r:embed="rId2">
-            <a:extLst/>
-          </a:blip>
+          <a:blip r:embed="rId1"/>
           <a:srcRect l="1821" t="2336" r="1038" b="2790"/>
           <a:stretch>
             <a:fillRect/>
@@ -5311,6 +5224,8 @@
           </a:prstGeom>
           <a:ln w="12700">
             <a:miter lim="400000"/>
+            <a:headEnd/>
+            <a:tailEnd/>
           </a:ln>
         </p:spPr>
       </p:pic>
@@ -5346,10 +5261,10 @@
                 <a:solidFill>
                   <a:srgbClr val="FFFFFF"/>
                 </a:solidFill>
-                <a:latin typeface="等线"/>
-                <a:ea typeface="等线"/>
-                <a:cs typeface="等线"/>
-                <a:sym typeface="等线"/>
+                <a:latin typeface="等线" panose="02010600030101010101" charset="-122"/>
+                <a:ea typeface="等线" panose="02010600030101010101" charset="-122"/>
+                <a:cs typeface="等线" panose="02010600030101010101" charset="-122"/>
+                <a:sym typeface="等线" panose="02010600030101010101" charset="-122"/>
               </a:defRPr>
             </a:pPr>
           </a:p>
@@ -5376,7 +5291,7 @@
             <a:miter lim="400000"/>
           </a:ln>
           <a:effectLst>
-            <a:outerShdw sx="100000" sy="100000" kx="0" ky="0" algn="b" rotWithShape="0" blurRad="63500" dist="0" dir="0">
+            <a:outerShdw blurRad="63500" rotWithShape="0">
               <a:srgbClr val="000000">
                 <a:alpha val="40000"/>
               </a:srgbClr>
@@ -5392,10 +5307,10 @@
                 <a:solidFill>
                   <a:srgbClr val="FFFFFF"/>
                 </a:solidFill>
-                <a:latin typeface="等线"/>
-                <a:ea typeface="等线"/>
-                <a:cs typeface="等线"/>
-                <a:sym typeface="等线"/>
+                <a:latin typeface="等线" panose="02010600030101010101" charset="-122"/>
+                <a:ea typeface="等线" panose="02010600030101010101" charset="-122"/>
+                <a:cs typeface="等线" panose="02010600030101010101" charset="-122"/>
+                <a:sym typeface="等线" panose="02010600030101010101" charset="-122"/>
               </a:defRPr>
             </a:pPr>
           </a:p>
@@ -5408,7 +5323,7 @@
           <p:nvPr/>
         </p:nvSpPr>
         <p:spPr>
-          <a:xfrm flipH="1" flipV="1" rot="16200000">
+          <a:xfrm rot="16200000" flipH="1" flipV="1">
             <a:off x="-5" y="-6561"/>
             <a:ext cx="1690221" cy="1690218"/>
           </a:xfrm>
@@ -5432,7 +5347,7 @@
             </a:cxnLst>
             <a:rect l="0" t="0" r="r" b="b"/>
             <a:pathLst>
-              <a:path w="21600" h="21600" fill="norm" stroke="1" extrusionOk="0">
+              <a:path w="21600" h="21600" extrusionOk="0">
                 <a:moveTo>
                   <a:pt x="0" y="21600"/>
                 </a:moveTo>
@@ -5453,7 +5368,7 @@
             <a:miter lim="400000"/>
           </a:ln>
           <a:effectLst>
-            <a:outerShdw sx="100000" sy="100000" kx="0" ky="0" algn="b" rotWithShape="0" blurRad="50800" dist="38100" dir="2700000">
+            <a:outerShdw blurRad="50800" dist="38100" dir="2700000" rotWithShape="0">
               <a:srgbClr val="000000">
                 <a:alpha val="40000"/>
               </a:srgbClr>
@@ -5466,10 +5381,10 @@
           <a:p>
             <a:pPr algn="ctr">
               <a:defRPr>
-                <a:latin typeface="等线"/>
-                <a:ea typeface="等线"/>
-                <a:cs typeface="等线"/>
-                <a:sym typeface="等线"/>
+                <a:latin typeface="等线" panose="02010600030101010101" charset="-122"/>
+                <a:ea typeface="等线" panose="02010600030101010101" charset="-122"/>
+                <a:cs typeface="等线" panose="02010600030101010101" charset="-122"/>
+                <a:sym typeface="等线" panose="02010600030101010101" charset="-122"/>
               </a:defRPr>
             </a:pPr>
           </a:p>
@@ -5506,7 +5421,7 @@
             </a:cxnLst>
             <a:rect l="0" t="0" r="r" b="b"/>
             <a:pathLst>
-              <a:path w="21600" h="21600" fill="norm" stroke="1" extrusionOk="0">
+              <a:path w="21600" h="21600" extrusionOk="0">
                 <a:moveTo>
                   <a:pt x="0" y="21600"/>
                 </a:moveTo>
@@ -5527,7 +5442,7 @@
             <a:miter lim="400000"/>
           </a:ln>
           <a:effectLst>
-            <a:outerShdw sx="100000" sy="100000" kx="0" ky="0" algn="b" rotWithShape="0" blurRad="50800" dist="38100" dir="13500000">
+            <a:outerShdw blurRad="50800" dist="38100" dir="13500000" rotWithShape="0">
               <a:srgbClr val="000000">
                 <a:alpha val="40000"/>
               </a:srgbClr>
@@ -5540,10 +5455,10 @@
           <a:p>
             <a:pPr algn="ctr">
               <a:defRPr>
-                <a:latin typeface="等线"/>
-                <a:ea typeface="等线"/>
-                <a:cs typeface="等线"/>
-                <a:sym typeface="等线"/>
+                <a:latin typeface="等线" panose="02010600030101010101" charset="-122"/>
+                <a:ea typeface="等线" panose="02010600030101010101" charset="-122"/>
+                <a:cs typeface="等线" panose="02010600030101010101" charset="-122"/>
+                <a:sym typeface="等线" panose="02010600030101010101" charset="-122"/>
               </a:defRPr>
             </a:pPr>
           </a:p>
@@ -5565,18 +5480,15 @@
           <a:prstGeom prst="rect">
             <a:avLst/>
           </a:prstGeom>
-          <a:extLst>
-            <a:ext uri="{C572A759-6A51-4108-AA02-DFA0A04FC94B}">
-              <ma14:wrappingTextBoxFlag xmlns:ma14="http://schemas.microsoft.com/office/mac/drawingml/2011/main" val="1"/>
-            </a:ext>
-          </a:extLst>
         </p:spPr>
         <p:txBody>
           <a:bodyPr/>
           <a:lstStyle/>
           <a:p>
-            <a:pPr/>
-            <a:fld id="{86CB4B4D-7CA3-9044-876B-883B54F8677D}" type="slidenum"/>
+            <a:fld id="{86CB4B4D-7CA3-9044-876B-883B54F8677D}" type="slidenum">
+              <a:rPr/>
+            </a:fld>
+            <a:endParaRPr/>
           </a:p>
         </p:txBody>
       </p:sp>
@@ -5597,11 +5509,6 @@
           <a:ln w="12700">
             <a:miter lim="400000"/>
           </a:ln>
-          <a:extLst>
-            <a:ext uri="{C572A759-6A51-4108-AA02-DFA0A04FC94B}">
-              <ma14:wrappingTextBoxFlag xmlns:ma14="http://schemas.microsoft.com/office/mac/drawingml/2011/main" val="1"/>
-            </a:ext>
-          </a:extLst>
         </p:spPr>
         <p:txBody>
           <a:bodyPr lIns="45718" tIns="45718" rIns="45718" bIns="45718">
@@ -5609,19 +5516,18 @@
           </a:bodyPr>
           <a:lstStyle>
             <a:lvl1pPr>
-              <a:defRPr b="1" sz="2000">
+              <a:defRPr sz="2000" b="1">
                 <a:solidFill>
                   <a:srgbClr val="1C4372"/>
                 </a:solidFill>
-                <a:latin typeface="微软雅黑"/>
-                <a:ea typeface="微软雅黑"/>
-                <a:cs typeface="微软雅黑"/>
-                <a:sym typeface="微软雅黑"/>
+                <a:latin typeface="微软雅黑" panose="020B0503020204020204" charset="-122"/>
+                <a:ea typeface="微软雅黑" panose="020B0503020204020204" charset="-122"/>
+                <a:cs typeface="微软雅黑" panose="020B0503020204020204" charset="-122"/>
+                <a:sym typeface="微软雅黑" panose="020B0503020204020204" charset="-122"/>
               </a:defRPr>
             </a:lvl1pPr>
           </a:lstStyle>
           <a:p>
-            <a:pPr/>
             <a:r>
               <a:t>Work Summary</a:t>
             </a:r>
@@ -5645,11 +5551,6 @@
           <a:ln w="12700">
             <a:miter lim="400000"/>
           </a:ln>
-          <a:extLst>
-            <a:ext uri="{C572A759-6A51-4108-AA02-DFA0A04FC94B}">
-              <ma14:wrappingTextBoxFlag xmlns:ma14="http://schemas.microsoft.com/office/mac/drawingml/2011/main" val="1"/>
-            </a:ext>
-          </a:extLst>
         </p:spPr>
         <p:txBody>
           <a:bodyPr lIns="45718" tIns="45718" rIns="45718" bIns="45718">
@@ -5664,15 +5565,14 @@
                 <a:solidFill>
                   <a:srgbClr val="1C4372"/>
                 </a:solidFill>
-                <a:latin typeface="微软雅黑"/>
-                <a:ea typeface="微软雅黑"/>
-                <a:cs typeface="微软雅黑"/>
-                <a:sym typeface="微软雅黑"/>
+                <a:latin typeface="微软雅黑" panose="020B0503020204020204" charset="-122"/>
+                <a:ea typeface="微软雅黑" panose="020B0503020204020204" charset="-122"/>
+                <a:cs typeface="微软雅黑" panose="020B0503020204020204" charset="-122"/>
+                <a:sym typeface="微软雅黑" panose="020B0503020204020204" charset="-122"/>
               </a:defRPr>
             </a:lvl1pPr>
           </a:lstStyle>
           <a:p>
-            <a:pPr/>
             <a:r>
               <a:t>02</a:t>
             </a:r>
@@ -5703,11 +5603,6 @@
               <a:srgbClr val="24566A"/>
             </a:solidFill>
           </a:ln>
-          <a:extLst>
-            <a:ext uri="{C572A759-6A51-4108-AA02-DFA0A04FC94B}">
-              <ma14:wrappingTextBoxFlag xmlns:ma14="http://schemas.microsoft.com/office/mac/drawingml/2011/main" val="1"/>
-            </a:ext>
-          </a:extLst>
         </p:spPr>
         <p:txBody>
           <a:bodyPr lIns="0" tIns="0" rIns="0" bIns="0" anchor="ctr"/>
@@ -5721,7 +5616,6 @@
             </a:lvl1pPr>
           </a:lstStyle>
           <a:p>
-            <a:pPr/>
             <a:r>
               <a:t>DETECT</a:t>
             </a:r>
@@ -5752,11 +5646,6 @@
               <a:srgbClr val="24566A"/>
             </a:solidFill>
           </a:ln>
-          <a:extLst>
-            <a:ext uri="{C572A759-6A51-4108-AA02-DFA0A04FC94B}">
-              <ma14:wrappingTextBoxFlag xmlns:ma14="http://schemas.microsoft.com/office/mac/drawingml/2011/main" val="1"/>
-            </a:ext>
-          </a:extLst>
         </p:spPr>
         <p:txBody>
           <a:bodyPr lIns="0" tIns="0" rIns="0" bIns="0" anchor="ctr"/>
@@ -5770,7 +5659,6 @@
             </a:lvl1pPr>
           </a:lstStyle>
           <a:p>
-            <a:pPr/>
             <a:r>
               <a:t>SUGGESTION</a:t>
             </a:r>
@@ -5802,11 +5690,6 @@
               <a:srgbClr val="A7A7A7"/>
             </a:solidFill>
           </a:ln>
-          <a:extLst>
-            <a:ext uri="{C572A759-6A51-4108-AA02-DFA0A04FC94B}">
-              <ma14:wrappingTextBoxFlag xmlns:ma14="http://schemas.microsoft.com/office/mac/drawingml/2011/main" val="1"/>
-            </a:ext>
-          </a:extLst>
         </p:spPr>
         <p:txBody>
           <a:bodyPr lIns="0" tIns="0" rIns="0" bIns="0" anchor="ctr"/>
@@ -5815,14 +5698,13 @@
               <a:defRPr sz="1400">
                 <a:solidFill>
                   <a:schemeClr val="accent3">
-                    <a:lumOff val="-12941"/>
+                    <a:lumOff val="-12939"/>
                   </a:schemeClr>
                 </a:solidFill>
               </a:defRPr>
             </a:lvl1pPr>
           </a:lstStyle>
           <a:p>
-            <a:pPr/>
             <a:r>
               <a:t>Background sync time delay</a:t>
             </a:r>
@@ -5854,11 +5736,6 @@
               <a:srgbClr val="A7A7A7"/>
             </a:solidFill>
           </a:ln>
-          <a:extLst>
-            <a:ext uri="{C572A759-6A51-4108-AA02-DFA0A04FC94B}">
-              <ma14:wrappingTextBoxFlag xmlns:ma14="http://schemas.microsoft.com/office/mac/drawingml/2011/main" val="1"/>
-            </a:ext>
-          </a:extLst>
         </p:spPr>
         <p:txBody>
           <a:bodyPr lIns="0" tIns="0" rIns="0" bIns="0" anchor="ctr"/>
@@ -5867,14 +5744,13 @@
               <a:defRPr sz="1400">
                 <a:solidFill>
                   <a:schemeClr val="accent3">
-                    <a:lumOff val="-12941"/>
+                    <a:lumOff val="-12939"/>
                   </a:schemeClr>
                 </a:solidFill>
               </a:defRPr>
             </a:lvl1pPr>
           </a:lstStyle>
           <a:p>
-            <a:pPr/>
             <a:r>
               <a:t>Service work first loaded</a:t>
             </a:r>
@@ -5906,11 +5782,6 @@
               <a:srgbClr val="A7A7A7"/>
             </a:solidFill>
           </a:ln>
-          <a:extLst>
-            <a:ext uri="{C572A759-6A51-4108-AA02-DFA0A04FC94B}">
-              <ma14:wrappingTextBoxFlag xmlns:ma14="http://schemas.microsoft.com/office/mac/drawingml/2011/main" val="1"/>
-            </a:ext>
-          </a:extLst>
         </p:spPr>
         <p:txBody>
           <a:bodyPr lIns="0" tIns="0" rIns="0" bIns="0" anchor="ctr"/>
@@ -5919,14 +5790,13 @@
               <a:defRPr sz="1400">
                 <a:solidFill>
                   <a:schemeClr val="accent3">
-                    <a:lumOff val="-12941"/>
+                    <a:lumOff val="-12939"/>
                   </a:schemeClr>
                 </a:solidFill>
               </a:defRPr>
             </a:lvl1pPr>
           </a:lstStyle>
           <a:p>
-            <a:pPr/>
             <a:r>
               <a:t>Add OfflineTips</a:t>
             </a:r>
@@ -5938,12 +5808,12 @@
   <p:clrMapOvr>
     <a:masterClrMapping/>
   </p:clrMapOvr>
-  <p:transition xmlns:p14="http://schemas.microsoft.com/office/powerpoint/2010/main" spd="med" advClick="1"/>
+  <p:transition spd="med"/>
 </p:sld>
 </file>
 
 <file path=ppt/slides/slide12.xml><?xml version="1.0" encoding="utf-8"?>
-<p:sld xmlns:a="http://schemas.openxmlformats.org/drawingml/2006/main" xmlns:r="http://schemas.openxmlformats.org/officeDocument/2006/relationships" xmlns:p="http://schemas.openxmlformats.org/presentationml/2006/main" xmlns:m="http://schemas.openxmlformats.org/officeDocument/2006/math" xmlns:a14="http://schemas.microsoft.com/office/drawing/2010/main" showMasterSp="1" showMasterPhAnim="1">
+<p:sld xmlns:a="http://schemas.openxmlformats.org/drawingml/2006/main" xmlns:r="http://schemas.openxmlformats.org/officeDocument/2006/relationships" xmlns:p="http://schemas.openxmlformats.org/presentationml/2006/main">
   <p:cSld>
     <p:spTree>
       <p:nvGrpSpPr>
@@ -5968,9 +5838,7 @@
           <p:nvPr/>
         </p:nvPicPr>
         <p:blipFill>
-          <a:blip r:embed="rId2">
-            <a:extLst/>
-          </a:blip>
+          <a:blip r:embed="rId1"/>
           <a:srcRect l="1821" t="2336" r="1038" b="2790"/>
           <a:stretch>
             <a:fillRect/>
@@ -5986,6 +5854,8 @@
           </a:prstGeom>
           <a:ln w="12700">
             <a:miter lim="400000"/>
+            <a:headEnd/>
+            <a:tailEnd/>
           </a:ln>
         </p:spPr>
       </p:pic>
@@ -6021,10 +5891,10 @@
                 <a:solidFill>
                   <a:srgbClr val="FFFFFF"/>
                 </a:solidFill>
-                <a:latin typeface="等线"/>
-                <a:ea typeface="等线"/>
-                <a:cs typeface="等线"/>
-                <a:sym typeface="等线"/>
+                <a:latin typeface="等线" panose="02010600030101010101" charset="-122"/>
+                <a:ea typeface="等线" panose="02010600030101010101" charset="-122"/>
+                <a:cs typeface="等线" panose="02010600030101010101" charset="-122"/>
+                <a:sym typeface="等线" panose="02010600030101010101" charset="-122"/>
               </a:defRPr>
             </a:pPr>
           </a:p>
@@ -6051,7 +5921,7 @@
             <a:miter lim="400000"/>
           </a:ln>
           <a:effectLst>
-            <a:outerShdw sx="100000" sy="100000" kx="0" ky="0" algn="b" rotWithShape="0" blurRad="63500" dist="0" dir="0">
+            <a:outerShdw blurRad="63500" rotWithShape="0">
               <a:srgbClr val="000000">
                 <a:alpha val="40000"/>
               </a:srgbClr>
@@ -6067,10 +5937,10 @@
                 <a:solidFill>
                   <a:srgbClr val="FFFFFF"/>
                 </a:solidFill>
-                <a:latin typeface="等线"/>
-                <a:ea typeface="等线"/>
-                <a:cs typeface="等线"/>
-                <a:sym typeface="等线"/>
+                <a:latin typeface="等线" panose="02010600030101010101" charset="-122"/>
+                <a:ea typeface="等线" panose="02010600030101010101" charset="-122"/>
+                <a:cs typeface="等线" panose="02010600030101010101" charset="-122"/>
+                <a:sym typeface="等线" panose="02010600030101010101" charset="-122"/>
               </a:defRPr>
             </a:pPr>
           </a:p>
@@ -6083,7 +5953,7 @@
           <p:nvPr/>
         </p:nvSpPr>
         <p:spPr>
-          <a:xfrm flipH="1" flipV="1" rot="16200000">
+          <a:xfrm rot="16200000" flipH="1" flipV="1">
             <a:off x="-5" y="-6561"/>
             <a:ext cx="1690221" cy="1690218"/>
           </a:xfrm>
@@ -6107,7 +5977,7 @@
             </a:cxnLst>
             <a:rect l="0" t="0" r="r" b="b"/>
             <a:pathLst>
-              <a:path w="21600" h="21600" fill="norm" stroke="1" extrusionOk="0">
+              <a:path w="21600" h="21600" extrusionOk="0">
                 <a:moveTo>
                   <a:pt x="0" y="21600"/>
                 </a:moveTo>
@@ -6128,7 +5998,7 @@
             <a:miter lim="400000"/>
           </a:ln>
           <a:effectLst>
-            <a:outerShdw sx="100000" sy="100000" kx="0" ky="0" algn="b" rotWithShape="0" blurRad="50800" dist="38100" dir="2700000">
+            <a:outerShdw blurRad="50800" dist="38100" dir="2700000" rotWithShape="0">
               <a:srgbClr val="000000">
                 <a:alpha val="40000"/>
               </a:srgbClr>
@@ -6141,10 +6011,10 @@
           <a:p>
             <a:pPr algn="ctr">
               <a:defRPr>
-                <a:latin typeface="等线"/>
-                <a:ea typeface="等线"/>
-                <a:cs typeface="等线"/>
-                <a:sym typeface="等线"/>
+                <a:latin typeface="等线" panose="02010600030101010101" charset="-122"/>
+                <a:ea typeface="等线" panose="02010600030101010101" charset="-122"/>
+                <a:cs typeface="等线" panose="02010600030101010101" charset="-122"/>
+                <a:sym typeface="等线" panose="02010600030101010101" charset="-122"/>
               </a:defRPr>
             </a:pPr>
           </a:p>
@@ -6181,7 +6051,7 @@
             </a:cxnLst>
             <a:rect l="0" t="0" r="r" b="b"/>
             <a:pathLst>
-              <a:path w="21600" h="21600" fill="norm" stroke="1" extrusionOk="0">
+              <a:path w="21600" h="21600" extrusionOk="0">
                 <a:moveTo>
                   <a:pt x="0" y="21600"/>
                 </a:moveTo>
@@ -6202,7 +6072,7 @@
             <a:miter lim="400000"/>
           </a:ln>
           <a:effectLst>
-            <a:outerShdw sx="100000" sy="100000" kx="0" ky="0" algn="b" rotWithShape="0" blurRad="50800" dist="38100" dir="13500000">
+            <a:outerShdw blurRad="50800" dist="38100" dir="13500000" rotWithShape="0">
               <a:srgbClr val="000000">
                 <a:alpha val="40000"/>
               </a:srgbClr>
@@ -6215,10 +6085,10 @@
           <a:p>
             <a:pPr algn="ctr">
               <a:defRPr>
-                <a:latin typeface="等线"/>
-                <a:ea typeface="等线"/>
-                <a:cs typeface="等线"/>
-                <a:sym typeface="等线"/>
+                <a:latin typeface="等线" panose="02010600030101010101" charset="-122"/>
+                <a:ea typeface="等线" panose="02010600030101010101" charset="-122"/>
+                <a:cs typeface="等线" panose="02010600030101010101" charset="-122"/>
+                <a:sym typeface="等线" panose="02010600030101010101" charset="-122"/>
               </a:defRPr>
             </a:pPr>
           </a:p>
@@ -6240,18 +6110,15 @@
           <a:prstGeom prst="rect">
             <a:avLst/>
           </a:prstGeom>
-          <a:extLst>
-            <a:ext uri="{C572A759-6A51-4108-AA02-DFA0A04FC94B}">
-              <ma14:wrappingTextBoxFlag xmlns:ma14="http://schemas.microsoft.com/office/mac/drawingml/2011/main" val="1"/>
-            </a:ext>
-          </a:extLst>
         </p:spPr>
         <p:txBody>
           <a:bodyPr/>
           <a:lstStyle/>
           <a:p>
-            <a:pPr/>
-            <a:fld id="{86CB4B4D-7CA3-9044-876B-883B54F8677D}" type="slidenum"/>
+            <a:fld id="{86CB4B4D-7CA3-9044-876B-883B54F8677D}" type="slidenum">
+              <a:rPr/>
+            </a:fld>
+            <a:endParaRPr/>
           </a:p>
         </p:txBody>
       </p:sp>
@@ -6272,11 +6139,6 @@
           <a:ln w="12700">
             <a:miter lim="400000"/>
           </a:ln>
-          <a:extLst>
-            <a:ext uri="{C572A759-6A51-4108-AA02-DFA0A04FC94B}">
-              <ma14:wrappingTextBoxFlag xmlns:ma14="http://schemas.microsoft.com/office/mac/drawingml/2011/main" val="1"/>
-            </a:ext>
-          </a:extLst>
         </p:spPr>
         <p:txBody>
           <a:bodyPr lIns="45718" tIns="45718" rIns="45718" bIns="45718">
@@ -6284,19 +6146,18 @@
           </a:bodyPr>
           <a:lstStyle>
             <a:lvl1pPr>
-              <a:defRPr b="1" sz="2000">
+              <a:defRPr sz="2000" b="1">
                 <a:solidFill>
                   <a:srgbClr val="1C4372"/>
                 </a:solidFill>
-                <a:latin typeface="微软雅黑"/>
-                <a:ea typeface="微软雅黑"/>
-                <a:cs typeface="微软雅黑"/>
-                <a:sym typeface="微软雅黑"/>
+                <a:latin typeface="微软雅黑" panose="020B0503020204020204" charset="-122"/>
+                <a:ea typeface="微软雅黑" panose="020B0503020204020204" charset="-122"/>
+                <a:cs typeface="微软雅黑" panose="020B0503020204020204" charset="-122"/>
+                <a:sym typeface="微软雅黑" panose="020B0503020204020204" charset="-122"/>
               </a:defRPr>
             </a:lvl1pPr>
           </a:lstStyle>
           <a:p>
-            <a:pPr/>
             <a:r>
               <a:t>Future Work</a:t>
             </a:r>
@@ -6320,11 +6181,6 @@
           <a:ln w="12700">
             <a:miter lim="400000"/>
           </a:ln>
-          <a:extLst>
-            <a:ext uri="{C572A759-6A51-4108-AA02-DFA0A04FC94B}">
-              <ma14:wrappingTextBoxFlag xmlns:ma14="http://schemas.microsoft.com/office/mac/drawingml/2011/main" val="1"/>
-            </a:ext>
-          </a:extLst>
         </p:spPr>
         <p:txBody>
           <a:bodyPr lIns="45718" tIns="45718" rIns="45718" bIns="45718">
@@ -6339,15 +6195,14 @@
                 <a:solidFill>
                   <a:srgbClr val="1C4372"/>
                 </a:solidFill>
-                <a:latin typeface="微软雅黑"/>
-                <a:ea typeface="微软雅黑"/>
-                <a:cs typeface="微软雅黑"/>
-                <a:sym typeface="微软雅黑"/>
+                <a:latin typeface="微软雅黑" panose="020B0503020204020204" charset="-122"/>
+                <a:ea typeface="微软雅黑" panose="020B0503020204020204" charset="-122"/>
+                <a:cs typeface="微软雅黑" panose="020B0503020204020204" charset="-122"/>
+                <a:sym typeface="微软雅黑" panose="020B0503020204020204" charset="-122"/>
               </a:defRPr>
             </a:lvl1pPr>
           </a:lstStyle>
           <a:p>
-            <a:pPr/>
             <a:r>
               <a:t>03</a:t>
             </a:r>
@@ -6371,11 +6226,6 @@
           <a:ln w="12700">
             <a:miter lim="400000"/>
           </a:ln>
-          <a:extLst>
-            <a:ext uri="{C572A759-6A51-4108-AA02-DFA0A04FC94B}">
-              <ma14:wrappingTextBoxFlag xmlns:ma14="http://schemas.microsoft.com/office/mac/drawingml/2011/main" val="1"/>
-            </a:ext>
-          </a:extLst>
         </p:spPr>
         <p:txBody>
           <a:bodyPr lIns="0" tIns="0" rIns="0" bIns="0">
@@ -6383,20 +6233,20 @@
           </a:bodyPr>
           <a:lstStyle/>
           <a:p>
-            <a:pPr marL="290763" indent="-290763" defTabSz="457200">
+            <a:pPr marL="290830" indent="-290830" defTabSz="457200">
               <a:lnSpc>
                 <a:spcPts val="5800"/>
               </a:lnSpc>
               <a:buSzPct val="100000"/>
               <a:buChar char="•"/>
-              <a:defRPr b="1" sz="1900">
+              <a:defRPr sz="1900" b="1">
                 <a:solidFill>
                   <a:srgbClr val="212121"/>
                 </a:solidFill>
-                <a:latin typeface="Arial"/>
-                <a:ea typeface="Arial"/>
-                <a:cs typeface="Arial"/>
-                <a:sym typeface="Arial"/>
+                <a:latin typeface="Arial" panose="020B0604020202020204"/>
+                <a:ea typeface="Arial" panose="020B0604020202020204"/>
+                <a:cs typeface="Arial" panose="020B0604020202020204"/>
+                <a:sym typeface="Arial" panose="020B0604020202020204"/>
               </a:defRPr>
             </a:pPr>
             <a:r>
@@ -6404,20 +6254,20 @@
             </a:r>
           </a:p>
           <a:p>
-            <a:pPr marL="290763" indent="-290763" defTabSz="457200">
+            <a:pPr marL="290830" indent="-290830" defTabSz="457200">
               <a:lnSpc>
                 <a:spcPts val="5800"/>
               </a:lnSpc>
               <a:buSzPct val="100000"/>
               <a:buChar char="•"/>
-              <a:defRPr b="1" sz="1900">
+              <a:defRPr sz="1900" b="1">
                 <a:solidFill>
                   <a:srgbClr val="212121"/>
                 </a:solidFill>
-                <a:latin typeface="Arial"/>
-                <a:ea typeface="Arial"/>
-                <a:cs typeface="Arial"/>
-                <a:sym typeface="Arial"/>
+                <a:latin typeface="Arial" panose="020B0604020202020204"/>
+                <a:ea typeface="Arial" panose="020B0604020202020204"/>
+                <a:cs typeface="Arial" panose="020B0604020202020204"/>
+                <a:sym typeface="Arial" panose="020B0604020202020204"/>
               </a:defRPr>
             </a:pPr>
             <a:r>
@@ -6433,10 +6283,10 @@
                 <a:solidFill>
                   <a:srgbClr val="212121"/>
                 </a:solidFill>
-                <a:latin typeface="Arial"/>
-                <a:ea typeface="Arial"/>
-                <a:cs typeface="Arial"/>
-                <a:sym typeface="Arial"/>
+                <a:latin typeface="Arial" panose="020B0604020202020204"/>
+                <a:ea typeface="Arial" panose="020B0604020202020204"/>
+                <a:cs typeface="Arial" panose="020B0604020202020204"/>
+                <a:sym typeface="Arial" panose="020B0604020202020204"/>
               </a:defRPr>
             </a:pPr>
           </a:p>
@@ -6447,12 +6297,12 @@
   <p:clrMapOvr>
     <a:masterClrMapping/>
   </p:clrMapOvr>
-  <p:transition xmlns:p14="http://schemas.microsoft.com/office/powerpoint/2010/main" spd="med" advClick="1"/>
+  <p:transition spd="med"/>
 </p:sld>
 </file>
 
 <file path=ppt/slides/slide13.xml><?xml version="1.0" encoding="utf-8"?>
-<p:sld xmlns:a="http://schemas.openxmlformats.org/drawingml/2006/main" xmlns:r="http://schemas.openxmlformats.org/officeDocument/2006/relationships" xmlns:p="http://schemas.openxmlformats.org/presentationml/2006/main" xmlns:m="http://schemas.openxmlformats.org/officeDocument/2006/math" xmlns:a14="http://schemas.microsoft.com/office/drawing/2010/main" showMasterSp="1" showMasterPhAnim="1">
+<p:sld xmlns:a="http://schemas.openxmlformats.org/drawingml/2006/main" xmlns:r="http://schemas.openxmlformats.org/officeDocument/2006/relationships" xmlns:p="http://schemas.openxmlformats.org/presentationml/2006/main">
   <p:cSld>
     <p:spTree>
       <p:nvGrpSpPr>
@@ -6485,7 +6335,6 @@
           <a:bodyPr/>
           <a:lstStyle/>
           <a:p>
-            <a:pPr/>
             <a:r>
               <a:t>Thank you</a:t>
             </a:r>
@@ -6508,9 +6357,7 @@
         <p:txBody>
           <a:bodyPr/>
           <a:lstStyle/>
-          <a:p>
-            <a:pPr/>
-          </a:p>
+          <a:p/>
         </p:txBody>
       </p:sp>
     </p:spTree>
@@ -6518,12 +6365,12 @@
   <p:clrMapOvr>
     <a:masterClrMapping/>
   </p:clrMapOvr>
-  <p:transition xmlns:p14="http://schemas.microsoft.com/office/powerpoint/2010/main" spd="med" advClick="1"/>
+  <p:transition spd="med"/>
 </p:sld>
 </file>
 
 <file path=ppt/slides/slide2.xml><?xml version="1.0" encoding="utf-8"?>
-<p:sld xmlns:a="http://schemas.openxmlformats.org/drawingml/2006/main" xmlns:r="http://schemas.openxmlformats.org/officeDocument/2006/relationships" xmlns:p="http://schemas.openxmlformats.org/presentationml/2006/main" xmlns:m="http://schemas.openxmlformats.org/officeDocument/2006/math" xmlns:a14="http://schemas.microsoft.com/office/drawing/2010/main" showMasterSp="1" showMasterPhAnim="1">
+<p:sld xmlns:a="http://schemas.openxmlformats.org/drawingml/2006/main" xmlns:r="http://schemas.openxmlformats.org/officeDocument/2006/relationships" xmlns:p="http://schemas.openxmlformats.org/presentationml/2006/main">
   <p:cSld>
     <p:spTree>
       <p:nvGrpSpPr>
@@ -6548,9 +6395,7 @@
           <p:nvPr/>
         </p:nvPicPr>
         <p:blipFill>
-          <a:blip r:embed="rId2">
-            <a:extLst/>
-          </a:blip>
+          <a:blip r:embed="rId1"/>
           <a:srcRect l="1821" t="2336" r="1038" b="2790"/>
           <a:stretch>
             <a:fillRect/>
@@ -6566,6 +6411,8 @@
           </a:prstGeom>
           <a:ln w="12700">
             <a:miter lim="400000"/>
+            <a:headEnd/>
+            <a:tailEnd/>
           </a:ln>
         </p:spPr>
       </p:pic>
@@ -6601,10 +6448,10 @@
                 <a:solidFill>
                   <a:srgbClr val="FFFFFF"/>
                 </a:solidFill>
-                <a:latin typeface="等线"/>
-                <a:ea typeface="等线"/>
-                <a:cs typeface="等线"/>
-                <a:sym typeface="等线"/>
+                <a:latin typeface="等线" panose="02010600030101010101" charset="-122"/>
+                <a:ea typeface="等线" panose="02010600030101010101" charset="-122"/>
+                <a:cs typeface="等线" panose="02010600030101010101" charset="-122"/>
+                <a:sym typeface="等线" panose="02010600030101010101" charset="-122"/>
               </a:defRPr>
             </a:pPr>
           </a:p>
@@ -6631,7 +6478,7 @@
             <a:miter lim="400000"/>
           </a:ln>
           <a:effectLst>
-            <a:outerShdw sx="100000" sy="100000" kx="0" ky="0" algn="b" rotWithShape="0" blurRad="63500" dist="0" dir="0">
+            <a:outerShdw blurRad="63500" rotWithShape="0">
               <a:srgbClr val="000000">
                 <a:alpha val="40000"/>
               </a:srgbClr>
@@ -6647,10 +6494,10 @@
                 <a:solidFill>
                   <a:srgbClr val="FFFFFF"/>
                 </a:solidFill>
-                <a:latin typeface="等线"/>
-                <a:ea typeface="等线"/>
-                <a:cs typeface="等线"/>
-                <a:sym typeface="等线"/>
+                <a:latin typeface="等线" panose="02010600030101010101" charset="-122"/>
+                <a:ea typeface="等线" panose="02010600030101010101" charset="-122"/>
+                <a:cs typeface="等线" panose="02010600030101010101" charset="-122"/>
+                <a:sym typeface="等线" panose="02010600030101010101" charset="-122"/>
               </a:defRPr>
             </a:pPr>
           </a:p>
@@ -6663,7 +6510,7 @@
           <p:nvPr/>
         </p:nvSpPr>
         <p:spPr>
-          <a:xfrm flipH="1" flipV="1" rot="16200000">
+          <a:xfrm rot="16200000" flipH="1" flipV="1">
             <a:off x="-5" y="-6561"/>
             <a:ext cx="1690221" cy="1690218"/>
           </a:xfrm>
@@ -6687,7 +6534,7 @@
             </a:cxnLst>
             <a:rect l="0" t="0" r="r" b="b"/>
             <a:pathLst>
-              <a:path w="21600" h="21600" fill="norm" stroke="1" extrusionOk="0">
+              <a:path w="21600" h="21600" extrusionOk="0">
                 <a:moveTo>
                   <a:pt x="0" y="21600"/>
                 </a:moveTo>
@@ -6708,7 +6555,7 @@
             <a:miter lim="400000"/>
           </a:ln>
           <a:effectLst>
-            <a:outerShdw sx="100000" sy="100000" kx="0" ky="0" algn="b" rotWithShape="0" blurRad="50800" dist="38100" dir="2700000">
+            <a:outerShdw blurRad="50800" dist="38100" dir="2700000" rotWithShape="0">
               <a:srgbClr val="000000">
                 <a:alpha val="40000"/>
               </a:srgbClr>
@@ -6721,10 +6568,10 @@
           <a:p>
             <a:pPr algn="ctr">
               <a:defRPr>
-                <a:latin typeface="等线"/>
-                <a:ea typeface="等线"/>
-                <a:cs typeface="等线"/>
-                <a:sym typeface="等线"/>
+                <a:latin typeface="等线" panose="02010600030101010101" charset="-122"/>
+                <a:ea typeface="等线" panose="02010600030101010101" charset="-122"/>
+                <a:cs typeface="等线" panose="02010600030101010101" charset="-122"/>
+                <a:sym typeface="等线" panose="02010600030101010101" charset="-122"/>
               </a:defRPr>
             </a:pPr>
           </a:p>
@@ -6761,7 +6608,7 @@
             </a:cxnLst>
             <a:rect l="0" t="0" r="r" b="b"/>
             <a:pathLst>
-              <a:path w="21600" h="21600" fill="norm" stroke="1" extrusionOk="0">
+              <a:path w="21600" h="21600" extrusionOk="0">
                 <a:moveTo>
                   <a:pt x="0" y="21600"/>
                 </a:moveTo>
@@ -6782,7 +6629,7 @@
             <a:miter lim="400000"/>
           </a:ln>
           <a:effectLst>
-            <a:outerShdw sx="100000" sy="100000" kx="0" ky="0" algn="b" rotWithShape="0" blurRad="50800" dist="38100" dir="13500000">
+            <a:outerShdw blurRad="50800" dist="38100" dir="13500000" rotWithShape="0">
               <a:srgbClr val="000000">
                 <a:alpha val="40000"/>
               </a:srgbClr>
@@ -6795,10 +6642,10 @@
           <a:p>
             <a:pPr algn="ctr">
               <a:defRPr>
-                <a:latin typeface="等线"/>
-                <a:ea typeface="等线"/>
-                <a:cs typeface="等线"/>
-                <a:sym typeface="等线"/>
+                <a:latin typeface="等线" panose="02010600030101010101" charset="-122"/>
+                <a:ea typeface="等线" panose="02010600030101010101" charset="-122"/>
+                <a:cs typeface="等线" panose="02010600030101010101" charset="-122"/>
+                <a:sym typeface="等线" panose="02010600030101010101" charset="-122"/>
               </a:defRPr>
             </a:pPr>
           </a:p>
@@ -6855,10 +6702,10 @@
                   <a:solidFill>
                     <a:srgbClr val="FFFFFF"/>
                   </a:solidFill>
-                  <a:latin typeface="等线"/>
-                  <a:ea typeface="等线"/>
-                  <a:cs typeface="等线"/>
-                  <a:sym typeface="等线"/>
+                  <a:latin typeface="等线" panose="02010600030101010101" charset="-122"/>
+                  <a:ea typeface="等线" panose="02010600030101010101" charset="-122"/>
+                  <a:cs typeface="等线" panose="02010600030101010101" charset="-122"/>
+                  <a:sym typeface="等线" panose="02010600030101010101" charset="-122"/>
                 </a:defRPr>
               </a:pPr>
             </a:p>
@@ -6898,11 +6745,6 @@
                 <a:miter lim="400000"/>
               </a:ln>
               <a:effectLst/>
-              <a:extLst>
-                <a:ext uri="{C572A759-6A51-4108-AA02-DFA0A04FC94B}">
-                  <ma14:wrappingTextBoxFlag xmlns:ma14="http://schemas.microsoft.com/office/mac/drawingml/2011/main" val="1"/>
-                </a:ext>
-              </a:extLst>
             </p:spPr>
             <p:txBody>
               <a:bodyPr wrap="square" lIns="45718" tIns="45718" rIns="45718" bIns="45718" numCol="1" anchor="t">
@@ -6914,15 +6756,14 @@
                     <a:solidFill>
                       <a:srgbClr val="1C4372"/>
                     </a:solidFill>
-                    <a:latin typeface="微软雅黑"/>
-                    <a:ea typeface="微软雅黑"/>
-                    <a:cs typeface="微软雅黑"/>
-                    <a:sym typeface="微软雅黑"/>
+                    <a:latin typeface="微软雅黑" panose="020B0503020204020204" charset="-122"/>
+                    <a:ea typeface="微软雅黑" panose="020B0503020204020204" charset="-122"/>
+                    <a:cs typeface="微软雅黑" panose="020B0503020204020204" charset="-122"/>
+                    <a:sym typeface="微软雅黑" panose="020B0503020204020204" charset="-122"/>
                   </a:defRPr>
                 </a:lvl1pPr>
               </a:lstStyle>
               <a:p>
-                <a:pPr/>
                 <a:r>
                   <a:t>Work Summary</a:t>
                 </a:r>
@@ -6949,11 +6790,6 @@
                 <a:miter lim="400000"/>
               </a:ln>
               <a:effectLst/>
-              <a:extLst>
-                <a:ext uri="{C572A759-6A51-4108-AA02-DFA0A04FC94B}">
-                  <ma14:wrappingTextBoxFlag xmlns:ma14="http://schemas.microsoft.com/office/mac/drawingml/2011/main" val="1"/>
-                </a:ext>
-              </a:extLst>
             </p:spPr>
             <p:txBody>
               <a:bodyPr wrap="square" lIns="45718" tIns="45718" rIns="45718" bIns="45718" numCol="1" anchor="t">
@@ -6965,15 +6801,14 @@
                     <a:solidFill>
                       <a:srgbClr val="FFFFFF"/>
                     </a:solidFill>
-                    <a:latin typeface="微软雅黑"/>
-                    <a:ea typeface="微软雅黑"/>
-                    <a:cs typeface="微软雅黑"/>
-                    <a:sym typeface="微软雅黑"/>
+                    <a:latin typeface="微软雅黑" panose="020B0503020204020204" charset="-122"/>
+                    <a:ea typeface="微软雅黑" panose="020B0503020204020204" charset="-122"/>
+                    <a:cs typeface="微软雅黑" panose="020B0503020204020204" charset="-122"/>
+                    <a:sym typeface="微软雅黑" panose="020B0503020204020204" charset="-122"/>
                   </a:defRPr>
                 </a:lvl1pPr>
               </a:lstStyle>
               <a:p>
-                <a:pPr/>
                 <a:r>
                   <a:t>02</a:t>
                 </a:r>
@@ -7016,11 +6851,6 @@
               <a:miter lim="400000"/>
             </a:ln>
             <a:effectLst/>
-            <a:extLst>
-              <a:ext uri="{C572A759-6A51-4108-AA02-DFA0A04FC94B}">
-                <ma14:wrappingTextBoxFlag xmlns:ma14="http://schemas.microsoft.com/office/mac/drawingml/2011/main" val="1"/>
-              </a:ext>
-            </a:extLst>
           </p:spPr>
           <p:txBody>
             <a:bodyPr wrap="square" lIns="45718" tIns="45718" rIns="45718" bIns="45718" numCol="1" anchor="t">
@@ -7032,15 +6862,14 @@
                   <a:solidFill>
                     <a:srgbClr val="1C4372"/>
                   </a:solidFill>
-                  <a:latin typeface="微软雅黑"/>
-                  <a:ea typeface="微软雅黑"/>
-                  <a:cs typeface="微软雅黑"/>
-                  <a:sym typeface="微软雅黑"/>
+                  <a:latin typeface="微软雅黑" panose="020B0503020204020204" charset="-122"/>
+                  <a:ea typeface="微软雅黑" panose="020B0503020204020204" charset="-122"/>
+                  <a:cs typeface="微软雅黑" panose="020B0503020204020204" charset="-122"/>
+                  <a:sym typeface="微软雅黑" panose="020B0503020204020204" charset="-122"/>
                 </a:defRPr>
               </a:lvl1pPr>
             </a:lstStyle>
             <a:p>
-              <a:pPr/>
               <a:r>
                 <a:t>Future Work</a:t>
               </a:r>
@@ -7084,10 +6913,10 @@
                   <a:solidFill>
                     <a:srgbClr val="FFFFFF"/>
                   </a:solidFill>
-                  <a:latin typeface="等线"/>
-                  <a:ea typeface="等线"/>
-                  <a:cs typeface="等线"/>
-                  <a:sym typeface="等线"/>
+                  <a:latin typeface="等线" panose="02010600030101010101" charset="-122"/>
+                  <a:ea typeface="等线" panose="02010600030101010101" charset="-122"/>
+                  <a:cs typeface="等线" panose="02010600030101010101" charset="-122"/>
+                  <a:sym typeface="等线" panose="02010600030101010101" charset="-122"/>
                 </a:defRPr>
               </a:pPr>
             </a:p>
@@ -7113,11 +6942,6 @@
               <a:miter lim="400000"/>
             </a:ln>
             <a:effectLst/>
-            <a:extLst>
-              <a:ext uri="{C572A759-6A51-4108-AA02-DFA0A04FC94B}">
-                <ma14:wrappingTextBoxFlag xmlns:ma14="http://schemas.microsoft.com/office/mac/drawingml/2011/main" val="1"/>
-              </a:ext>
-            </a:extLst>
           </p:spPr>
           <p:txBody>
             <a:bodyPr wrap="square" lIns="45718" tIns="45718" rIns="45718" bIns="45718" numCol="1" anchor="t">
@@ -7129,15 +6953,14 @@
                   <a:solidFill>
                     <a:srgbClr val="FFFFFF"/>
                   </a:solidFill>
-                  <a:latin typeface="微软雅黑"/>
-                  <a:ea typeface="微软雅黑"/>
-                  <a:cs typeface="微软雅黑"/>
-                  <a:sym typeface="微软雅黑"/>
+                  <a:latin typeface="微软雅黑" panose="020B0503020204020204" charset="-122"/>
+                  <a:ea typeface="微软雅黑" panose="020B0503020204020204" charset="-122"/>
+                  <a:cs typeface="微软雅黑" panose="020B0503020204020204" charset="-122"/>
+                  <a:sym typeface="微软雅黑" panose="020B0503020204020204" charset="-122"/>
                 </a:defRPr>
               </a:lvl1pPr>
             </a:lstStyle>
             <a:p>
-              <a:pPr/>
               <a:r>
                 <a:t>03</a:t>
               </a:r>
@@ -7162,11 +6985,6 @@
           <a:ln w="12700">
             <a:miter lim="400000"/>
           </a:ln>
-          <a:extLst>
-            <a:ext uri="{C572A759-6A51-4108-AA02-DFA0A04FC94B}">
-              <ma14:wrappingTextBoxFlag xmlns:ma14="http://schemas.microsoft.com/office/mac/drawingml/2011/main" val="1"/>
-            </a:ext>
-          </a:extLst>
         </p:spPr>
         <p:txBody>
           <a:bodyPr lIns="45718" tIns="45718" rIns="45718" bIns="45718">
@@ -7178,15 +6996,14 @@
                 <a:solidFill>
                   <a:srgbClr val="1C4372"/>
                 </a:solidFill>
-                <a:latin typeface="微软雅黑"/>
-                <a:ea typeface="微软雅黑"/>
-                <a:cs typeface="微软雅黑"/>
-                <a:sym typeface="微软雅黑"/>
+                <a:latin typeface="微软雅黑" panose="020B0503020204020204" charset="-122"/>
+                <a:ea typeface="微软雅黑" panose="020B0503020204020204" charset="-122"/>
+                <a:cs typeface="微软雅黑" panose="020B0503020204020204" charset="-122"/>
+                <a:sym typeface="微软雅黑" panose="020B0503020204020204" charset="-122"/>
               </a:defRPr>
             </a:lvl1pPr>
           </a:lstStyle>
           <a:p>
-            <a:pPr/>
             <a:r>
               <a:t>CONTENTS</a:t>
             </a:r>
@@ -7209,18 +7026,15 @@
           <a:prstGeom prst="rect">
             <a:avLst/>
           </a:prstGeom>
-          <a:extLst>
-            <a:ext uri="{C572A759-6A51-4108-AA02-DFA0A04FC94B}">
-              <ma14:wrappingTextBoxFlag xmlns:ma14="http://schemas.microsoft.com/office/mac/drawingml/2011/main" val="1"/>
-            </a:ext>
-          </a:extLst>
         </p:spPr>
         <p:txBody>
           <a:bodyPr/>
           <a:lstStyle/>
           <a:p>
-            <a:pPr/>
-            <a:fld id="{86CB4B4D-7CA3-9044-876B-883B54F8677D}" type="slidenum"/>
+            <a:fld id="{86CB4B4D-7CA3-9044-876B-883B54F8677D}" type="slidenum">
+              <a:rPr/>
+            </a:fld>
+            <a:endParaRPr/>
           </a:p>
         </p:txBody>
       </p:sp>
@@ -7275,10 +7089,10 @@
                   <a:solidFill>
                     <a:srgbClr val="FFFFFF"/>
                   </a:solidFill>
-                  <a:latin typeface="等线"/>
-                  <a:ea typeface="等线"/>
-                  <a:cs typeface="等线"/>
-                  <a:sym typeface="等线"/>
+                  <a:latin typeface="等线" panose="02010600030101010101" charset="-122"/>
+                  <a:ea typeface="等线" panose="02010600030101010101" charset="-122"/>
+                  <a:cs typeface="等线" panose="02010600030101010101" charset="-122"/>
+                  <a:sym typeface="等线" panose="02010600030101010101" charset="-122"/>
                 </a:defRPr>
               </a:pPr>
             </a:p>
@@ -7318,11 +7132,6 @@
                 <a:miter lim="400000"/>
               </a:ln>
               <a:effectLst/>
-              <a:extLst>
-                <a:ext uri="{C572A759-6A51-4108-AA02-DFA0A04FC94B}">
-                  <ma14:wrappingTextBoxFlag xmlns:ma14="http://schemas.microsoft.com/office/mac/drawingml/2011/main" val="1"/>
-                </a:ext>
-              </a:extLst>
             </p:spPr>
             <p:txBody>
               <a:bodyPr wrap="square" lIns="45718" tIns="45718" rIns="45718" bIns="45718" numCol="1" anchor="t">
@@ -7334,15 +7143,14 @@
                     <a:solidFill>
                       <a:srgbClr val="1C4372"/>
                     </a:solidFill>
-                    <a:latin typeface="微软雅黑"/>
-                    <a:ea typeface="微软雅黑"/>
-                    <a:cs typeface="微软雅黑"/>
-                    <a:sym typeface="微软雅黑"/>
+                    <a:latin typeface="微软雅黑" panose="020B0503020204020204" charset="-122"/>
+                    <a:ea typeface="微软雅黑" panose="020B0503020204020204" charset="-122"/>
+                    <a:cs typeface="微软雅黑" panose="020B0503020204020204" charset="-122"/>
+                    <a:sym typeface="微软雅黑" panose="020B0503020204020204" charset="-122"/>
                   </a:defRPr>
                 </a:lvl1pPr>
               </a:lstStyle>
               <a:p>
-                <a:pPr/>
                 <a:r>
                   <a:t>Introduction</a:t>
                 </a:r>
@@ -7369,11 +7177,6 @@
                 <a:miter lim="400000"/>
               </a:ln>
               <a:effectLst/>
-              <a:extLst>
-                <a:ext uri="{C572A759-6A51-4108-AA02-DFA0A04FC94B}">
-                  <ma14:wrappingTextBoxFlag xmlns:ma14="http://schemas.microsoft.com/office/mac/drawingml/2011/main" val="1"/>
-                </a:ext>
-              </a:extLst>
             </p:spPr>
             <p:txBody>
               <a:bodyPr wrap="square" lIns="45718" tIns="45718" rIns="45718" bIns="45718" numCol="1" anchor="t">
@@ -7385,15 +7188,14 @@
                     <a:solidFill>
                       <a:srgbClr val="FFFFFF"/>
                     </a:solidFill>
-                    <a:latin typeface="微软雅黑"/>
-                    <a:ea typeface="微软雅黑"/>
-                    <a:cs typeface="微软雅黑"/>
-                    <a:sym typeface="微软雅黑"/>
+                    <a:latin typeface="微软雅黑" panose="020B0503020204020204" charset="-122"/>
+                    <a:ea typeface="微软雅黑" panose="020B0503020204020204" charset="-122"/>
+                    <a:cs typeface="微软雅黑" panose="020B0503020204020204" charset="-122"/>
+                    <a:sym typeface="微软雅黑" panose="020B0503020204020204" charset="-122"/>
                   </a:defRPr>
                 </a:lvl1pPr>
               </a:lstStyle>
               <a:p>
-                <a:pPr/>
                 <a:r>
                   <a:t>01</a:t>
                 </a:r>
@@ -7407,12 +7209,12 @@
   <p:clrMapOvr>
     <a:masterClrMapping/>
   </p:clrMapOvr>
-  <p:transition xmlns:p14="http://schemas.microsoft.com/office/powerpoint/2010/main" spd="med" advClick="1"/>
+  <p:transition spd="med"/>
 </p:sld>
 </file>
 
 <file path=ppt/slides/slide3.xml><?xml version="1.0" encoding="utf-8"?>
-<p:sld xmlns:a="http://schemas.openxmlformats.org/drawingml/2006/main" xmlns:r="http://schemas.openxmlformats.org/officeDocument/2006/relationships" xmlns:p="http://schemas.openxmlformats.org/presentationml/2006/main" xmlns:m="http://schemas.openxmlformats.org/officeDocument/2006/math" xmlns:a14="http://schemas.microsoft.com/office/drawing/2010/main" showMasterSp="1" showMasterPhAnim="1">
+<p:sld xmlns:a="http://schemas.openxmlformats.org/drawingml/2006/main" xmlns:r="http://schemas.openxmlformats.org/officeDocument/2006/relationships" xmlns:p="http://schemas.openxmlformats.org/presentationml/2006/main">
   <p:cSld>
     <p:spTree>
       <p:nvGrpSpPr>
@@ -7437,9 +7239,7 @@
           <p:nvPr/>
         </p:nvPicPr>
         <p:blipFill>
-          <a:blip r:embed="rId2">
-            <a:extLst/>
-          </a:blip>
+          <a:blip r:embed="rId1"/>
           <a:srcRect l="1821" t="2336" r="1038" b="2790"/>
           <a:stretch>
             <a:fillRect/>
@@ -7455,6 +7255,8 @@
           </a:prstGeom>
           <a:ln w="12700">
             <a:miter lim="400000"/>
+            <a:headEnd/>
+            <a:tailEnd/>
           </a:ln>
         </p:spPr>
       </p:pic>
@@ -7490,10 +7292,10 @@
                 <a:solidFill>
                   <a:srgbClr val="FFFFFF"/>
                 </a:solidFill>
-                <a:latin typeface="等线"/>
-                <a:ea typeface="等线"/>
-                <a:cs typeface="等线"/>
-                <a:sym typeface="等线"/>
+                <a:latin typeface="等线" panose="02010600030101010101" charset="-122"/>
+                <a:ea typeface="等线" panose="02010600030101010101" charset="-122"/>
+                <a:cs typeface="等线" panose="02010600030101010101" charset="-122"/>
+                <a:sym typeface="等线" panose="02010600030101010101" charset="-122"/>
               </a:defRPr>
             </a:pPr>
           </a:p>
@@ -7520,7 +7322,7 @@
             <a:miter lim="400000"/>
           </a:ln>
           <a:effectLst>
-            <a:outerShdw sx="100000" sy="100000" kx="0" ky="0" algn="b" rotWithShape="0" blurRad="63500" dist="0" dir="0">
+            <a:outerShdw blurRad="63500" rotWithShape="0">
               <a:srgbClr val="000000">
                 <a:alpha val="40000"/>
               </a:srgbClr>
@@ -7536,10 +7338,10 @@
                 <a:solidFill>
                   <a:srgbClr val="FFFFFF"/>
                 </a:solidFill>
-                <a:latin typeface="等线"/>
-                <a:ea typeface="等线"/>
-                <a:cs typeface="等线"/>
-                <a:sym typeface="等线"/>
+                <a:latin typeface="等线" panose="02010600030101010101" charset="-122"/>
+                <a:ea typeface="等线" panose="02010600030101010101" charset="-122"/>
+                <a:cs typeface="等线" panose="02010600030101010101" charset="-122"/>
+                <a:sym typeface="等线" panose="02010600030101010101" charset="-122"/>
               </a:defRPr>
             </a:pPr>
           </a:p>
@@ -7552,7 +7354,7 @@
           <p:nvPr/>
         </p:nvSpPr>
         <p:spPr>
-          <a:xfrm flipH="1" flipV="1" rot="16200000">
+          <a:xfrm rot="16200000" flipH="1" flipV="1">
             <a:off x="-5" y="-6561"/>
             <a:ext cx="1690221" cy="1690218"/>
           </a:xfrm>
@@ -7576,7 +7378,7 @@
             </a:cxnLst>
             <a:rect l="0" t="0" r="r" b="b"/>
             <a:pathLst>
-              <a:path w="21600" h="21600" fill="norm" stroke="1" extrusionOk="0">
+              <a:path w="21600" h="21600" extrusionOk="0">
                 <a:moveTo>
                   <a:pt x="0" y="21600"/>
                 </a:moveTo>
@@ -7597,7 +7399,7 @@
             <a:miter lim="400000"/>
           </a:ln>
           <a:effectLst>
-            <a:outerShdw sx="100000" sy="100000" kx="0" ky="0" algn="b" rotWithShape="0" blurRad="50800" dist="38100" dir="2700000">
+            <a:outerShdw blurRad="50800" dist="38100" dir="2700000" rotWithShape="0">
               <a:srgbClr val="000000">
                 <a:alpha val="40000"/>
               </a:srgbClr>
@@ -7610,10 +7412,10 @@
           <a:p>
             <a:pPr algn="ctr">
               <a:defRPr>
-                <a:latin typeface="等线"/>
-                <a:ea typeface="等线"/>
-                <a:cs typeface="等线"/>
-                <a:sym typeface="等线"/>
+                <a:latin typeface="等线" panose="02010600030101010101" charset="-122"/>
+                <a:ea typeface="等线" panose="02010600030101010101" charset="-122"/>
+                <a:cs typeface="等线" panose="02010600030101010101" charset="-122"/>
+                <a:sym typeface="等线" panose="02010600030101010101" charset="-122"/>
               </a:defRPr>
             </a:pPr>
           </a:p>
@@ -7650,7 +7452,7 @@
             </a:cxnLst>
             <a:rect l="0" t="0" r="r" b="b"/>
             <a:pathLst>
-              <a:path w="21600" h="21600" fill="norm" stroke="1" extrusionOk="0">
+              <a:path w="21600" h="21600" extrusionOk="0">
                 <a:moveTo>
                   <a:pt x="0" y="21600"/>
                 </a:moveTo>
@@ -7671,7 +7473,7 @@
             <a:miter lim="400000"/>
           </a:ln>
           <a:effectLst>
-            <a:outerShdw sx="100000" sy="100000" kx="0" ky="0" algn="b" rotWithShape="0" blurRad="50800" dist="38100" dir="13500000">
+            <a:outerShdw blurRad="50800" dist="38100" dir="13500000" rotWithShape="0">
               <a:srgbClr val="000000">
                 <a:alpha val="40000"/>
               </a:srgbClr>
@@ -7684,10 +7486,10 @@
           <a:p>
             <a:pPr algn="ctr">
               <a:defRPr>
-                <a:latin typeface="等线"/>
-                <a:ea typeface="等线"/>
-                <a:cs typeface="等线"/>
-                <a:sym typeface="等线"/>
+                <a:latin typeface="等线" panose="02010600030101010101" charset="-122"/>
+                <a:ea typeface="等线" panose="02010600030101010101" charset="-122"/>
+                <a:cs typeface="等线" panose="02010600030101010101" charset="-122"/>
+                <a:sym typeface="等线" panose="02010600030101010101" charset="-122"/>
               </a:defRPr>
             </a:pPr>
           </a:p>
@@ -7701,8 +7503,8 @@
         </p:nvSpPr>
         <p:spPr>
           <a:xfrm>
-            <a:off x="2264410" y="479423"/>
-            <a:ext cx="1690218" cy="396239"/>
+            <a:off x="2264410" y="479425"/>
+            <a:ext cx="1854200" cy="397510"/>
           </a:xfrm>
           <a:prstGeom prst="rect">
             <a:avLst/>
@@ -7710,31 +7512,25 @@
           <a:ln w="12700">
             <a:miter lim="400000"/>
           </a:ln>
-          <a:extLst>
-            <a:ext uri="{C572A759-6A51-4108-AA02-DFA0A04FC94B}">
-              <ma14:wrappingTextBoxFlag xmlns:ma14="http://schemas.microsoft.com/office/mac/drawingml/2011/main" val="1"/>
-            </a:ext>
-          </a:extLst>
-        </p:spPr>
-        <p:txBody>
-          <a:bodyPr lIns="45718" tIns="45718" rIns="45718" bIns="45718">
+        </p:spPr>
+        <p:txBody>
+          <a:bodyPr wrap="square" lIns="45718" tIns="45718" rIns="45718" bIns="45718">
             <a:spAutoFit/>
           </a:bodyPr>
           <a:lstStyle>
             <a:lvl1pPr>
-              <a:defRPr b="1" sz="2000">
+              <a:defRPr sz="2000" b="1">
                 <a:solidFill>
                   <a:srgbClr val="1C4372"/>
                 </a:solidFill>
-                <a:latin typeface="微软雅黑"/>
-                <a:ea typeface="微软雅黑"/>
-                <a:cs typeface="微软雅黑"/>
-                <a:sym typeface="微软雅黑"/>
+                <a:latin typeface="微软雅黑" panose="020B0503020204020204" charset="-122"/>
+                <a:ea typeface="微软雅黑" panose="020B0503020204020204" charset="-122"/>
+                <a:cs typeface="微软雅黑" panose="020B0503020204020204" charset="-122"/>
+                <a:sym typeface="微软雅黑" panose="020B0503020204020204" charset="-122"/>
               </a:defRPr>
             </a:lvl1pPr>
           </a:lstStyle>
           <a:p>
-            <a:pPr/>
             <a:r>
               <a:t>Introduction</a:t>
             </a:r>
@@ -7758,11 +7554,6 @@
           <a:ln w="12700">
             <a:miter lim="400000"/>
           </a:ln>
-          <a:extLst>
-            <a:ext uri="{C572A759-6A51-4108-AA02-DFA0A04FC94B}">
-              <ma14:wrappingTextBoxFlag xmlns:ma14="http://schemas.microsoft.com/office/mac/drawingml/2011/main" val="1"/>
-            </a:ext>
-          </a:extLst>
         </p:spPr>
         <p:txBody>
           <a:bodyPr lIns="45718" tIns="45718" rIns="45718" bIns="45718">
@@ -7777,15 +7568,14 @@
                 <a:solidFill>
                   <a:srgbClr val="1C4372"/>
                 </a:solidFill>
-                <a:latin typeface="微软雅黑"/>
-                <a:ea typeface="微软雅黑"/>
-                <a:cs typeface="微软雅黑"/>
-                <a:sym typeface="微软雅黑"/>
+                <a:latin typeface="微软雅黑" panose="020B0503020204020204" charset="-122"/>
+                <a:ea typeface="微软雅黑" panose="020B0503020204020204" charset="-122"/>
+                <a:cs typeface="微软雅黑" panose="020B0503020204020204" charset="-122"/>
+                <a:sym typeface="微软雅黑" panose="020B0503020204020204" charset="-122"/>
               </a:defRPr>
             </a:lvl1pPr>
           </a:lstStyle>
           <a:p>
-            <a:pPr/>
             <a:r>
               <a:t>01</a:t>
             </a:r>
@@ -7808,18 +7598,15 @@
           <a:prstGeom prst="rect">
             <a:avLst/>
           </a:prstGeom>
-          <a:extLst>
-            <a:ext uri="{C572A759-6A51-4108-AA02-DFA0A04FC94B}">
-              <ma14:wrappingTextBoxFlag xmlns:ma14="http://schemas.microsoft.com/office/mac/drawingml/2011/main" val="1"/>
-            </a:ext>
-          </a:extLst>
         </p:spPr>
         <p:txBody>
           <a:bodyPr/>
           <a:lstStyle/>
           <a:p>
-            <a:pPr/>
-            <a:fld id="{86CB4B4D-7CA3-9044-876B-883B54F8677D}" type="slidenum"/>
+            <a:fld id="{86CB4B4D-7CA3-9044-876B-883B54F8677D}" type="slidenum">
+              <a:rPr/>
+            </a:fld>
+            <a:endParaRPr/>
           </a:p>
         </p:txBody>
       </p:sp>
@@ -7840,11 +7627,6 @@
           <a:ln w="12700">
             <a:miter lim="400000"/>
           </a:ln>
-          <a:extLst>
-            <a:ext uri="{C572A759-6A51-4108-AA02-DFA0A04FC94B}">
-              <ma14:wrappingTextBoxFlag xmlns:ma14="http://schemas.microsoft.com/office/mac/drawingml/2011/main" val="1"/>
-            </a:ext>
-          </a:extLst>
         </p:spPr>
         <p:txBody>
           <a:bodyPr wrap="none" lIns="0" tIns="0" rIns="0" bIns="0">
@@ -7860,7 +7642,6 @@
             </a:lvl1pPr>
           </a:lstStyle>
           <a:p>
-            <a:pPr/>
             <a:r>
               <a:t>1. The structure of the project after rebuilding</a:t>
             </a:r>
@@ -7884,11 +7665,6 @@
           <a:ln w="12700">
             <a:miter lim="400000"/>
           </a:ln>
-          <a:extLst>
-            <a:ext uri="{C572A759-6A51-4108-AA02-DFA0A04FC94B}">
-              <ma14:wrappingTextBoxFlag xmlns:ma14="http://schemas.microsoft.com/office/mac/drawingml/2011/main" val="1"/>
-            </a:ext>
-          </a:extLst>
         </p:spPr>
         <p:txBody>
           <a:bodyPr wrap="none" lIns="0" tIns="0" rIns="0" bIns="0">
@@ -7904,7 +7680,6 @@
             </a:lvl1pPr>
           </a:lstStyle>
           <a:p>
-            <a:pPr/>
             <a:r>
               <a:t>2. Show how the functions work</a:t>
             </a:r>
@@ -7928,11 +7703,6 @@
           <a:ln w="12700">
             <a:miter lim="400000"/>
           </a:ln>
-          <a:extLst>
-            <a:ext uri="{C572A759-6A51-4108-AA02-DFA0A04FC94B}">
-              <ma14:wrappingTextBoxFlag xmlns:ma14="http://schemas.microsoft.com/office/mac/drawingml/2011/main" val="1"/>
-            </a:ext>
-          </a:extLst>
         </p:spPr>
         <p:txBody>
           <a:bodyPr wrap="none" lIns="0" tIns="0" rIns="0" bIns="0">
@@ -7948,7 +7718,6 @@
             </a:lvl1pPr>
           </a:lstStyle>
           <a:p>
-            <a:pPr/>
             <a:r>
               <a:t>3. OneSignal</a:t>
             </a:r>
@@ -7960,12 +7729,12 @@
   <p:clrMapOvr>
     <a:masterClrMapping/>
   </p:clrMapOvr>
-  <p:transition xmlns:p14="http://schemas.microsoft.com/office/powerpoint/2010/main" spd="med" advClick="1"/>
+  <p:transition spd="med"/>
 </p:sld>
 </file>
 
 <file path=ppt/slides/slide4.xml><?xml version="1.0" encoding="utf-8"?>
-<p:sld xmlns:a="http://schemas.openxmlformats.org/drawingml/2006/main" xmlns:r="http://schemas.openxmlformats.org/officeDocument/2006/relationships" xmlns:p="http://schemas.openxmlformats.org/presentationml/2006/main" xmlns:m="http://schemas.openxmlformats.org/officeDocument/2006/math" xmlns:a14="http://schemas.microsoft.com/office/drawing/2010/main" showMasterSp="1" showMasterPhAnim="1">
+<p:sld xmlns:a="http://schemas.openxmlformats.org/drawingml/2006/main" xmlns:r="http://schemas.openxmlformats.org/officeDocument/2006/relationships" xmlns:p="http://schemas.openxmlformats.org/presentationml/2006/main">
   <p:cSld>
     <p:spTree>
       <p:nvGrpSpPr>
@@ -7990,9 +7759,7 @@
           <p:nvPr/>
         </p:nvPicPr>
         <p:blipFill>
-          <a:blip r:embed="rId2">
-            <a:extLst/>
-          </a:blip>
+          <a:blip r:embed="rId1"/>
           <a:srcRect l="1821" t="2336" r="1038" b="2790"/>
           <a:stretch>
             <a:fillRect/>
@@ -8008,6 +7775,8 @@
           </a:prstGeom>
           <a:ln w="12700">
             <a:miter lim="400000"/>
+            <a:headEnd/>
+            <a:tailEnd/>
           </a:ln>
         </p:spPr>
       </p:pic>
@@ -8043,10 +7812,10 @@
                 <a:solidFill>
                   <a:srgbClr val="FFFFFF"/>
                 </a:solidFill>
-                <a:latin typeface="等线"/>
-                <a:ea typeface="等线"/>
-                <a:cs typeface="等线"/>
-                <a:sym typeface="等线"/>
+                <a:latin typeface="等线" panose="02010600030101010101" charset="-122"/>
+                <a:ea typeface="等线" panose="02010600030101010101" charset="-122"/>
+                <a:cs typeface="等线" panose="02010600030101010101" charset="-122"/>
+                <a:sym typeface="等线" panose="02010600030101010101" charset="-122"/>
               </a:defRPr>
             </a:pPr>
           </a:p>
@@ -8073,7 +7842,7 @@
             <a:miter lim="400000"/>
           </a:ln>
           <a:effectLst>
-            <a:outerShdw sx="100000" sy="100000" kx="0" ky="0" algn="b" rotWithShape="0" blurRad="63500" dist="0" dir="0">
+            <a:outerShdw blurRad="63500" rotWithShape="0">
               <a:srgbClr val="000000">
                 <a:alpha val="40000"/>
               </a:srgbClr>
@@ -8089,10 +7858,10 @@
                 <a:solidFill>
                   <a:srgbClr val="FFFFFF"/>
                 </a:solidFill>
-                <a:latin typeface="等线"/>
-                <a:ea typeface="等线"/>
-                <a:cs typeface="等线"/>
-                <a:sym typeface="等线"/>
+                <a:latin typeface="等线" panose="02010600030101010101" charset="-122"/>
+                <a:ea typeface="等线" panose="02010600030101010101" charset="-122"/>
+                <a:cs typeface="等线" panose="02010600030101010101" charset="-122"/>
+                <a:sym typeface="等线" panose="02010600030101010101" charset="-122"/>
               </a:defRPr>
             </a:pPr>
           </a:p>
@@ -8105,7 +7874,7 @@
           <p:nvPr/>
         </p:nvSpPr>
         <p:spPr>
-          <a:xfrm flipH="1" flipV="1" rot="16200000">
+          <a:xfrm rot="16200000" flipH="1" flipV="1">
             <a:off x="-5" y="-6561"/>
             <a:ext cx="1690221" cy="1690218"/>
           </a:xfrm>
@@ -8129,7 +7898,7 @@
             </a:cxnLst>
             <a:rect l="0" t="0" r="r" b="b"/>
             <a:pathLst>
-              <a:path w="21600" h="21600" fill="norm" stroke="1" extrusionOk="0">
+              <a:path w="21600" h="21600" extrusionOk="0">
                 <a:moveTo>
                   <a:pt x="0" y="21600"/>
                 </a:moveTo>
@@ -8150,7 +7919,7 @@
             <a:miter lim="400000"/>
           </a:ln>
           <a:effectLst>
-            <a:outerShdw sx="100000" sy="100000" kx="0" ky="0" algn="b" rotWithShape="0" blurRad="50800" dist="38100" dir="2700000">
+            <a:outerShdw blurRad="50800" dist="38100" dir="2700000" rotWithShape="0">
               <a:srgbClr val="000000">
                 <a:alpha val="40000"/>
               </a:srgbClr>
@@ -8163,10 +7932,10 @@
           <a:p>
             <a:pPr algn="ctr">
               <a:defRPr>
-                <a:latin typeface="等线"/>
-                <a:ea typeface="等线"/>
-                <a:cs typeface="等线"/>
-                <a:sym typeface="等线"/>
+                <a:latin typeface="等线" panose="02010600030101010101" charset="-122"/>
+                <a:ea typeface="等线" panose="02010600030101010101" charset="-122"/>
+                <a:cs typeface="等线" panose="02010600030101010101" charset="-122"/>
+                <a:sym typeface="等线" panose="02010600030101010101" charset="-122"/>
               </a:defRPr>
             </a:pPr>
           </a:p>
@@ -8203,7 +7972,7 @@
             </a:cxnLst>
             <a:rect l="0" t="0" r="r" b="b"/>
             <a:pathLst>
-              <a:path w="21600" h="21600" fill="norm" stroke="1" extrusionOk="0">
+              <a:path w="21600" h="21600" extrusionOk="0">
                 <a:moveTo>
                   <a:pt x="0" y="21600"/>
                 </a:moveTo>
@@ -8224,7 +7993,7 @@
             <a:miter lim="400000"/>
           </a:ln>
           <a:effectLst>
-            <a:outerShdw sx="100000" sy="100000" kx="0" ky="0" algn="b" rotWithShape="0" blurRad="50800" dist="38100" dir="13500000">
+            <a:outerShdw blurRad="50800" dist="38100" dir="13500000" rotWithShape="0">
               <a:srgbClr val="000000">
                 <a:alpha val="40000"/>
               </a:srgbClr>
@@ -8237,10 +8006,10 @@
           <a:p>
             <a:pPr algn="ctr">
               <a:defRPr>
-                <a:latin typeface="等线"/>
-                <a:ea typeface="等线"/>
-                <a:cs typeface="等线"/>
-                <a:sym typeface="等线"/>
+                <a:latin typeface="等线" panose="02010600030101010101" charset="-122"/>
+                <a:ea typeface="等线" panose="02010600030101010101" charset="-122"/>
+                <a:cs typeface="等线" panose="02010600030101010101" charset="-122"/>
+                <a:sym typeface="等线" panose="02010600030101010101" charset="-122"/>
               </a:defRPr>
             </a:pPr>
           </a:p>
@@ -8263,11 +8032,6 @@
           <a:ln w="12700">
             <a:miter lim="400000"/>
           </a:ln>
-          <a:extLst>
-            <a:ext uri="{C572A759-6A51-4108-AA02-DFA0A04FC94B}">
-              <ma14:wrappingTextBoxFlag xmlns:ma14="http://schemas.microsoft.com/office/mac/drawingml/2011/main" val="1"/>
-            </a:ext>
-          </a:extLst>
         </p:spPr>
         <p:txBody>
           <a:bodyPr lIns="45718" tIns="45718" rIns="45718" bIns="45718">
@@ -8275,19 +8039,18 @@
           </a:bodyPr>
           <a:lstStyle>
             <a:lvl1pPr>
-              <a:defRPr b="1" sz="2000">
+              <a:defRPr sz="2000" b="1">
                 <a:solidFill>
                   <a:srgbClr val="1C4372"/>
                 </a:solidFill>
-                <a:latin typeface="微软雅黑"/>
-                <a:ea typeface="微软雅黑"/>
-                <a:cs typeface="微软雅黑"/>
-                <a:sym typeface="微软雅黑"/>
+                <a:latin typeface="微软雅黑" panose="020B0503020204020204" charset="-122"/>
+                <a:ea typeface="微软雅黑" panose="020B0503020204020204" charset="-122"/>
+                <a:cs typeface="微软雅黑" panose="020B0503020204020204" charset="-122"/>
+                <a:sym typeface="微软雅黑" panose="020B0503020204020204" charset="-122"/>
               </a:defRPr>
             </a:lvl1pPr>
           </a:lstStyle>
           <a:p>
-            <a:pPr/>
             <a:r>
               <a:t>Introduction</a:t>
             </a:r>
@@ -8311,11 +8074,6 @@
           <a:ln w="12700">
             <a:miter lim="400000"/>
           </a:ln>
-          <a:extLst>
-            <a:ext uri="{C572A759-6A51-4108-AA02-DFA0A04FC94B}">
-              <ma14:wrappingTextBoxFlag xmlns:ma14="http://schemas.microsoft.com/office/mac/drawingml/2011/main" val="1"/>
-            </a:ext>
-          </a:extLst>
         </p:spPr>
         <p:txBody>
           <a:bodyPr lIns="45718" tIns="45718" rIns="45718" bIns="45718">
@@ -8330,15 +8088,14 @@
                 <a:solidFill>
                   <a:srgbClr val="1C4372"/>
                 </a:solidFill>
-                <a:latin typeface="微软雅黑"/>
-                <a:ea typeface="微软雅黑"/>
-                <a:cs typeface="微软雅黑"/>
-                <a:sym typeface="微软雅黑"/>
+                <a:latin typeface="微软雅黑" panose="020B0503020204020204" charset="-122"/>
+                <a:ea typeface="微软雅黑" panose="020B0503020204020204" charset="-122"/>
+                <a:cs typeface="微软雅黑" panose="020B0503020204020204" charset="-122"/>
+                <a:sym typeface="微软雅黑" panose="020B0503020204020204" charset="-122"/>
               </a:defRPr>
             </a:lvl1pPr>
           </a:lstStyle>
           <a:p>
-            <a:pPr/>
             <a:r>
               <a:t>01</a:t>
             </a:r>
@@ -8361,18 +8118,15 @@
           <a:prstGeom prst="rect">
             <a:avLst/>
           </a:prstGeom>
-          <a:extLst>
-            <a:ext uri="{C572A759-6A51-4108-AA02-DFA0A04FC94B}">
-              <ma14:wrappingTextBoxFlag xmlns:ma14="http://schemas.microsoft.com/office/mac/drawingml/2011/main" val="1"/>
-            </a:ext>
-          </a:extLst>
         </p:spPr>
         <p:txBody>
           <a:bodyPr/>
           <a:lstStyle/>
           <a:p>
-            <a:pPr/>
-            <a:fld id="{86CB4B4D-7CA3-9044-876B-883B54F8677D}" type="slidenum"/>
+            <a:fld id="{86CB4B4D-7CA3-9044-876B-883B54F8677D}" type="slidenum">
+              <a:rPr/>
+            </a:fld>
+            <a:endParaRPr/>
           </a:p>
         </p:txBody>
       </p:sp>
@@ -8393,11 +8147,6 @@
           <a:ln w="12700">
             <a:miter lim="400000"/>
           </a:ln>
-          <a:extLst>
-            <a:ext uri="{C572A759-6A51-4108-AA02-DFA0A04FC94B}">
-              <ma14:wrappingTextBoxFlag xmlns:ma14="http://schemas.microsoft.com/office/mac/drawingml/2011/main" val="1"/>
-            </a:ext>
-          </a:extLst>
         </p:spPr>
         <p:txBody>
           <a:bodyPr wrap="none" lIns="0" tIns="0" rIns="0" bIns="0">
@@ -8413,7 +8162,6 @@
             </a:lvl1pPr>
           </a:lstStyle>
           <a:p>
-            <a:pPr/>
             <a:r>
               <a:t>1. Reuse pages cause lots of problems</a:t>
             </a:r>
@@ -8437,11 +8185,6 @@
           <a:ln w="12700">
             <a:miter lim="400000"/>
           </a:ln>
-          <a:extLst>
-            <a:ext uri="{C572A759-6A51-4108-AA02-DFA0A04FC94B}">
-              <ma14:wrappingTextBoxFlag xmlns:ma14="http://schemas.microsoft.com/office/mac/drawingml/2011/main" val="1"/>
-            </a:ext>
-          </a:extLst>
         </p:spPr>
         <p:txBody>
           <a:bodyPr wrap="none" lIns="0" tIns="0" rIns="0" bIns="0">
@@ -8457,7 +8200,6 @@
             </a:lvl1pPr>
           </a:lstStyle>
           <a:p>
-            <a:pPr/>
             <a:r>
               <a:t>2. Bad User Interface</a:t>
             </a:r>
@@ -8520,11 +8262,6 @@
           <a:ln w="12700">
             <a:miter lim="400000"/>
           </a:ln>
-          <a:extLst>
-            <a:ext uri="{C572A759-6A51-4108-AA02-DFA0A04FC94B}">
-              <ma14:wrappingTextBoxFlag xmlns:ma14="http://schemas.microsoft.com/office/mac/drawingml/2011/main" val="1"/>
-            </a:ext>
-          </a:extLst>
         </p:spPr>
         <p:txBody>
           <a:bodyPr lIns="45718" tIns="45718" rIns="45718" bIns="45718">
@@ -8544,7 +8281,6 @@
             </a:lvl1pPr>
           </a:lstStyle>
           <a:p>
-            <a:pPr/>
             <a:r>
               <a:t>  WHY</a:t>
             </a:r>
@@ -8568,11 +8304,6 @@
           <a:ln w="12700">
             <a:miter lim="400000"/>
           </a:ln>
-          <a:extLst>
-            <a:ext uri="{C572A759-6A51-4108-AA02-DFA0A04FC94B}">
-              <ma14:wrappingTextBoxFlag xmlns:ma14="http://schemas.microsoft.com/office/mac/drawingml/2011/main" val="1"/>
-            </a:ext>
-          </a:extLst>
         </p:spPr>
         <p:txBody>
           <a:bodyPr wrap="none" lIns="0" tIns="0" rIns="0" bIns="0">
@@ -8588,7 +8319,6 @@
             </a:lvl1pPr>
           </a:lstStyle>
           <a:p>
-            <a:pPr/>
             <a:r>
               <a:t>—— The structure of the project after rebuilding</a:t>
             </a:r>
@@ -8612,11 +8342,6 @@
           <a:ln w="12700">
             <a:miter lim="400000"/>
           </a:ln>
-          <a:extLst>
-            <a:ext uri="{C572A759-6A51-4108-AA02-DFA0A04FC94B}">
-              <ma14:wrappingTextBoxFlag xmlns:ma14="http://schemas.microsoft.com/office/mac/drawingml/2011/main" val="1"/>
-            </a:ext>
-          </a:extLst>
         </p:spPr>
         <p:txBody>
           <a:bodyPr wrap="none" lIns="0" tIns="0" rIns="0" bIns="0">
@@ -8632,7 +8357,6 @@
             </a:lvl1pPr>
           </a:lstStyle>
           <a:p>
-            <a:pPr/>
             <a:r>
               <a:t>-  Have to add complicate additional conditions to deal </a:t>
             </a:r>
@@ -8656,11 +8380,6 @@
           <a:ln w="12700">
             <a:miter lim="400000"/>
           </a:ln>
-          <a:extLst>
-            <a:ext uri="{C572A759-6A51-4108-AA02-DFA0A04FC94B}">
-              <ma14:wrappingTextBoxFlag xmlns:ma14="http://schemas.microsoft.com/office/mac/drawingml/2011/main" val="1"/>
-            </a:ext>
-          </a:extLst>
         </p:spPr>
         <p:txBody>
           <a:bodyPr wrap="none" lIns="0" tIns="0" rIns="0" bIns="0">
@@ -8676,7 +8395,6 @@
             </a:lvl1pPr>
           </a:lstStyle>
           <a:p>
-            <a:pPr/>
             <a:r>
               <a:t>-  After fixing a problem, but another will come up soon </a:t>
             </a:r>
@@ -8700,11 +8418,6 @@
           <a:ln w="12700">
             <a:miter lim="400000"/>
           </a:ln>
-          <a:extLst>
-            <a:ext uri="{C572A759-6A51-4108-AA02-DFA0A04FC94B}">
-              <ma14:wrappingTextBoxFlag xmlns:ma14="http://schemas.microsoft.com/office/mac/drawingml/2011/main" val="1"/>
-            </a:ext>
-          </a:extLst>
         </p:spPr>
         <p:txBody>
           <a:bodyPr wrap="none" lIns="0" tIns="0" rIns="0" bIns="0">
@@ -8720,7 +8433,6 @@
             </a:lvl1pPr>
           </a:lstStyle>
           <a:p>
-            <a:pPr/>
             <a:r>
               <a:t>-  Too much code in one page(difficult to maintain)</a:t>
             </a:r>
@@ -8744,11 +8456,6 @@
           <a:ln w="12700">
             <a:miter lim="400000"/>
           </a:ln>
-          <a:extLst>
-            <a:ext uri="{C572A759-6A51-4108-AA02-DFA0A04FC94B}">
-              <ma14:wrappingTextBoxFlag xmlns:ma14="http://schemas.microsoft.com/office/mac/drawingml/2011/main" val="1"/>
-            </a:ext>
-          </a:extLst>
         </p:spPr>
         <p:txBody>
           <a:bodyPr wrap="none" lIns="0" tIns="0" rIns="0" bIns="0">
@@ -8764,7 +8471,6 @@
             </a:lvl1pPr>
           </a:lstStyle>
           <a:p>
-            <a:pPr/>
             <a:r>
               <a:t>-  Before data being loaded completely, the view comes up first</a:t>
             </a:r>
@@ -8788,11 +8494,6 @@
           <a:ln w="12700">
             <a:miter lim="400000"/>
           </a:ln>
-          <a:extLst>
-            <a:ext uri="{C572A759-6A51-4108-AA02-DFA0A04FC94B}">
-              <ma14:wrappingTextBoxFlag xmlns:ma14="http://schemas.microsoft.com/office/mac/drawingml/2011/main" val="1"/>
-            </a:ext>
-          </a:extLst>
         </p:spPr>
         <p:txBody>
           <a:bodyPr wrap="none" lIns="0" tIns="0" rIns="0" bIns="0">
@@ -8808,7 +8509,6 @@
             </a:lvl1pPr>
           </a:lstStyle>
           <a:p>
-            <a:pPr/>
             <a:r>
               <a:t>-  Delete many redundant code</a:t>
             </a:r>
@@ -8832,11 +8532,6 @@
           <a:ln w="12700">
             <a:miter lim="400000"/>
           </a:ln>
-          <a:extLst>
-            <a:ext uri="{C572A759-6A51-4108-AA02-DFA0A04FC94B}">
-              <ma14:wrappingTextBoxFlag xmlns:ma14="http://schemas.microsoft.com/office/mac/drawingml/2011/main" val="1"/>
-            </a:ext>
-          </a:extLst>
         </p:spPr>
         <p:txBody>
           <a:bodyPr wrap="none" lIns="0" tIns="0" rIns="0" bIns="0">
@@ -8852,7 +8547,6 @@
             </a:lvl1pPr>
           </a:lstStyle>
           <a:p>
-            <a:pPr/>
             <a:r>
               <a:t>3. Optimized Code</a:t>
             </a:r>
@@ -8876,11 +8570,6 @@
           <a:ln w="12700">
             <a:miter lim="400000"/>
           </a:ln>
-          <a:extLst>
-            <a:ext uri="{C572A759-6A51-4108-AA02-DFA0A04FC94B}">
-              <ma14:wrappingTextBoxFlag xmlns:ma14="http://schemas.microsoft.com/office/mac/drawingml/2011/main" val="1"/>
-            </a:ext>
-          </a:extLst>
         </p:spPr>
         <p:txBody>
           <a:bodyPr wrap="none" lIns="0" tIns="0" rIns="0" bIns="0">
@@ -8896,7 +8585,6 @@
             </a:lvl1pPr>
           </a:lstStyle>
           <a:p>
-            <a:pPr/>
             <a:r>
               <a:t>-  Reflect on if it’s a good way to realize</a:t>
             </a:r>
@@ -8908,12 +8596,12 @@
   <p:clrMapOvr>
     <a:masterClrMapping/>
   </p:clrMapOvr>
-  <p:transition xmlns:p14="http://schemas.microsoft.com/office/powerpoint/2010/main" spd="med" advClick="1"/>
+  <p:transition spd="med"/>
 </p:sld>
 </file>
 
 <file path=ppt/slides/slide5.xml><?xml version="1.0" encoding="utf-8"?>
-<p:sld xmlns:a="http://schemas.openxmlformats.org/drawingml/2006/main" xmlns:r="http://schemas.openxmlformats.org/officeDocument/2006/relationships" xmlns:p="http://schemas.openxmlformats.org/presentationml/2006/main" xmlns:m="http://schemas.openxmlformats.org/officeDocument/2006/math" xmlns:a14="http://schemas.microsoft.com/office/drawing/2010/main" showMasterSp="1" showMasterPhAnim="1">
+<p:sld xmlns:a="http://schemas.openxmlformats.org/drawingml/2006/main" xmlns:r="http://schemas.openxmlformats.org/officeDocument/2006/relationships" xmlns:p="http://schemas.openxmlformats.org/presentationml/2006/main">
   <p:cSld>
     <p:spTree>
       <p:nvGrpSpPr>
@@ -8938,9 +8626,7 @@
           <p:nvPr/>
         </p:nvPicPr>
         <p:blipFill>
-          <a:blip r:embed="rId2">
-            <a:extLst/>
-          </a:blip>
+          <a:blip r:embed="rId1"/>
           <a:srcRect l="1821" t="2336" r="1038" b="2790"/>
           <a:stretch>
             <a:fillRect/>
@@ -8956,6 +8642,8 @@
           </a:prstGeom>
           <a:ln w="12700">
             <a:miter lim="400000"/>
+            <a:headEnd/>
+            <a:tailEnd/>
           </a:ln>
         </p:spPr>
       </p:pic>
@@ -8991,10 +8679,10 @@
                 <a:solidFill>
                   <a:srgbClr val="FFFFFF"/>
                 </a:solidFill>
-                <a:latin typeface="等线"/>
-                <a:ea typeface="等线"/>
-                <a:cs typeface="等线"/>
-                <a:sym typeface="等线"/>
+                <a:latin typeface="等线" panose="02010600030101010101" charset="-122"/>
+                <a:ea typeface="等线" panose="02010600030101010101" charset="-122"/>
+                <a:cs typeface="等线" panose="02010600030101010101" charset="-122"/>
+                <a:sym typeface="等线" panose="02010600030101010101" charset="-122"/>
               </a:defRPr>
             </a:pPr>
           </a:p>
@@ -9021,7 +8709,7 @@
             <a:miter lim="400000"/>
           </a:ln>
           <a:effectLst>
-            <a:outerShdw sx="100000" sy="100000" kx="0" ky="0" algn="b" rotWithShape="0" blurRad="63500" dist="0" dir="0">
+            <a:outerShdw blurRad="63500" rotWithShape="0">
               <a:srgbClr val="000000">
                 <a:alpha val="40000"/>
               </a:srgbClr>
@@ -9037,10 +8725,10 @@
                 <a:solidFill>
                   <a:srgbClr val="FFFFFF"/>
                 </a:solidFill>
-                <a:latin typeface="等线"/>
-                <a:ea typeface="等线"/>
-                <a:cs typeface="等线"/>
-                <a:sym typeface="等线"/>
+                <a:latin typeface="等线" panose="02010600030101010101" charset="-122"/>
+                <a:ea typeface="等线" panose="02010600030101010101" charset="-122"/>
+                <a:cs typeface="等线" panose="02010600030101010101" charset="-122"/>
+                <a:sym typeface="等线" panose="02010600030101010101" charset="-122"/>
               </a:defRPr>
             </a:pPr>
           </a:p>
@@ -9053,7 +8741,7 @@
           <p:nvPr/>
         </p:nvSpPr>
         <p:spPr>
-          <a:xfrm flipH="1" flipV="1" rot="16200000">
+          <a:xfrm rot="16200000" flipH="1" flipV="1">
             <a:off x="-5" y="-6561"/>
             <a:ext cx="1690221" cy="1690218"/>
           </a:xfrm>
@@ -9077,7 +8765,7 @@
             </a:cxnLst>
             <a:rect l="0" t="0" r="r" b="b"/>
             <a:pathLst>
-              <a:path w="21600" h="21600" fill="norm" stroke="1" extrusionOk="0">
+              <a:path w="21600" h="21600" extrusionOk="0">
                 <a:moveTo>
                   <a:pt x="0" y="21600"/>
                 </a:moveTo>
@@ -9098,7 +8786,7 @@
             <a:miter lim="400000"/>
           </a:ln>
           <a:effectLst>
-            <a:outerShdw sx="100000" sy="100000" kx="0" ky="0" algn="b" rotWithShape="0" blurRad="50800" dist="38100" dir="2700000">
+            <a:outerShdw blurRad="50800" dist="38100" dir="2700000" rotWithShape="0">
               <a:srgbClr val="000000">
                 <a:alpha val="40000"/>
               </a:srgbClr>
@@ -9111,10 +8799,10 @@
           <a:p>
             <a:pPr algn="ctr">
               <a:defRPr>
-                <a:latin typeface="等线"/>
-                <a:ea typeface="等线"/>
-                <a:cs typeface="等线"/>
-                <a:sym typeface="等线"/>
+                <a:latin typeface="等线" panose="02010600030101010101" charset="-122"/>
+                <a:ea typeface="等线" panose="02010600030101010101" charset="-122"/>
+                <a:cs typeface="等线" panose="02010600030101010101" charset="-122"/>
+                <a:sym typeface="等线" panose="02010600030101010101" charset="-122"/>
               </a:defRPr>
             </a:pPr>
           </a:p>
@@ -9151,7 +8839,7 @@
             </a:cxnLst>
             <a:rect l="0" t="0" r="r" b="b"/>
             <a:pathLst>
-              <a:path w="21600" h="21600" fill="norm" stroke="1" extrusionOk="0">
+              <a:path w="21600" h="21600" extrusionOk="0">
                 <a:moveTo>
                   <a:pt x="0" y="21600"/>
                 </a:moveTo>
@@ -9172,7 +8860,7 @@
             <a:miter lim="400000"/>
           </a:ln>
           <a:effectLst>
-            <a:outerShdw sx="100000" sy="100000" kx="0" ky="0" algn="b" rotWithShape="0" blurRad="50800" dist="38100" dir="13500000">
+            <a:outerShdw blurRad="50800" dist="38100" dir="13500000" rotWithShape="0">
               <a:srgbClr val="000000">
                 <a:alpha val="40000"/>
               </a:srgbClr>
@@ -9185,10 +8873,10 @@
           <a:p>
             <a:pPr algn="ctr">
               <a:defRPr>
-                <a:latin typeface="等线"/>
-                <a:ea typeface="等线"/>
-                <a:cs typeface="等线"/>
-                <a:sym typeface="等线"/>
+                <a:latin typeface="等线" panose="02010600030101010101" charset="-122"/>
+                <a:ea typeface="等线" panose="02010600030101010101" charset="-122"/>
+                <a:cs typeface="等线" panose="02010600030101010101" charset="-122"/>
+                <a:sym typeface="等线" panose="02010600030101010101" charset="-122"/>
               </a:defRPr>
             </a:pPr>
           </a:p>
@@ -9210,18 +8898,15 @@
           <a:prstGeom prst="rect">
             <a:avLst/>
           </a:prstGeom>
-          <a:extLst>
-            <a:ext uri="{C572A759-6A51-4108-AA02-DFA0A04FC94B}">
-              <ma14:wrappingTextBoxFlag xmlns:ma14="http://schemas.microsoft.com/office/mac/drawingml/2011/main" val="1"/>
-            </a:ext>
-          </a:extLst>
         </p:spPr>
         <p:txBody>
           <a:bodyPr/>
           <a:lstStyle/>
           <a:p>
-            <a:pPr/>
-            <a:fld id="{86CB4B4D-7CA3-9044-876B-883B54F8677D}" type="slidenum"/>
+            <a:fld id="{86CB4B4D-7CA3-9044-876B-883B54F8677D}" type="slidenum">
+              <a:rPr/>
+            </a:fld>
+            <a:endParaRPr/>
           </a:p>
         </p:txBody>
       </p:sp>
@@ -9242,11 +8927,6 @@
           <a:ln w="12700">
             <a:miter lim="400000"/>
           </a:ln>
-          <a:extLst>
-            <a:ext uri="{C572A759-6A51-4108-AA02-DFA0A04FC94B}">
-              <ma14:wrappingTextBoxFlag xmlns:ma14="http://schemas.microsoft.com/office/mac/drawingml/2011/main" val="1"/>
-            </a:ext>
-          </a:extLst>
         </p:spPr>
         <p:txBody>
           <a:bodyPr lIns="45718" tIns="45718" rIns="45718" bIns="45718">
@@ -9254,19 +8934,18 @@
           </a:bodyPr>
           <a:lstStyle>
             <a:lvl1pPr>
-              <a:defRPr b="1" sz="2000">
+              <a:defRPr sz="2000" b="1">
                 <a:solidFill>
                   <a:srgbClr val="1C4372"/>
                 </a:solidFill>
-                <a:latin typeface="微软雅黑"/>
-                <a:ea typeface="微软雅黑"/>
-                <a:cs typeface="微软雅黑"/>
-                <a:sym typeface="微软雅黑"/>
+                <a:latin typeface="微软雅黑" panose="020B0503020204020204" charset="-122"/>
+                <a:ea typeface="微软雅黑" panose="020B0503020204020204" charset="-122"/>
+                <a:cs typeface="微软雅黑" panose="020B0503020204020204" charset="-122"/>
+                <a:sym typeface="微软雅黑" panose="020B0503020204020204" charset="-122"/>
               </a:defRPr>
             </a:lvl1pPr>
           </a:lstStyle>
           <a:p>
-            <a:pPr/>
             <a:r>
               <a:t>Introduction</a:t>
             </a:r>
@@ -9290,11 +8969,6 @@
           <a:ln w="12700">
             <a:miter lim="400000"/>
           </a:ln>
-          <a:extLst>
-            <a:ext uri="{C572A759-6A51-4108-AA02-DFA0A04FC94B}">
-              <ma14:wrappingTextBoxFlag xmlns:ma14="http://schemas.microsoft.com/office/mac/drawingml/2011/main" val="1"/>
-            </a:ext>
-          </a:extLst>
         </p:spPr>
         <p:txBody>
           <a:bodyPr lIns="45718" tIns="45718" rIns="45718" bIns="45718">
@@ -9309,15 +8983,14 @@
                 <a:solidFill>
                   <a:srgbClr val="1C4372"/>
                 </a:solidFill>
-                <a:latin typeface="微软雅黑"/>
-                <a:ea typeface="微软雅黑"/>
-                <a:cs typeface="微软雅黑"/>
-                <a:sym typeface="微软雅黑"/>
+                <a:latin typeface="微软雅黑" panose="020B0503020204020204" charset="-122"/>
+                <a:ea typeface="微软雅黑" panose="020B0503020204020204" charset="-122"/>
+                <a:cs typeface="微软雅黑" panose="020B0503020204020204" charset="-122"/>
+                <a:sym typeface="微软雅黑" panose="020B0503020204020204" charset="-122"/>
               </a:defRPr>
             </a:lvl1pPr>
           </a:lstStyle>
           <a:p>
-            <a:pPr/>
             <a:r>
               <a:t>01</a:t>
             </a:r>
@@ -9341,11 +9014,6 @@
           <a:ln w="12700">
             <a:miter lim="400000"/>
           </a:ln>
-          <a:extLst>
-            <a:ext uri="{C572A759-6A51-4108-AA02-DFA0A04FC94B}">
-              <ma14:wrappingTextBoxFlag xmlns:ma14="http://schemas.microsoft.com/office/mac/drawingml/2011/main" val="1"/>
-            </a:ext>
-          </a:extLst>
         </p:spPr>
         <p:txBody>
           <a:bodyPr wrap="none" lIns="0" tIns="0" rIns="0" bIns="0">
@@ -9361,7 +9029,6 @@
             </a:lvl1pPr>
           </a:lstStyle>
           <a:p>
-            <a:pPr/>
             <a:r>
               <a:t>—— The structure of the project after rebuilding</a:t>
             </a:r>
@@ -9392,11 +9059,6 @@
               <a:srgbClr val="AD5B24"/>
             </a:solidFill>
           </a:ln>
-          <a:extLst>
-            <a:ext uri="{C572A759-6A51-4108-AA02-DFA0A04FC94B}">
-              <ma14:wrappingTextBoxFlag xmlns:ma14="http://schemas.microsoft.com/office/mac/drawingml/2011/main" val="1"/>
-            </a:ext>
-          </a:extLst>
         </p:spPr>
         <p:txBody>
           <a:bodyPr lIns="0" tIns="0" rIns="0" bIns="0" anchor="ctr"/>
@@ -9440,11 +9102,6 @@
             </a:solidFill>
             <a:miter/>
           </a:ln>
-          <a:extLst>
-            <a:ext uri="{C572A759-6A51-4108-AA02-DFA0A04FC94B}">
-              <ma14:wrappingTextBoxFlag xmlns:ma14="http://schemas.microsoft.com/office/mac/drawingml/2011/main" val="1"/>
-            </a:ext>
-          </a:extLst>
         </p:spPr>
         <p:txBody>
           <a:bodyPr lIns="0" tIns="0" rIns="0" bIns="0" anchor="ctr"/>
@@ -9488,11 +9145,6 @@
             </a:solidFill>
             <a:miter/>
           </a:ln>
-          <a:extLst>
-            <a:ext uri="{C572A759-6A51-4108-AA02-DFA0A04FC94B}">
-              <ma14:wrappingTextBoxFlag xmlns:ma14="http://schemas.microsoft.com/office/mac/drawingml/2011/main" val="1"/>
-            </a:ext>
-          </a:extLst>
         </p:spPr>
         <p:txBody>
           <a:bodyPr lIns="0" tIns="0" rIns="0" bIns="0" anchor="ctr"/>
@@ -9536,11 +9188,6 @@
             </a:solidFill>
             <a:miter/>
           </a:ln>
-          <a:extLst>
-            <a:ext uri="{C572A759-6A51-4108-AA02-DFA0A04FC94B}">
-              <ma14:wrappingTextBoxFlag xmlns:ma14="http://schemas.microsoft.com/office/mac/drawingml/2011/main" val="1"/>
-            </a:ext>
-          </a:extLst>
         </p:spPr>
         <p:txBody>
           <a:bodyPr lIns="0" tIns="0" rIns="0" bIns="0" anchor="ctr"/>
@@ -9584,11 +9231,6 @@
             </a:solidFill>
             <a:miter/>
           </a:ln>
-          <a:extLst>
-            <a:ext uri="{C572A759-6A51-4108-AA02-DFA0A04FC94B}">
-              <ma14:wrappingTextBoxFlag xmlns:ma14="http://schemas.microsoft.com/office/mac/drawingml/2011/main" val="1"/>
-            </a:ext>
-          </a:extLst>
         </p:spPr>
         <p:txBody>
           <a:bodyPr lIns="0" tIns="0" rIns="0" bIns="0" anchor="ctr"/>
@@ -9625,8 +9267,8 @@
           </a:prstGeom>
           <a:solidFill>
             <a:schemeClr val="accent1">
-              <a:satOff val="-3547"/>
-              <a:lumOff val="-10352"/>
+              <a:satOff val="-3545"/>
+              <a:lumOff val="-10350"/>
             </a:schemeClr>
           </a:solidFill>
           <a:ln w="12700">
@@ -9635,11 +9277,6 @@
             </a:solidFill>
             <a:miter/>
           </a:ln>
-          <a:extLst>
-            <a:ext uri="{C572A759-6A51-4108-AA02-DFA0A04FC94B}">
-              <ma14:wrappingTextBoxFlag xmlns:ma14="http://schemas.microsoft.com/office/mac/drawingml/2011/main" val="1"/>
-            </a:ext>
-          </a:extLst>
         </p:spPr>
         <p:txBody>
           <a:bodyPr lIns="0" tIns="0" rIns="0" bIns="0" anchor="ctr"/>
@@ -9676,8 +9313,8 @@
           </a:prstGeom>
           <a:solidFill>
             <a:schemeClr val="accent1">
-              <a:satOff val="-3547"/>
-              <a:lumOff val="-10352"/>
+              <a:satOff val="-3545"/>
+              <a:lumOff val="-10350"/>
             </a:schemeClr>
           </a:solidFill>
           <a:ln w="12700">
@@ -9686,11 +9323,6 @@
             </a:solidFill>
             <a:miter/>
           </a:ln>
-          <a:extLst>
-            <a:ext uri="{C572A759-6A51-4108-AA02-DFA0A04FC94B}">
-              <ma14:wrappingTextBoxFlag xmlns:ma14="http://schemas.microsoft.com/office/mac/drawingml/2011/main" val="1"/>
-            </a:ext>
-          </a:extLst>
         </p:spPr>
         <p:txBody>
           <a:bodyPr lIns="0" tIns="0" rIns="0" bIns="0" anchor="ctr"/>
@@ -9727,8 +9359,8 @@
           </a:prstGeom>
           <a:solidFill>
             <a:schemeClr val="accent1">
-              <a:satOff val="-3547"/>
-              <a:lumOff val="-10352"/>
+              <a:satOff val="-3545"/>
+              <a:lumOff val="-10350"/>
             </a:schemeClr>
           </a:solidFill>
           <a:ln w="12700">
@@ -9737,11 +9369,6 @@
             </a:solidFill>
             <a:miter/>
           </a:ln>
-          <a:extLst>
-            <a:ext uri="{C572A759-6A51-4108-AA02-DFA0A04FC94B}">
-              <ma14:wrappingTextBoxFlag xmlns:ma14="http://schemas.microsoft.com/office/mac/drawingml/2011/main" val="1"/>
-            </a:ext>
-          </a:extLst>
         </p:spPr>
         <p:txBody>
           <a:bodyPr lIns="0" tIns="0" rIns="0" bIns="0" anchor="ctr"/>
@@ -9778,8 +9405,8 @@
           </a:prstGeom>
           <a:solidFill>
             <a:schemeClr val="accent1">
-              <a:satOff val="-3547"/>
-              <a:lumOff val="-10352"/>
+              <a:satOff val="-3545"/>
+              <a:lumOff val="-10350"/>
             </a:schemeClr>
           </a:solidFill>
           <a:ln w="12700">
@@ -9788,11 +9415,6 @@
             </a:solidFill>
             <a:miter/>
           </a:ln>
-          <a:extLst>
-            <a:ext uri="{C572A759-6A51-4108-AA02-DFA0A04FC94B}">
-              <ma14:wrappingTextBoxFlag xmlns:ma14="http://schemas.microsoft.com/office/mac/drawingml/2011/main" val="1"/>
-            </a:ext>
-          </a:extLst>
         </p:spPr>
         <p:txBody>
           <a:bodyPr lIns="0" tIns="0" rIns="0" bIns="0" anchor="ctr"/>
@@ -9836,11 +9458,6 @@
             </a:solidFill>
             <a:miter/>
           </a:ln>
-          <a:extLst>
-            <a:ext uri="{C572A759-6A51-4108-AA02-DFA0A04FC94B}">
-              <ma14:wrappingTextBoxFlag xmlns:ma14="http://schemas.microsoft.com/office/mac/drawingml/2011/main" val="1"/>
-            </a:ext>
-          </a:extLst>
         </p:spPr>
         <p:txBody>
           <a:bodyPr lIns="0" tIns="0" rIns="0" bIns="0" anchor="ctr"/>
@@ -9884,11 +9501,6 @@
             </a:solidFill>
             <a:miter/>
           </a:ln>
-          <a:extLst>
-            <a:ext uri="{C572A759-6A51-4108-AA02-DFA0A04FC94B}">
-              <ma14:wrappingTextBoxFlag xmlns:ma14="http://schemas.microsoft.com/office/mac/drawingml/2011/main" val="1"/>
-            </a:ext>
-          </a:extLst>
         </p:spPr>
         <p:txBody>
           <a:bodyPr lIns="0" tIns="0" rIns="0" bIns="0" anchor="ctr"/>
@@ -9932,11 +9544,6 @@
             </a:solidFill>
             <a:miter/>
           </a:ln>
-          <a:extLst>
-            <a:ext uri="{C572A759-6A51-4108-AA02-DFA0A04FC94B}">
-              <ma14:wrappingTextBoxFlag xmlns:ma14="http://schemas.microsoft.com/office/mac/drawingml/2011/main" val="1"/>
-            </a:ext>
-          </a:extLst>
         </p:spPr>
         <p:txBody>
           <a:bodyPr lIns="0" tIns="0" rIns="0" bIns="0" anchor="ctr"/>
@@ -9980,11 +9587,6 @@
             </a:solidFill>
             <a:miter/>
           </a:ln>
-          <a:extLst>
-            <a:ext uri="{C572A759-6A51-4108-AA02-DFA0A04FC94B}">
-              <ma14:wrappingTextBoxFlag xmlns:ma14="http://schemas.microsoft.com/office/mac/drawingml/2011/main" val="1"/>
-            </a:ext>
-          </a:extLst>
         </p:spPr>
         <p:txBody>
           <a:bodyPr lIns="0" tIns="0" rIns="0" bIns="0" anchor="ctr"/>
@@ -10021,8 +9623,8 @@
           </a:prstGeom>
           <a:solidFill>
             <a:schemeClr val="accent1">
-              <a:satOff val="-3547"/>
-              <a:lumOff val="-10352"/>
+              <a:satOff val="-3545"/>
+              <a:lumOff val="-10350"/>
             </a:schemeClr>
           </a:solidFill>
           <a:ln w="12700">
@@ -10031,11 +9633,6 @@
             </a:solidFill>
             <a:miter/>
           </a:ln>
-          <a:extLst>
-            <a:ext uri="{C572A759-6A51-4108-AA02-DFA0A04FC94B}">
-              <ma14:wrappingTextBoxFlag xmlns:ma14="http://schemas.microsoft.com/office/mac/drawingml/2011/main" val="1"/>
-            </a:ext>
-          </a:extLst>
         </p:spPr>
         <p:txBody>
           <a:bodyPr lIns="0" tIns="0" rIns="0" bIns="0" anchor="ctr"/>
@@ -10072,8 +9669,8 @@
           </a:prstGeom>
           <a:solidFill>
             <a:schemeClr val="accent1">
-              <a:satOff val="-3547"/>
-              <a:lumOff val="-10352"/>
+              <a:satOff val="-3545"/>
+              <a:lumOff val="-10350"/>
             </a:schemeClr>
           </a:solidFill>
           <a:ln w="12700">
@@ -10082,11 +9679,6 @@
             </a:solidFill>
             <a:miter/>
           </a:ln>
-          <a:extLst>
-            <a:ext uri="{C572A759-6A51-4108-AA02-DFA0A04FC94B}">
-              <ma14:wrappingTextBoxFlag xmlns:ma14="http://schemas.microsoft.com/office/mac/drawingml/2011/main" val="1"/>
-            </a:ext>
-          </a:extLst>
         </p:spPr>
         <p:txBody>
           <a:bodyPr lIns="0" tIns="0" rIns="0" bIns="0" anchor="ctr"/>
@@ -10123,8 +9715,8 @@
           </a:prstGeom>
           <a:solidFill>
             <a:schemeClr val="accent1">
-              <a:satOff val="-3547"/>
-              <a:lumOff val="-10352"/>
+              <a:satOff val="-3545"/>
+              <a:lumOff val="-10350"/>
             </a:schemeClr>
           </a:solidFill>
           <a:ln w="12700">
@@ -10133,11 +9725,6 @@
             </a:solidFill>
             <a:miter/>
           </a:ln>
-          <a:extLst>
-            <a:ext uri="{C572A759-6A51-4108-AA02-DFA0A04FC94B}">
-              <ma14:wrappingTextBoxFlag xmlns:ma14="http://schemas.microsoft.com/office/mac/drawingml/2011/main" val="1"/>
-            </a:ext>
-          </a:extLst>
         </p:spPr>
         <p:txBody>
           <a:bodyPr lIns="0" tIns="0" rIns="0" bIns="0" anchor="ctr"/>
@@ -10174,8 +9761,8 @@
           </a:prstGeom>
           <a:solidFill>
             <a:schemeClr val="accent1">
-              <a:satOff val="-3547"/>
-              <a:lumOff val="-10352"/>
+              <a:satOff val="-3545"/>
+              <a:lumOff val="-10350"/>
             </a:schemeClr>
           </a:solidFill>
           <a:ln w="12700">
@@ -10184,11 +9771,6 @@
             </a:solidFill>
             <a:miter/>
           </a:ln>
-          <a:extLst>
-            <a:ext uri="{C572A759-6A51-4108-AA02-DFA0A04FC94B}">
-              <ma14:wrappingTextBoxFlag xmlns:ma14="http://schemas.microsoft.com/office/mac/drawingml/2011/main" val="1"/>
-            </a:ext>
-          </a:extLst>
         </p:spPr>
         <p:txBody>
           <a:bodyPr lIns="0" tIns="0" rIns="0" bIns="0" anchor="ctr"/>
@@ -10225,8 +9807,8 @@
           </a:prstGeom>
           <a:solidFill>
             <a:schemeClr val="accent1">
-              <a:satOff val="-3547"/>
-              <a:lumOff val="-10352"/>
+              <a:satOff val="-3545"/>
+              <a:lumOff val="-10350"/>
             </a:schemeClr>
           </a:solidFill>
           <a:ln w="12700">
@@ -10235,11 +9817,6 @@
             </a:solidFill>
             <a:miter/>
           </a:ln>
-          <a:extLst>
-            <a:ext uri="{C572A759-6A51-4108-AA02-DFA0A04FC94B}">
-              <ma14:wrappingTextBoxFlag xmlns:ma14="http://schemas.microsoft.com/office/mac/drawingml/2011/main" val="1"/>
-            </a:ext>
-          </a:extLst>
         </p:spPr>
         <p:txBody>
           <a:bodyPr lIns="0" tIns="0" rIns="0" bIns="0" anchor="ctr"/>
@@ -10276,8 +9853,8 @@
           </a:prstGeom>
           <a:solidFill>
             <a:schemeClr val="accent1">
-              <a:satOff val="-3547"/>
-              <a:lumOff val="-10352"/>
+              <a:satOff val="-3545"/>
+              <a:lumOff val="-10350"/>
             </a:schemeClr>
           </a:solidFill>
           <a:ln w="12700">
@@ -10286,11 +9863,6 @@
             </a:solidFill>
             <a:miter/>
           </a:ln>
-          <a:extLst>
-            <a:ext uri="{C572A759-6A51-4108-AA02-DFA0A04FC94B}">
-              <ma14:wrappingTextBoxFlag xmlns:ma14="http://schemas.microsoft.com/office/mac/drawingml/2011/main" val="1"/>
-            </a:ext>
-          </a:extLst>
         </p:spPr>
         <p:txBody>
           <a:bodyPr lIns="0" tIns="0" rIns="0" bIns="0" anchor="ctr"/>
@@ -10332,9 +9904,7 @@
         <p:txBody>
           <a:bodyPr lIns="45718" tIns="45718" rIns="45718" bIns="45718"/>
           <a:lstStyle/>
-          <a:p>
-            <a:pPr/>
-          </a:p>
+          <a:p/>
         </p:txBody>
       </p:sp>
       <p:sp>
@@ -10360,9 +9930,7 @@
         <p:txBody>
           <a:bodyPr lIns="45718" tIns="45718" rIns="45718" bIns="45718"/>
           <a:lstStyle/>
-          <a:p>
-            <a:pPr/>
-          </a:p>
+          <a:p/>
         </p:txBody>
       </p:sp>
       <p:sp>
@@ -10389,9 +9957,7 @@
         <p:txBody>
           <a:bodyPr lIns="45718" tIns="45718" rIns="45718" bIns="45718"/>
           <a:lstStyle/>
-          <a:p>
-            <a:pPr/>
-          </a:p>
+          <a:p/>
         </p:txBody>
       </p:sp>
       <p:sp>
@@ -10418,9 +9984,7 @@
         <p:txBody>
           <a:bodyPr lIns="45718" tIns="45718" rIns="45718" bIns="45718"/>
           <a:lstStyle/>
-          <a:p>
-            <a:pPr/>
-          </a:p>
+          <a:p/>
         </p:txBody>
       </p:sp>
       <p:sp>
@@ -10447,9 +10011,7 @@
         <p:txBody>
           <a:bodyPr lIns="45718" tIns="45718" rIns="45718" bIns="45718"/>
           <a:lstStyle/>
-          <a:p>
-            <a:pPr/>
-          </a:p>
+          <a:p/>
         </p:txBody>
       </p:sp>
       <p:sp>
@@ -10476,9 +10038,7 @@
         <p:txBody>
           <a:bodyPr lIns="45718" tIns="45718" rIns="45718" bIns="45718"/>
           <a:lstStyle/>
-          <a:p>
-            <a:pPr/>
-          </a:p>
+          <a:p/>
         </p:txBody>
       </p:sp>
       <p:sp>
@@ -10505,9 +10065,7 @@
         <p:txBody>
           <a:bodyPr lIns="45718" tIns="45718" rIns="45718" bIns="45718"/>
           <a:lstStyle/>
-          <a:p>
-            <a:pPr/>
-          </a:p>
+          <a:p/>
         </p:txBody>
       </p:sp>
       <p:sp>
@@ -10534,9 +10092,7 @@
         <p:txBody>
           <a:bodyPr lIns="45718" tIns="45718" rIns="45718" bIns="45718"/>
           <a:lstStyle/>
-          <a:p>
-            <a:pPr/>
-          </a:p>
+          <a:p/>
         </p:txBody>
       </p:sp>
       <p:sp>
@@ -10563,9 +10119,7 @@
         <p:txBody>
           <a:bodyPr lIns="45718" tIns="45718" rIns="45718" bIns="45718"/>
           <a:lstStyle/>
-          <a:p>
-            <a:pPr/>
-          </a:p>
+          <a:p/>
         </p:txBody>
       </p:sp>
       <p:sp>
@@ -10592,9 +10146,7 @@
         <p:txBody>
           <a:bodyPr lIns="45718" tIns="45718" rIns="45718" bIns="45718"/>
           <a:lstStyle/>
-          <a:p>
-            <a:pPr/>
-          </a:p>
+          <a:p/>
         </p:txBody>
       </p:sp>
       <p:sp>
@@ -10621,9 +10173,7 @@
         <p:txBody>
           <a:bodyPr lIns="45718" tIns="45718" rIns="45718" bIns="45718"/>
           <a:lstStyle/>
-          <a:p>
-            <a:pPr/>
-          </a:p>
+          <a:p/>
         </p:txBody>
       </p:sp>
       <p:sp>
@@ -10649,9 +10199,7 @@
         <p:txBody>
           <a:bodyPr lIns="45718" tIns="45718" rIns="45718" bIns="45718"/>
           <a:lstStyle/>
-          <a:p>
-            <a:pPr/>
-          </a:p>
+          <a:p/>
         </p:txBody>
       </p:sp>
       <p:sp>
@@ -10677,9 +10225,7 @@
         <p:txBody>
           <a:bodyPr lIns="45718" tIns="45718" rIns="45718" bIns="45718"/>
           <a:lstStyle/>
-          <a:p>
-            <a:pPr/>
-          </a:p>
+          <a:p/>
         </p:txBody>
       </p:sp>
       <p:sp>
@@ -10706,9 +10252,7 @@
         <p:txBody>
           <a:bodyPr lIns="45718" tIns="45718" rIns="45718" bIns="45718"/>
           <a:lstStyle/>
-          <a:p>
-            <a:pPr/>
-          </a:p>
+          <a:p/>
         </p:txBody>
       </p:sp>
       <p:sp>
@@ -10735,9 +10279,7 @@
         <p:txBody>
           <a:bodyPr lIns="45718" tIns="45718" rIns="45718" bIns="45718"/>
           <a:lstStyle/>
-          <a:p>
-            <a:pPr/>
-          </a:p>
+          <a:p/>
         </p:txBody>
       </p:sp>
       <p:sp>
@@ -10764,9 +10306,7 @@
         <p:txBody>
           <a:bodyPr lIns="45718" tIns="45718" rIns="45718" bIns="45718"/>
           <a:lstStyle/>
-          <a:p>
-            <a:pPr/>
-          </a:p>
+          <a:p/>
         </p:txBody>
       </p:sp>
       <p:sp>
@@ -10793,9 +10333,7 @@
         <p:txBody>
           <a:bodyPr lIns="45718" tIns="45718" rIns="45718" bIns="45718"/>
           <a:lstStyle/>
-          <a:p>
-            <a:pPr/>
-          </a:p>
+          <a:p/>
         </p:txBody>
       </p:sp>
       <p:sp>
@@ -10822,9 +10360,7 @@
         <p:txBody>
           <a:bodyPr lIns="45718" tIns="45718" rIns="45718" bIns="45718"/>
           <a:lstStyle/>
-          <a:p>
-            <a:pPr/>
-          </a:p>
+          <a:p/>
         </p:txBody>
       </p:sp>
       <p:sp>
@@ -10851,9 +10387,7 @@
         <p:txBody>
           <a:bodyPr lIns="45718" tIns="45718" rIns="45718" bIns="45718"/>
           <a:lstStyle/>
-          <a:p>
-            <a:pPr/>
-          </a:p>
+          <a:p/>
         </p:txBody>
       </p:sp>
       <p:sp>
@@ -10880,9 +10414,7 @@
         <p:txBody>
           <a:bodyPr lIns="45718" tIns="45718" rIns="45718" bIns="45718"/>
           <a:lstStyle/>
-          <a:p>
-            <a:pPr/>
-          </a:p>
+          <a:p/>
         </p:txBody>
       </p:sp>
       <p:sp>
@@ -10908,9 +10440,7 @@
         <p:txBody>
           <a:bodyPr lIns="45718" tIns="45718" rIns="45718" bIns="45718"/>
           <a:lstStyle/>
-          <a:p>
-            <a:pPr/>
-          </a:p>
+          <a:p/>
         </p:txBody>
       </p:sp>
       <p:sp>
@@ -10936,9 +10466,7 @@
         <p:txBody>
           <a:bodyPr lIns="45718" tIns="45718" rIns="45718" bIns="45718"/>
           <a:lstStyle/>
-          <a:p>
-            <a:pPr/>
-          </a:p>
+          <a:p/>
         </p:txBody>
       </p:sp>
       <p:sp>
@@ -10964,9 +10492,7 @@
         <p:txBody>
           <a:bodyPr lIns="45718" tIns="45718" rIns="45718" bIns="45718"/>
           <a:lstStyle/>
-          <a:p>
-            <a:pPr/>
-          </a:p>
+          <a:p/>
         </p:txBody>
       </p:sp>
       <p:sp>
@@ -10992,9 +10518,7 @@
         <p:txBody>
           <a:bodyPr lIns="45718" tIns="45718" rIns="45718" bIns="45718"/>
           <a:lstStyle/>
-          <a:p>
-            <a:pPr/>
-          </a:p>
+          <a:p/>
         </p:txBody>
       </p:sp>
       <p:sp>
@@ -11020,9 +10544,7 @@
         <p:txBody>
           <a:bodyPr lIns="45718" tIns="45718" rIns="45718" bIns="45718"/>
           <a:lstStyle/>
-          <a:p>
-            <a:pPr/>
-          </a:p>
+          <a:p/>
         </p:txBody>
       </p:sp>
       <p:sp>
@@ -11048,9 +10570,7 @@
         <p:txBody>
           <a:bodyPr lIns="45718" tIns="45718" rIns="45718" bIns="45718"/>
           <a:lstStyle/>
-          <a:p>
-            <a:pPr/>
-          </a:p>
+          <a:p/>
         </p:txBody>
       </p:sp>
       <p:sp>
@@ -11077,9 +10597,7 @@
         <p:txBody>
           <a:bodyPr lIns="45718" tIns="45718" rIns="45718" bIns="45718"/>
           <a:lstStyle/>
-          <a:p>
-            <a:pPr/>
-          </a:p>
+          <a:p/>
         </p:txBody>
       </p:sp>
       <p:sp>
@@ -11106,9 +10624,7 @@
         <p:txBody>
           <a:bodyPr lIns="45718" tIns="45718" rIns="45718" bIns="45718"/>
           <a:lstStyle/>
-          <a:p>
-            <a:pPr/>
-          </a:p>
+          <a:p/>
         </p:txBody>
       </p:sp>
       <p:sp>
@@ -11135,9 +10651,7 @@
         <p:txBody>
           <a:bodyPr lIns="45718" tIns="45718" rIns="45718" bIns="45718"/>
           <a:lstStyle/>
-          <a:p>
-            <a:pPr/>
-          </a:p>
+          <a:p/>
         </p:txBody>
       </p:sp>
       <p:sp>
@@ -11164,9 +10678,7 @@
         <p:txBody>
           <a:bodyPr lIns="45718" tIns="45718" rIns="45718" bIns="45718"/>
           <a:lstStyle/>
-          <a:p>
-            <a:pPr/>
-          </a:p>
+          <a:p/>
         </p:txBody>
       </p:sp>
     </p:spTree>
@@ -11174,12 +10686,12 @@
   <p:clrMapOvr>
     <a:masterClrMapping/>
   </p:clrMapOvr>
-  <p:transition xmlns:p14="http://schemas.microsoft.com/office/powerpoint/2010/main" spd="med" advClick="1"/>
+  <p:transition spd="med"/>
 </p:sld>
 </file>
 
 <file path=ppt/slides/slide6.xml><?xml version="1.0" encoding="utf-8"?>
-<p:sld xmlns:a="http://schemas.openxmlformats.org/drawingml/2006/main" xmlns:r="http://schemas.openxmlformats.org/officeDocument/2006/relationships" xmlns:p="http://schemas.openxmlformats.org/presentationml/2006/main" xmlns:m="http://schemas.openxmlformats.org/officeDocument/2006/math" xmlns:a14="http://schemas.microsoft.com/office/drawing/2010/main" showMasterSp="1" showMasterPhAnim="1">
+<p:sld xmlns:a="http://schemas.openxmlformats.org/drawingml/2006/main" xmlns:r="http://schemas.openxmlformats.org/officeDocument/2006/relationships" xmlns:p="http://schemas.openxmlformats.org/presentationml/2006/main">
   <p:cSld>
     <p:spTree>
       <p:nvGrpSpPr>
@@ -11204,9 +10716,7 @@
           <p:nvPr/>
         </p:nvPicPr>
         <p:blipFill>
-          <a:blip r:embed="rId2">
-            <a:extLst/>
-          </a:blip>
+          <a:blip r:embed="rId1"/>
           <a:srcRect l="1821" t="2336" r="1038" b="2790"/>
           <a:stretch>
             <a:fillRect/>
@@ -11222,6 +10732,8 @@
           </a:prstGeom>
           <a:ln w="12700">
             <a:miter lim="400000"/>
+            <a:headEnd/>
+            <a:tailEnd/>
           </a:ln>
         </p:spPr>
       </p:pic>
@@ -11257,10 +10769,10 @@
                 <a:solidFill>
                   <a:srgbClr val="FFFFFF"/>
                 </a:solidFill>
-                <a:latin typeface="等线"/>
-                <a:ea typeface="等线"/>
-                <a:cs typeface="等线"/>
-                <a:sym typeface="等线"/>
+                <a:latin typeface="等线" panose="02010600030101010101" charset="-122"/>
+                <a:ea typeface="等线" panose="02010600030101010101" charset="-122"/>
+                <a:cs typeface="等线" panose="02010600030101010101" charset="-122"/>
+                <a:sym typeface="等线" panose="02010600030101010101" charset="-122"/>
               </a:defRPr>
             </a:pPr>
           </a:p>
@@ -11287,7 +10799,7 @@
             <a:miter lim="400000"/>
           </a:ln>
           <a:effectLst>
-            <a:outerShdw sx="100000" sy="100000" kx="0" ky="0" algn="b" rotWithShape="0" blurRad="63500" dist="0" dir="0">
+            <a:outerShdw blurRad="63500" rotWithShape="0">
               <a:srgbClr val="000000">
                 <a:alpha val="40000"/>
               </a:srgbClr>
@@ -11303,10 +10815,10 @@
                 <a:solidFill>
                   <a:srgbClr val="FFFFFF"/>
                 </a:solidFill>
-                <a:latin typeface="等线"/>
-                <a:ea typeface="等线"/>
-                <a:cs typeface="等线"/>
-                <a:sym typeface="等线"/>
+                <a:latin typeface="等线" panose="02010600030101010101" charset="-122"/>
+                <a:ea typeface="等线" panose="02010600030101010101" charset="-122"/>
+                <a:cs typeface="等线" panose="02010600030101010101" charset="-122"/>
+                <a:sym typeface="等线" panose="02010600030101010101" charset="-122"/>
               </a:defRPr>
             </a:pPr>
           </a:p>
@@ -11332,7 +10844,7 @@
           <a:ln w="25400">
             <a:solidFill>
               <a:schemeClr val="accent4">
-                <a:lumOff val="-9999"/>
+                <a:lumOff val="-9997"/>
               </a:schemeClr>
             </a:solidFill>
           </a:ln>
@@ -11345,7 +10857,7 @@
               <a:defRPr>
                 <a:solidFill>
                   <a:schemeClr val="accent4">
-                    <a:lumOff val="-9999"/>
+                    <a:lumOff val="-9997"/>
                   </a:schemeClr>
                 </a:solidFill>
               </a:defRPr>
@@ -11360,7 +10872,7 @@
           <p:nvPr/>
         </p:nvSpPr>
         <p:spPr>
-          <a:xfrm flipH="1" flipV="1" rot="16200000">
+          <a:xfrm rot="16200000" flipH="1" flipV="1">
             <a:off x="-5" y="-6561"/>
             <a:ext cx="1690221" cy="1690218"/>
           </a:xfrm>
@@ -11384,7 +10896,7 @@
             </a:cxnLst>
             <a:rect l="0" t="0" r="r" b="b"/>
             <a:pathLst>
-              <a:path w="21600" h="21600" fill="norm" stroke="1" extrusionOk="0">
+              <a:path w="21600" h="21600" extrusionOk="0">
                 <a:moveTo>
                   <a:pt x="0" y="21600"/>
                 </a:moveTo>
@@ -11405,7 +10917,7 @@
             <a:miter lim="400000"/>
           </a:ln>
           <a:effectLst>
-            <a:outerShdw sx="100000" sy="100000" kx="0" ky="0" algn="b" rotWithShape="0" blurRad="50800" dist="38100" dir="2700000">
+            <a:outerShdw blurRad="50800" dist="38100" dir="2700000" rotWithShape="0">
               <a:srgbClr val="000000">
                 <a:alpha val="40000"/>
               </a:srgbClr>
@@ -11418,10 +10930,10 @@
           <a:p>
             <a:pPr algn="ctr">
               <a:defRPr>
-                <a:latin typeface="等线"/>
-                <a:ea typeface="等线"/>
-                <a:cs typeface="等线"/>
-                <a:sym typeface="等线"/>
+                <a:latin typeface="等线" panose="02010600030101010101" charset="-122"/>
+                <a:ea typeface="等线" panose="02010600030101010101" charset="-122"/>
+                <a:cs typeface="等线" panose="02010600030101010101" charset="-122"/>
+                <a:sym typeface="等线" panose="02010600030101010101" charset="-122"/>
               </a:defRPr>
             </a:pPr>
           </a:p>
@@ -11458,7 +10970,7 @@
             </a:cxnLst>
             <a:rect l="0" t="0" r="r" b="b"/>
             <a:pathLst>
-              <a:path w="21600" h="21600" fill="norm" stroke="1" extrusionOk="0">
+              <a:path w="21600" h="21600" extrusionOk="0">
                 <a:moveTo>
                   <a:pt x="0" y="21600"/>
                 </a:moveTo>
@@ -11479,7 +10991,7 @@
             <a:miter lim="400000"/>
           </a:ln>
           <a:effectLst>
-            <a:outerShdw sx="100000" sy="100000" kx="0" ky="0" algn="b" rotWithShape="0" blurRad="50800" dist="38100" dir="13500000">
+            <a:outerShdw blurRad="50800" dist="38100" dir="13500000" rotWithShape="0">
               <a:srgbClr val="000000">
                 <a:alpha val="40000"/>
               </a:srgbClr>
@@ -11492,10 +11004,10 @@
           <a:p>
             <a:pPr algn="ctr">
               <a:defRPr>
-                <a:latin typeface="等线"/>
-                <a:ea typeface="等线"/>
-                <a:cs typeface="等线"/>
-                <a:sym typeface="等线"/>
+                <a:latin typeface="等线" panose="02010600030101010101" charset="-122"/>
+                <a:ea typeface="等线" panose="02010600030101010101" charset="-122"/>
+                <a:cs typeface="等线" panose="02010600030101010101" charset="-122"/>
+                <a:sym typeface="等线" panose="02010600030101010101" charset="-122"/>
               </a:defRPr>
             </a:pPr>
           </a:p>
@@ -11517,18 +11029,15 @@
           <a:prstGeom prst="rect">
             <a:avLst/>
           </a:prstGeom>
-          <a:extLst>
-            <a:ext uri="{C572A759-6A51-4108-AA02-DFA0A04FC94B}">
-              <ma14:wrappingTextBoxFlag xmlns:ma14="http://schemas.microsoft.com/office/mac/drawingml/2011/main" val="1"/>
-            </a:ext>
-          </a:extLst>
         </p:spPr>
         <p:txBody>
           <a:bodyPr/>
           <a:lstStyle/>
           <a:p>
-            <a:pPr/>
-            <a:fld id="{86CB4B4D-7CA3-9044-876B-883B54F8677D}" type="slidenum"/>
+            <a:fld id="{86CB4B4D-7CA3-9044-876B-883B54F8677D}" type="slidenum">
+              <a:rPr/>
+            </a:fld>
+            <a:endParaRPr/>
           </a:p>
         </p:txBody>
       </p:sp>
@@ -11549,11 +11058,6 @@
           <a:ln w="12700">
             <a:miter lim="400000"/>
           </a:ln>
-          <a:extLst>
-            <a:ext uri="{C572A759-6A51-4108-AA02-DFA0A04FC94B}">
-              <ma14:wrappingTextBoxFlag xmlns:ma14="http://schemas.microsoft.com/office/mac/drawingml/2011/main" val="1"/>
-            </a:ext>
-          </a:extLst>
         </p:spPr>
         <p:txBody>
           <a:bodyPr lIns="45718" tIns="45718" rIns="45718" bIns="45718">
@@ -11561,19 +11065,18 @@
           </a:bodyPr>
           <a:lstStyle>
             <a:lvl1pPr>
-              <a:defRPr b="1" sz="2000">
+              <a:defRPr sz="2000" b="1">
                 <a:solidFill>
                   <a:srgbClr val="1C4372"/>
                 </a:solidFill>
-                <a:latin typeface="微软雅黑"/>
-                <a:ea typeface="微软雅黑"/>
-                <a:cs typeface="微软雅黑"/>
-                <a:sym typeface="微软雅黑"/>
+                <a:latin typeface="微软雅黑" panose="020B0503020204020204" charset="-122"/>
+                <a:ea typeface="微软雅黑" panose="020B0503020204020204" charset="-122"/>
+                <a:cs typeface="微软雅黑" panose="020B0503020204020204" charset="-122"/>
+                <a:sym typeface="微软雅黑" panose="020B0503020204020204" charset="-122"/>
               </a:defRPr>
             </a:lvl1pPr>
           </a:lstStyle>
           <a:p>
-            <a:pPr/>
             <a:r>
               <a:t>Introduction</a:t>
             </a:r>
@@ -11597,11 +11100,6 @@
           <a:ln w="12700">
             <a:miter lim="400000"/>
           </a:ln>
-          <a:extLst>
-            <a:ext uri="{C572A759-6A51-4108-AA02-DFA0A04FC94B}">
-              <ma14:wrappingTextBoxFlag xmlns:ma14="http://schemas.microsoft.com/office/mac/drawingml/2011/main" val="1"/>
-            </a:ext>
-          </a:extLst>
         </p:spPr>
         <p:txBody>
           <a:bodyPr lIns="45718" tIns="45718" rIns="45718" bIns="45718">
@@ -11616,15 +11114,14 @@
                 <a:solidFill>
                   <a:srgbClr val="1C4372"/>
                 </a:solidFill>
-                <a:latin typeface="微软雅黑"/>
-                <a:ea typeface="微软雅黑"/>
-                <a:cs typeface="微软雅黑"/>
-                <a:sym typeface="微软雅黑"/>
+                <a:latin typeface="微软雅黑" panose="020B0503020204020204" charset="-122"/>
+                <a:ea typeface="微软雅黑" panose="020B0503020204020204" charset="-122"/>
+                <a:cs typeface="微软雅黑" panose="020B0503020204020204" charset="-122"/>
+                <a:sym typeface="微软雅黑" panose="020B0503020204020204" charset="-122"/>
               </a:defRPr>
             </a:lvl1pPr>
           </a:lstStyle>
           <a:p>
-            <a:pPr/>
             <a:r>
               <a:t>01</a:t>
             </a:r>
@@ -11648,11 +11145,6 @@
           <a:ln w="12700">
             <a:miter lim="400000"/>
           </a:ln>
-          <a:extLst>
-            <a:ext uri="{C572A759-6A51-4108-AA02-DFA0A04FC94B}">
-              <ma14:wrappingTextBoxFlag xmlns:ma14="http://schemas.microsoft.com/office/mac/drawingml/2011/main" val="1"/>
-            </a:ext>
-          </a:extLst>
         </p:spPr>
         <p:txBody>
           <a:bodyPr wrap="none" lIns="0" tIns="0" rIns="0" bIns="0">
@@ -11668,7 +11160,6 @@
             </a:lvl1pPr>
           </a:lstStyle>
           <a:p>
-            <a:pPr/>
             <a:r>
               <a:t>——  Show how the functions work</a:t>
             </a:r>
@@ -11691,22 +11182,17 @@
           </a:prstGeom>
           <a:solidFill>
             <a:schemeClr val="accent6">
-              <a:satOff val="-3457"/>
+              <a:satOff val="-3455"/>
               <a:lumOff val="26078"/>
             </a:schemeClr>
           </a:solidFill>
           <a:ln w="25400">
             <a:solidFill>
               <a:schemeClr val="accent6">
-                <a:lumOff val="-9568"/>
+                <a:lumOff val="-9566"/>
               </a:schemeClr>
             </a:solidFill>
           </a:ln>
-          <a:extLst>
-            <a:ext uri="{C572A759-6A51-4108-AA02-DFA0A04FC94B}">
-              <ma14:wrappingTextBoxFlag xmlns:ma14="http://schemas.microsoft.com/office/mac/drawingml/2011/main" val="1"/>
-            </a:ext>
-          </a:extLst>
         </p:spPr>
         <p:txBody>
           <a:bodyPr lIns="0" tIns="0" rIns="0" bIns="0" anchor="ctr"/>
@@ -11715,14 +11201,13 @@
               <a:defRPr b="1">
                 <a:solidFill>
                   <a:schemeClr val="accent6">
-                    <a:lumOff val="-9568"/>
+                    <a:lumOff val="-9566"/>
                   </a:schemeClr>
                 </a:solidFill>
               </a:defRPr>
             </a:lvl1pPr>
           </a:lstStyle>
           <a:p>
-            <a:pPr/>
             <a:r>
               <a:t>ONLINE</a:t>
             </a:r>
@@ -11751,16 +11236,11 @@
           <a:ln w="25400">
             <a:solidFill>
               <a:schemeClr val="accent2">
-                <a:satOff val="-18194"/>
-                <a:lumOff val="-11215"/>
+                <a:satOff val="-18192"/>
+                <a:lumOff val="-11213"/>
               </a:schemeClr>
             </a:solidFill>
           </a:ln>
-          <a:extLst>
-            <a:ext uri="{C572A759-6A51-4108-AA02-DFA0A04FC94B}">
-              <ma14:wrappingTextBoxFlag xmlns:ma14="http://schemas.microsoft.com/office/mac/drawingml/2011/main" val="1"/>
-            </a:ext>
-          </a:extLst>
         </p:spPr>
         <p:txBody>
           <a:bodyPr lIns="0" tIns="0" rIns="0" bIns="0" anchor="ctr"/>
@@ -11769,15 +11249,14 @@
               <a:defRPr b="1">
                 <a:solidFill>
                   <a:schemeClr val="accent2">
-                    <a:satOff val="-18194"/>
-                    <a:lumOff val="-11215"/>
+                    <a:satOff val="-18192"/>
+                    <a:lumOff val="-11213"/>
                   </a:schemeClr>
                 </a:solidFill>
               </a:defRPr>
             </a:lvl1pPr>
           </a:lstStyle>
           <a:p>
-            <a:pPr/>
             <a:r>
               <a:t>OFFLINE</a:t>
             </a:r>
@@ -11802,22 +11281,17 @@
           </a:prstGeom>
           <a:solidFill>
             <a:schemeClr val="accent6">
-              <a:satOff val="-3457"/>
+              <a:satOff val="-3455"/>
               <a:lumOff val="26078"/>
             </a:schemeClr>
           </a:solidFill>
           <a:ln w="25400">
             <a:solidFill>
               <a:schemeClr val="accent6">
-                <a:lumOff val="-9568"/>
+                <a:lumOff val="-9566"/>
               </a:schemeClr>
             </a:solidFill>
           </a:ln>
-          <a:extLst>
-            <a:ext uri="{C572A759-6A51-4108-AA02-DFA0A04FC94B}">
-              <ma14:wrappingTextBoxFlag xmlns:ma14="http://schemas.microsoft.com/office/mac/drawingml/2011/main" val="1"/>
-            </a:ext>
-          </a:extLst>
         </p:spPr>
         <p:txBody>
           <a:bodyPr lIns="0" tIns="0" rIns="0" bIns="0" anchor="ctr"/>
@@ -11826,14 +11300,13 @@
               <a:defRPr b="1">
                 <a:solidFill>
                   <a:schemeClr val="accent6">
-                    <a:lumOff val="-9568"/>
+                    <a:lumOff val="-9566"/>
                   </a:schemeClr>
                 </a:solidFill>
               </a:defRPr>
             </a:lvl1pPr>
           </a:lstStyle>
           <a:p>
-            <a:pPr/>
             <a:r>
               <a:t>Create a project</a:t>
             </a:r>
@@ -11858,22 +11331,17 @@
           </a:prstGeom>
           <a:solidFill>
             <a:schemeClr val="accent6">
-              <a:satOff val="-3457"/>
+              <a:satOff val="-3455"/>
               <a:lumOff val="26078"/>
             </a:schemeClr>
           </a:solidFill>
           <a:ln w="25400">
             <a:solidFill>
               <a:schemeClr val="accent6">
-                <a:lumOff val="-9568"/>
+                <a:lumOff val="-9566"/>
               </a:schemeClr>
             </a:solidFill>
           </a:ln>
-          <a:extLst>
-            <a:ext uri="{C572A759-6A51-4108-AA02-DFA0A04FC94B}">
-              <ma14:wrappingTextBoxFlag xmlns:ma14="http://schemas.microsoft.com/office/mac/drawingml/2011/main" val="1"/>
-            </a:ext>
-          </a:extLst>
         </p:spPr>
         <p:txBody>
           <a:bodyPr lIns="0" tIns="0" rIns="0" bIns="0" anchor="ctr"/>
@@ -11882,14 +11350,13 @@
               <a:defRPr b="1">
                 <a:solidFill>
                   <a:schemeClr val="accent6">
-                    <a:lumOff val="-9568"/>
+                    <a:lumOff val="-9566"/>
                   </a:schemeClr>
                 </a:solidFill>
               </a:defRPr>
             </a:lvl1pPr>
           </a:lstStyle>
           <a:p>
-            <a:pPr/>
             <a:r>
               <a:t>Update a project</a:t>
             </a:r>
@@ -11920,16 +11387,11 @@
           <a:ln w="25400">
             <a:solidFill>
               <a:schemeClr val="accent2">
-                <a:satOff val="-18194"/>
-                <a:lumOff val="-11215"/>
+                <a:satOff val="-18192"/>
+                <a:lumOff val="-11213"/>
               </a:schemeClr>
             </a:solidFill>
           </a:ln>
-          <a:extLst>
-            <a:ext uri="{C572A759-6A51-4108-AA02-DFA0A04FC94B}">
-              <ma14:wrappingTextBoxFlag xmlns:ma14="http://schemas.microsoft.com/office/mac/drawingml/2011/main" val="1"/>
-            </a:ext>
-          </a:extLst>
         </p:spPr>
         <p:txBody>
           <a:bodyPr lIns="0" tIns="0" rIns="0" bIns="0" anchor="ctr"/>
@@ -11938,15 +11400,14 @@
               <a:defRPr b="1">
                 <a:solidFill>
                   <a:schemeClr val="accent2">
-                    <a:satOff val="-18194"/>
-                    <a:lumOff val="-11215"/>
+                    <a:satOff val="-18192"/>
+                    <a:lumOff val="-11213"/>
                   </a:schemeClr>
                 </a:solidFill>
               </a:defRPr>
             </a:lvl1pPr>
           </a:lstStyle>
           <a:p>
-            <a:pPr/>
             <a:r>
               <a:t>Create a project</a:t>
             </a:r>
@@ -11977,16 +11438,11 @@
           <a:ln w="25400">
             <a:solidFill>
               <a:schemeClr val="accent2">
-                <a:satOff val="-18194"/>
-                <a:lumOff val="-11215"/>
+                <a:satOff val="-18192"/>
+                <a:lumOff val="-11213"/>
               </a:schemeClr>
             </a:solidFill>
           </a:ln>
-          <a:extLst>
-            <a:ext uri="{C572A759-6A51-4108-AA02-DFA0A04FC94B}">
-              <ma14:wrappingTextBoxFlag xmlns:ma14="http://schemas.microsoft.com/office/mac/drawingml/2011/main" val="1"/>
-            </a:ext>
-          </a:extLst>
         </p:spPr>
         <p:txBody>
           <a:bodyPr lIns="0" tIns="0" rIns="0" bIns="0" anchor="ctr"/>
@@ -11995,15 +11451,14 @@
               <a:defRPr b="1">
                 <a:solidFill>
                   <a:schemeClr val="accent2">
-                    <a:satOff val="-18194"/>
-                    <a:lumOff val="-11215"/>
+                    <a:satOff val="-18192"/>
+                    <a:lumOff val="-11213"/>
                   </a:schemeClr>
                 </a:solidFill>
               </a:defRPr>
             </a:lvl1pPr>
           </a:lstStyle>
           <a:p>
-            <a:pPr/>
             <a:r>
               <a:t>Search  projects </a:t>
             </a:r>
@@ -12028,22 +11483,17 @@
           </a:prstGeom>
           <a:solidFill>
             <a:schemeClr val="accent6">
-              <a:satOff val="-3457"/>
+              <a:satOff val="-3455"/>
               <a:lumOff val="26078"/>
             </a:schemeClr>
           </a:solidFill>
           <a:ln w="25400">
             <a:solidFill>
               <a:schemeClr val="accent6">
-                <a:lumOff val="-9568"/>
+                <a:lumOff val="-9566"/>
               </a:schemeClr>
             </a:solidFill>
           </a:ln>
-          <a:extLst>
-            <a:ext uri="{C572A759-6A51-4108-AA02-DFA0A04FC94B}">
-              <ma14:wrappingTextBoxFlag xmlns:ma14="http://schemas.microsoft.com/office/mac/drawingml/2011/main" val="1"/>
-            </a:ext>
-          </a:extLst>
         </p:spPr>
         <p:txBody>
           <a:bodyPr lIns="0" tIns="0" rIns="0" bIns="0" anchor="ctr"/>
@@ -12052,14 +11502,13 @@
               <a:defRPr b="1">
                 <a:solidFill>
                   <a:schemeClr val="accent6">
-                    <a:lumOff val="-9568"/>
+                    <a:lumOff val="-9566"/>
                   </a:schemeClr>
                 </a:solidFill>
               </a:defRPr>
             </a:lvl1pPr>
           </a:lstStyle>
           <a:p>
-            <a:pPr/>
             <a:r>
               <a:t>Search a project</a:t>
             </a:r>
@@ -12090,16 +11539,11 @@
           <a:ln w="25400">
             <a:solidFill>
               <a:schemeClr val="accent2">
-                <a:satOff val="-18194"/>
-                <a:lumOff val="-11215"/>
+                <a:satOff val="-18192"/>
+                <a:lumOff val="-11213"/>
               </a:schemeClr>
             </a:solidFill>
           </a:ln>
-          <a:extLst>
-            <a:ext uri="{C572A759-6A51-4108-AA02-DFA0A04FC94B}">
-              <ma14:wrappingTextBoxFlag xmlns:ma14="http://schemas.microsoft.com/office/mac/drawingml/2011/main" val="1"/>
-            </a:ext>
-          </a:extLst>
         </p:spPr>
         <p:txBody>
           <a:bodyPr lIns="0" tIns="0" rIns="0" bIns="0" anchor="ctr"/>
@@ -12109,8 +11553,8 @@
               <a:defRPr b="1">
                 <a:solidFill>
                   <a:schemeClr val="accent2">
-                    <a:satOff val="-18194"/>
-                    <a:lumOff val="-11215"/>
+                    <a:satOff val="-18192"/>
+                    <a:lumOff val="-11213"/>
                   </a:schemeClr>
                 </a:solidFill>
               </a:defRPr>
@@ -12124,8 +11568,8 @@
               <a:defRPr b="1">
                 <a:solidFill>
                   <a:schemeClr val="accent2">
-                    <a:satOff val="-18194"/>
-                    <a:lumOff val="-11215"/>
+                    <a:satOff val="-18192"/>
+                    <a:lumOff val="-11213"/>
                   </a:schemeClr>
                 </a:solidFill>
               </a:defRPr>
@@ -12160,16 +11604,11 @@
           <a:ln w="25400">
             <a:solidFill>
               <a:schemeClr val="accent2">
-                <a:satOff val="-18194"/>
-                <a:lumOff val="-11215"/>
+                <a:satOff val="-18192"/>
+                <a:lumOff val="-11213"/>
               </a:schemeClr>
             </a:solidFill>
           </a:ln>
-          <a:extLst>
-            <a:ext uri="{C572A759-6A51-4108-AA02-DFA0A04FC94B}">
-              <ma14:wrappingTextBoxFlag xmlns:ma14="http://schemas.microsoft.com/office/mac/drawingml/2011/main" val="1"/>
-            </a:ext>
-          </a:extLst>
         </p:spPr>
         <p:txBody>
           <a:bodyPr lIns="0" tIns="0" rIns="0" bIns="0" anchor="ctr"/>
@@ -12179,8 +11618,8 @@
               <a:defRPr b="1">
                 <a:solidFill>
                   <a:schemeClr val="accent2">
-                    <a:satOff val="-18194"/>
-                    <a:lumOff val="-11215"/>
+                    <a:satOff val="-18192"/>
+                    <a:lumOff val="-11213"/>
                   </a:schemeClr>
                 </a:solidFill>
               </a:defRPr>
@@ -12194,8 +11633,8 @@
               <a:defRPr b="1">
                 <a:solidFill>
                   <a:schemeClr val="accent2">
-                    <a:satOff val="-18194"/>
-                    <a:lumOff val="-11215"/>
+                    <a:satOff val="-18192"/>
+                    <a:lumOff val="-11213"/>
                   </a:schemeClr>
                 </a:solidFill>
               </a:defRPr>
@@ -12230,15 +11669,10 @@
           <a:ln w="25400">
             <a:solidFill>
               <a:schemeClr val="accent4">
-                <a:lumOff val="-9999"/>
+                <a:lumOff val="-9997"/>
               </a:schemeClr>
             </a:solidFill>
           </a:ln>
-          <a:extLst>
-            <a:ext uri="{C572A759-6A51-4108-AA02-DFA0A04FC94B}">
-              <ma14:wrappingTextBoxFlag xmlns:ma14="http://schemas.microsoft.com/office/mac/drawingml/2011/main" val="1"/>
-            </a:ext>
-          </a:extLst>
         </p:spPr>
         <p:txBody>
           <a:bodyPr lIns="0" tIns="0" rIns="0" bIns="0" anchor="ctr"/>
@@ -12247,14 +11681,13 @@
               <a:defRPr b="1">
                 <a:solidFill>
                   <a:schemeClr val="accent4">
-                    <a:lumOff val="-9999"/>
+                    <a:lumOff val="-9997"/>
                   </a:schemeClr>
                 </a:solidFill>
               </a:defRPr>
             </a:lvl1pPr>
           </a:lstStyle>
           <a:p>
-            <a:pPr/>
             <a:r>
               <a:t>Generate Pictures</a:t>
             </a:r>
@@ -12266,12 +11699,12 @@
   <p:clrMapOvr>
     <a:masterClrMapping/>
   </p:clrMapOvr>
-  <p:transition xmlns:p14="http://schemas.microsoft.com/office/powerpoint/2010/main" spd="med" advClick="1"/>
+  <p:transition spd="med"/>
 </p:sld>
 </file>
 
 <file path=ppt/slides/slide7.xml><?xml version="1.0" encoding="utf-8"?>
-<p:sld xmlns:a="http://schemas.openxmlformats.org/drawingml/2006/main" xmlns:r="http://schemas.openxmlformats.org/officeDocument/2006/relationships" xmlns:p="http://schemas.openxmlformats.org/presentationml/2006/main" xmlns:m="http://schemas.openxmlformats.org/officeDocument/2006/math" xmlns:a14="http://schemas.microsoft.com/office/drawing/2010/main" showMasterSp="1" showMasterPhAnim="1">
+<p:sld xmlns:a="http://schemas.openxmlformats.org/drawingml/2006/main" xmlns:r="http://schemas.openxmlformats.org/officeDocument/2006/relationships" xmlns:p="http://schemas.openxmlformats.org/presentationml/2006/main">
   <p:cSld>
     <p:spTree>
       <p:nvGrpSpPr>
@@ -12296,9 +11729,7 @@
           <p:nvPr/>
         </p:nvPicPr>
         <p:blipFill>
-          <a:blip r:embed="rId2">
-            <a:extLst/>
-          </a:blip>
+          <a:blip r:embed="rId1"/>
           <a:srcRect l="1821" t="2336" r="1038" b="2790"/>
           <a:stretch>
             <a:fillRect/>
@@ -12314,6 +11745,8 @@
           </a:prstGeom>
           <a:ln w="12700">
             <a:miter lim="400000"/>
+            <a:headEnd/>
+            <a:tailEnd/>
           </a:ln>
         </p:spPr>
       </p:pic>
@@ -12349,10 +11782,10 @@
                 <a:solidFill>
                   <a:srgbClr val="FFFFFF"/>
                 </a:solidFill>
-                <a:latin typeface="等线"/>
-                <a:ea typeface="等线"/>
-                <a:cs typeface="等线"/>
-                <a:sym typeface="等线"/>
+                <a:latin typeface="等线" panose="02010600030101010101" charset="-122"/>
+                <a:ea typeface="等线" panose="02010600030101010101" charset="-122"/>
+                <a:cs typeface="等线" panose="02010600030101010101" charset="-122"/>
+                <a:sym typeface="等线" panose="02010600030101010101" charset="-122"/>
               </a:defRPr>
             </a:pPr>
           </a:p>
@@ -12379,7 +11812,7 @@
             <a:miter lim="400000"/>
           </a:ln>
           <a:effectLst>
-            <a:outerShdw sx="100000" sy="100000" kx="0" ky="0" algn="b" rotWithShape="0" blurRad="63500" dist="0" dir="0">
+            <a:outerShdw blurRad="63500" rotWithShape="0">
               <a:srgbClr val="000000">
                 <a:alpha val="40000"/>
               </a:srgbClr>
@@ -12395,10 +11828,10 @@
                 <a:solidFill>
                   <a:srgbClr val="FFFFFF"/>
                 </a:solidFill>
-                <a:latin typeface="等线"/>
-                <a:ea typeface="等线"/>
-                <a:cs typeface="等线"/>
-                <a:sym typeface="等线"/>
+                <a:latin typeface="等线" panose="02010600030101010101" charset="-122"/>
+                <a:ea typeface="等线" panose="02010600030101010101" charset="-122"/>
+                <a:cs typeface="等线" panose="02010600030101010101" charset="-122"/>
+                <a:sym typeface="等线" panose="02010600030101010101" charset="-122"/>
               </a:defRPr>
             </a:pPr>
           </a:p>
@@ -12411,7 +11844,7 @@
           <p:nvPr/>
         </p:nvSpPr>
         <p:spPr>
-          <a:xfrm flipH="1" flipV="1" rot="16200000">
+          <a:xfrm rot="16200000" flipH="1" flipV="1">
             <a:off x="-5" y="-6561"/>
             <a:ext cx="1690221" cy="1690218"/>
           </a:xfrm>
@@ -12435,7 +11868,7 @@
             </a:cxnLst>
             <a:rect l="0" t="0" r="r" b="b"/>
             <a:pathLst>
-              <a:path w="21600" h="21600" fill="norm" stroke="1" extrusionOk="0">
+              <a:path w="21600" h="21600" extrusionOk="0">
                 <a:moveTo>
                   <a:pt x="0" y="21600"/>
                 </a:moveTo>
@@ -12456,7 +11889,7 @@
             <a:miter lim="400000"/>
           </a:ln>
           <a:effectLst>
-            <a:outerShdw sx="100000" sy="100000" kx="0" ky="0" algn="b" rotWithShape="0" blurRad="50800" dist="38100" dir="2700000">
+            <a:outerShdw blurRad="50800" dist="38100" dir="2700000" rotWithShape="0">
               <a:srgbClr val="000000">
                 <a:alpha val="40000"/>
               </a:srgbClr>
@@ -12469,10 +11902,10 @@
           <a:p>
             <a:pPr algn="ctr">
               <a:defRPr>
-                <a:latin typeface="等线"/>
-                <a:ea typeface="等线"/>
-                <a:cs typeface="等线"/>
-                <a:sym typeface="等线"/>
+                <a:latin typeface="等线" panose="02010600030101010101" charset="-122"/>
+                <a:ea typeface="等线" panose="02010600030101010101" charset="-122"/>
+                <a:cs typeface="等线" panose="02010600030101010101" charset="-122"/>
+                <a:sym typeface="等线" panose="02010600030101010101" charset="-122"/>
               </a:defRPr>
             </a:pPr>
           </a:p>
@@ -12509,7 +11942,7 @@
             </a:cxnLst>
             <a:rect l="0" t="0" r="r" b="b"/>
             <a:pathLst>
-              <a:path w="21600" h="21600" fill="norm" stroke="1" extrusionOk="0">
+              <a:path w="21600" h="21600" extrusionOk="0">
                 <a:moveTo>
                   <a:pt x="0" y="21600"/>
                 </a:moveTo>
@@ -12530,7 +11963,7 @@
             <a:miter lim="400000"/>
           </a:ln>
           <a:effectLst>
-            <a:outerShdw sx="100000" sy="100000" kx="0" ky="0" algn="b" rotWithShape="0" blurRad="50800" dist="38100" dir="13500000">
+            <a:outerShdw blurRad="50800" dist="38100" dir="13500000" rotWithShape="0">
               <a:srgbClr val="000000">
                 <a:alpha val="40000"/>
               </a:srgbClr>
@@ -12543,10 +11976,10 @@
           <a:p>
             <a:pPr algn="ctr">
               <a:defRPr>
-                <a:latin typeface="等线"/>
-                <a:ea typeface="等线"/>
-                <a:cs typeface="等线"/>
-                <a:sym typeface="等线"/>
+                <a:latin typeface="等线" panose="02010600030101010101" charset="-122"/>
+                <a:ea typeface="等线" panose="02010600030101010101" charset="-122"/>
+                <a:cs typeface="等线" panose="02010600030101010101" charset="-122"/>
+                <a:sym typeface="等线" panose="02010600030101010101" charset="-122"/>
               </a:defRPr>
             </a:pPr>
           </a:p>
@@ -12568,18 +12001,15 @@
           <a:prstGeom prst="rect">
             <a:avLst/>
           </a:prstGeom>
-          <a:extLst>
-            <a:ext uri="{C572A759-6A51-4108-AA02-DFA0A04FC94B}">
-              <ma14:wrappingTextBoxFlag xmlns:ma14="http://schemas.microsoft.com/office/mac/drawingml/2011/main" val="1"/>
-            </a:ext>
-          </a:extLst>
         </p:spPr>
         <p:txBody>
           <a:bodyPr/>
           <a:lstStyle/>
           <a:p>
-            <a:pPr/>
-            <a:fld id="{86CB4B4D-7CA3-9044-876B-883B54F8677D}" type="slidenum"/>
+            <a:fld id="{86CB4B4D-7CA3-9044-876B-883B54F8677D}" type="slidenum">
+              <a:rPr/>
+            </a:fld>
+            <a:endParaRPr/>
           </a:p>
         </p:txBody>
       </p:sp>
@@ -12600,11 +12030,6 @@
           <a:ln w="12700">
             <a:miter lim="400000"/>
           </a:ln>
-          <a:extLst>
-            <a:ext uri="{C572A759-6A51-4108-AA02-DFA0A04FC94B}">
-              <ma14:wrappingTextBoxFlag xmlns:ma14="http://schemas.microsoft.com/office/mac/drawingml/2011/main" val="1"/>
-            </a:ext>
-          </a:extLst>
         </p:spPr>
         <p:txBody>
           <a:bodyPr lIns="45718" tIns="45718" rIns="45718" bIns="45718">
@@ -12612,19 +12037,18 @@
           </a:bodyPr>
           <a:lstStyle>
             <a:lvl1pPr>
-              <a:defRPr b="1" sz="2000">
+              <a:defRPr sz="2000" b="1">
                 <a:solidFill>
                   <a:srgbClr val="1C4372"/>
                 </a:solidFill>
-                <a:latin typeface="微软雅黑"/>
-                <a:ea typeface="微软雅黑"/>
-                <a:cs typeface="微软雅黑"/>
-                <a:sym typeface="微软雅黑"/>
+                <a:latin typeface="微软雅黑" panose="020B0503020204020204" charset="-122"/>
+                <a:ea typeface="微软雅黑" panose="020B0503020204020204" charset="-122"/>
+                <a:cs typeface="微软雅黑" panose="020B0503020204020204" charset="-122"/>
+                <a:sym typeface="微软雅黑" panose="020B0503020204020204" charset="-122"/>
               </a:defRPr>
             </a:lvl1pPr>
           </a:lstStyle>
           <a:p>
-            <a:pPr/>
             <a:r>
               <a:t>Introduction</a:t>
             </a:r>
@@ -12648,11 +12072,6 @@
           <a:ln w="12700">
             <a:miter lim="400000"/>
           </a:ln>
-          <a:extLst>
-            <a:ext uri="{C572A759-6A51-4108-AA02-DFA0A04FC94B}">
-              <ma14:wrappingTextBoxFlag xmlns:ma14="http://schemas.microsoft.com/office/mac/drawingml/2011/main" val="1"/>
-            </a:ext>
-          </a:extLst>
         </p:spPr>
         <p:txBody>
           <a:bodyPr lIns="45718" tIns="45718" rIns="45718" bIns="45718">
@@ -12667,15 +12086,14 @@
                 <a:solidFill>
                   <a:srgbClr val="1C4372"/>
                 </a:solidFill>
-                <a:latin typeface="微软雅黑"/>
-                <a:ea typeface="微软雅黑"/>
-                <a:cs typeface="微软雅黑"/>
-                <a:sym typeface="微软雅黑"/>
+                <a:latin typeface="微软雅黑" panose="020B0503020204020204" charset="-122"/>
+                <a:ea typeface="微软雅黑" panose="020B0503020204020204" charset="-122"/>
+                <a:cs typeface="微软雅黑" panose="020B0503020204020204" charset="-122"/>
+                <a:sym typeface="微软雅黑" panose="020B0503020204020204" charset="-122"/>
               </a:defRPr>
             </a:lvl1pPr>
           </a:lstStyle>
           <a:p>
-            <a:pPr/>
             <a:r>
               <a:t>01</a:t>
             </a:r>
@@ -12691,7 +12109,7 @@
         <p:spPr>
           <a:xfrm>
             <a:off x="3943350" y="537844"/>
-            <a:ext cx="1562783" cy="279401"/>
+            <a:ext cx="3454400" cy="276860"/>
           </a:xfrm>
           <a:prstGeom prst="rect">
             <a:avLst/>
@@ -12699,11 +12117,6 @@
           <a:ln w="12700">
             <a:miter lim="400000"/>
           </a:ln>
-          <a:extLst>
-            <a:ext uri="{C572A759-6A51-4108-AA02-DFA0A04FC94B}">
-              <ma14:wrappingTextBoxFlag xmlns:ma14="http://schemas.microsoft.com/office/mac/drawingml/2011/main" val="1"/>
-            </a:ext>
-          </a:extLst>
         </p:spPr>
         <p:txBody>
           <a:bodyPr wrap="none" lIns="0" tIns="0" rIns="0" bIns="0">
@@ -12719,10 +12132,21 @@
             </a:lvl1pPr>
           </a:lstStyle>
           <a:p>
-            <a:pPr/>
-            <a:r>
-              <a:t>—— Onesignal</a:t>
-            </a:r>
+            <a:r>
+              <a:t>—— </a:t>
+            </a:r>
+            <a:r>
+              <a:rPr lang="en-US"/>
+              <a:t>Use </a:t>
+            </a:r>
+            <a:r>
+              <a:t>Onesignal </a:t>
+            </a:r>
+            <a:r>
+              <a:rPr lang="en-US"/>
+              <a:t>realize PUSH</a:t>
+            </a:r>
+            <a:endParaRPr lang="en-US"/>
           </a:p>
         </p:txBody>
       </p:sp>
@@ -12735,16 +12159,14 @@
           <p:nvPr/>
         </p:nvPicPr>
         <p:blipFill>
-          <a:blip r:embed="rId3">
-            <a:extLst/>
-          </a:blip>
+          <a:blip r:embed="rId2"/>
           <a:stretch>
             <a:fillRect/>
           </a:stretch>
         </p:blipFill>
         <p:spPr>
           <a:xfrm>
-            <a:off x="1197893" y="1143729"/>
+            <a:off x="5344443" y="1143729"/>
             <a:ext cx="2194813" cy="4570542"/>
           </a:xfrm>
           <a:prstGeom prst="rect">
@@ -12752,6 +12174,8 @@
           </a:prstGeom>
           <a:ln w="12700">
             <a:miter lim="400000"/>
+            <a:headEnd/>
+            <a:tailEnd/>
           </a:ln>
         </p:spPr>
       </p:pic>
@@ -12760,12 +12184,492 @@
   <p:clrMapOvr>
     <a:masterClrMapping/>
   </p:clrMapOvr>
-  <p:transition xmlns:p14="http://schemas.microsoft.com/office/powerpoint/2010/main" spd="med" advClick="1"/>
+  <p:transition spd="med"/>
 </p:sld>
 </file>
 
 <file path=ppt/slides/slide8.xml><?xml version="1.0" encoding="utf-8"?>
-<p:sld xmlns:a="http://schemas.openxmlformats.org/drawingml/2006/main" xmlns:r="http://schemas.openxmlformats.org/officeDocument/2006/relationships" xmlns:p="http://schemas.openxmlformats.org/presentationml/2006/main" xmlns:m="http://schemas.openxmlformats.org/officeDocument/2006/math" xmlns:a14="http://schemas.microsoft.com/office/drawing/2010/main" showMasterSp="1" showMasterPhAnim="1">
+<p:sld xmlns:a="http://schemas.openxmlformats.org/drawingml/2006/main" xmlns:r="http://schemas.openxmlformats.org/officeDocument/2006/relationships" xmlns:p="http://schemas.openxmlformats.org/presentationml/2006/main">
+  <p:cSld>
+    <p:spTree>
+      <p:nvGrpSpPr>
+        <p:cNvPr id="1" name=""/>
+        <p:cNvGrpSpPr/>
+        <p:nvPr/>
+      </p:nvGrpSpPr>
+      <p:grpSpPr>
+        <a:xfrm>
+          <a:off x="0" y="0"/>
+          <a:ext cx="0" cy="0"/>
+          <a:chOff x="0" y="0"/>
+          <a:chExt cx="0" cy="0"/>
+        </a:xfrm>
+      </p:grpSpPr>
+      <p:pic>
+        <p:nvPicPr>
+          <p:cNvPr id="358" name="图片 3" descr="图片 3"/>
+          <p:cNvPicPr>
+            <a:picLocks noChangeAspect="1"/>
+          </p:cNvPicPr>
+          <p:nvPr/>
+        </p:nvPicPr>
+        <p:blipFill>
+          <a:blip r:embed="rId1"/>
+          <a:srcRect l="1821" t="2336" r="1038" b="2790"/>
+          <a:stretch>
+            <a:fillRect/>
+          </a:stretch>
+        </p:blipFill>
+        <p:spPr>
+          <a:xfrm rot="5400000">
+            <a:off x="2666999" y="-2667002"/>
+            <a:ext cx="6858000" cy="12192006"/>
+          </a:xfrm>
+          <a:prstGeom prst="rect">
+            <a:avLst/>
+          </a:prstGeom>
+          <a:ln w="12700">
+            <a:miter lim="400000"/>
+            <a:headEnd/>
+            <a:tailEnd/>
+          </a:ln>
+        </p:spPr>
+      </p:pic>
+      <p:sp>
+        <p:nvSpPr>
+          <p:cNvPr id="359" name="矩形 4"/>
+          <p:cNvSpPr/>
+          <p:nvPr/>
+        </p:nvSpPr>
+        <p:spPr>
+          <a:xfrm>
+            <a:off x="0" y="0"/>
+            <a:ext cx="12192000" cy="6858000"/>
+          </a:xfrm>
+          <a:prstGeom prst="rect">
+            <a:avLst/>
+          </a:prstGeom>
+          <a:solidFill>
+            <a:srgbClr val="FFFFFF">
+              <a:alpha val="39000"/>
+            </a:srgbClr>
+          </a:solidFill>
+          <a:ln w="12700">
+            <a:miter lim="400000"/>
+          </a:ln>
+        </p:spPr>
+        <p:txBody>
+          <a:bodyPr lIns="0" tIns="0" rIns="0" bIns="0" anchor="ctr"/>
+          <a:lstStyle/>
+          <a:p>
+            <a:pPr algn="ctr">
+              <a:defRPr>
+                <a:solidFill>
+                  <a:srgbClr val="FFFFFF"/>
+                </a:solidFill>
+                <a:latin typeface="等线" panose="02010600030101010101" charset="-122"/>
+                <a:ea typeface="等线" panose="02010600030101010101" charset="-122"/>
+                <a:cs typeface="等线" panose="02010600030101010101" charset="-122"/>
+                <a:sym typeface="等线" panose="02010600030101010101" charset="-122"/>
+              </a:defRPr>
+            </a:pPr>
+          </a:p>
+        </p:txBody>
+      </p:sp>
+      <p:sp>
+        <p:nvSpPr>
+          <p:cNvPr id="360" name="矩形 5"/>
+          <p:cNvSpPr/>
+          <p:nvPr/>
+        </p:nvSpPr>
+        <p:spPr>
+          <a:xfrm>
+            <a:off x="398871" y="312055"/>
+            <a:ext cx="11393714" cy="6233890"/>
+          </a:xfrm>
+          <a:prstGeom prst="rect">
+            <a:avLst/>
+          </a:prstGeom>
+          <a:solidFill>
+            <a:srgbClr val="FFFFFF"/>
+          </a:solidFill>
+          <a:ln w="12700">
+            <a:miter lim="400000"/>
+          </a:ln>
+          <a:effectLst>
+            <a:outerShdw blurRad="63500" rotWithShape="0">
+              <a:srgbClr val="000000">
+                <a:alpha val="40000"/>
+              </a:srgbClr>
+            </a:outerShdw>
+          </a:effectLst>
+        </p:spPr>
+        <p:txBody>
+          <a:bodyPr lIns="0" tIns="0" rIns="0" bIns="0" anchor="ctr"/>
+          <a:lstStyle/>
+          <a:p>
+            <a:pPr algn="ctr">
+              <a:defRPr>
+                <a:solidFill>
+                  <a:srgbClr val="FFFFFF"/>
+                </a:solidFill>
+                <a:latin typeface="等线" panose="02010600030101010101" charset="-122"/>
+                <a:ea typeface="等线" panose="02010600030101010101" charset="-122"/>
+                <a:cs typeface="等线" panose="02010600030101010101" charset="-122"/>
+                <a:sym typeface="等线" panose="02010600030101010101" charset="-122"/>
+              </a:defRPr>
+            </a:pPr>
+          </a:p>
+        </p:txBody>
+      </p:sp>
+      <p:sp>
+        <p:nvSpPr>
+          <p:cNvPr id="361" name="直角三角形 6"/>
+          <p:cNvSpPr/>
+          <p:nvPr/>
+        </p:nvSpPr>
+        <p:spPr>
+          <a:xfrm rot="16200000" flipH="1" flipV="1">
+            <a:off x="-5" y="-6561"/>
+            <a:ext cx="1690221" cy="1690218"/>
+          </a:xfrm>
+          <a:custGeom>
+            <a:avLst/>
+            <a:gdLst/>
+            <a:ahLst/>
+            <a:cxnLst>
+              <a:cxn ang="0">
+                <a:pos x="wd2" y="hd2"/>
+              </a:cxn>
+              <a:cxn ang="5400000">
+                <a:pos x="wd2" y="hd2"/>
+              </a:cxn>
+              <a:cxn ang="10800000">
+                <a:pos x="wd2" y="hd2"/>
+              </a:cxn>
+              <a:cxn ang="16200000">
+                <a:pos x="wd2" y="hd2"/>
+              </a:cxn>
+            </a:cxnLst>
+            <a:rect l="0" t="0" r="r" b="b"/>
+            <a:pathLst>
+              <a:path w="21600" h="21600" extrusionOk="0">
+                <a:moveTo>
+                  <a:pt x="0" y="21600"/>
+                </a:moveTo>
+                <a:lnTo>
+                  <a:pt x="21600" y="21600"/>
+                </a:lnTo>
+                <a:lnTo>
+                  <a:pt x="0" y="0"/>
+                </a:lnTo>
+                <a:close/>
+              </a:path>
+            </a:pathLst>
+          </a:custGeom>
+          <a:solidFill>
+            <a:srgbClr val="1C4372"/>
+          </a:solidFill>
+          <a:ln w="12700">
+            <a:miter lim="400000"/>
+          </a:ln>
+          <a:effectLst>
+            <a:outerShdw blurRad="50800" dist="38100" dir="2700000" rotWithShape="0">
+              <a:srgbClr val="000000">
+                <a:alpha val="40000"/>
+              </a:srgbClr>
+            </a:outerShdw>
+          </a:effectLst>
+        </p:spPr>
+        <p:txBody>
+          <a:bodyPr lIns="0" tIns="0" rIns="0" bIns="0" anchor="ctr"/>
+          <a:lstStyle/>
+          <a:p>
+            <a:pPr algn="ctr">
+              <a:defRPr>
+                <a:latin typeface="等线" panose="02010600030101010101" charset="-122"/>
+                <a:ea typeface="等线" panose="02010600030101010101" charset="-122"/>
+                <a:cs typeface="等线" panose="02010600030101010101" charset="-122"/>
+                <a:sym typeface="等线" panose="02010600030101010101" charset="-122"/>
+              </a:defRPr>
+            </a:pPr>
+          </a:p>
+        </p:txBody>
+      </p:sp>
+      <p:sp>
+        <p:nvSpPr>
+          <p:cNvPr id="362" name="直角三角形 19"/>
+          <p:cNvSpPr/>
+          <p:nvPr/>
+        </p:nvSpPr>
+        <p:spPr>
+          <a:xfrm rot="16200000">
+            <a:off x="10501782" y="5167781"/>
+            <a:ext cx="1690220" cy="1690220"/>
+          </a:xfrm>
+          <a:custGeom>
+            <a:avLst/>
+            <a:gdLst/>
+            <a:ahLst/>
+            <a:cxnLst>
+              <a:cxn ang="0">
+                <a:pos x="wd2" y="hd2"/>
+              </a:cxn>
+              <a:cxn ang="5400000">
+                <a:pos x="wd2" y="hd2"/>
+              </a:cxn>
+              <a:cxn ang="10800000">
+                <a:pos x="wd2" y="hd2"/>
+              </a:cxn>
+              <a:cxn ang="16200000">
+                <a:pos x="wd2" y="hd2"/>
+              </a:cxn>
+            </a:cxnLst>
+            <a:rect l="0" t="0" r="r" b="b"/>
+            <a:pathLst>
+              <a:path w="21600" h="21600" extrusionOk="0">
+                <a:moveTo>
+                  <a:pt x="0" y="21600"/>
+                </a:moveTo>
+                <a:lnTo>
+                  <a:pt x="21600" y="21600"/>
+                </a:lnTo>
+                <a:lnTo>
+                  <a:pt x="0" y="0"/>
+                </a:lnTo>
+                <a:close/>
+              </a:path>
+            </a:pathLst>
+          </a:custGeom>
+          <a:solidFill>
+            <a:srgbClr val="1C4372"/>
+          </a:solidFill>
+          <a:ln w="12700">
+            <a:miter lim="400000"/>
+          </a:ln>
+          <a:effectLst>
+            <a:outerShdw blurRad="50800" dist="38100" dir="13500000" rotWithShape="0">
+              <a:srgbClr val="000000">
+                <a:alpha val="40000"/>
+              </a:srgbClr>
+            </a:outerShdw>
+          </a:effectLst>
+        </p:spPr>
+        <p:txBody>
+          <a:bodyPr lIns="0" tIns="0" rIns="0" bIns="0" anchor="ctr"/>
+          <a:lstStyle/>
+          <a:p>
+            <a:pPr algn="ctr">
+              <a:defRPr>
+                <a:latin typeface="等线" panose="02010600030101010101" charset="-122"/>
+                <a:ea typeface="等线" panose="02010600030101010101" charset="-122"/>
+                <a:cs typeface="等线" panose="02010600030101010101" charset="-122"/>
+                <a:sym typeface="等线" panose="02010600030101010101" charset="-122"/>
+              </a:defRPr>
+            </a:pPr>
+          </a:p>
+        </p:txBody>
+      </p:sp>
+      <p:sp>
+        <p:nvSpPr>
+          <p:cNvPr id="363" name="灯片编号占位符 7"/>
+          <p:cNvSpPr txBox="1"/>
+          <p:nvPr>
+            <p:ph type="sldNum" sz="quarter" idx="4294967295"/>
+          </p:nvPr>
+        </p:nvSpPr>
+        <p:spPr>
+          <a:xfrm>
+            <a:off x="11080146" y="6404293"/>
+            <a:ext cx="273654" cy="269239"/>
+          </a:xfrm>
+          <a:prstGeom prst="rect">
+            <a:avLst/>
+          </a:prstGeom>
+        </p:spPr>
+        <p:txBody>
+          <a:bodyPr/>
+          <a:lstStyle/>
+          <a:p>
+            <a:fld id="{86CB4B4D-7CA3-9044-876B-883B54F8677D}" type="slidenum">
+              <a:rPr/>
+            </a:fld>
+            <a:endParaRPr/>
+          </a:p>
+        </p:txBody>
+      </p:sp>
+      <p:sp>
+        <p:nvSpPr>
+          <p:cNvPr id="364" name="文本框 46"/>
+          <p:cNvSpPr txBox="1"/>
+          <p:nvPr/>
+        </p:nvSpPr>
+        <p:spPr>
+          <a:xfrm>
+            <a:off x="2264410" y="479423"/>
+            <a:ext cx="3079752" cy="396239"/>
+          </a:xfrm>
+          <a:prstGeom prst="rect">
+            <a:avLst/>
+          </a:prstGeom>
+          <a:ln w="12700">
+            <a:miter lim="400000"/>
+          </a:ln>
+        </p:spPr>
+        <p:txBody>
+          <a:bodyPr lIns="45718" tIns="45718" rIns="45718" bIns="45718">
+            <a:spAutoFit/>
+          </a:bodyPr>
+          <a:lstStyle>
+            <a:lvl1pPr>
+              <a:defRPr sz="2000" b="1">
+                <a:solidFill>
+                  <a:srgbClr val="1C4372"/>
+                </a:solidFill>
+                <a:latin typeface="微软雅黑" panose="020B0503020204020204" charset="-122"/>
+                <a:ea typeface="微软雅黑" panose="020B0503020204020204" charset="-122"/>
+                <a:cs typeface="微软雅黑" panose="020B0503020204020204" charset="-122"/>
+                <a:sym typeface="微软雅黑" panose="020B0503020204020204" charset="-122"/>
+              </a:defRPr>
+            </a:lvl1pPr>
+          </a:lstStyle>
+          <a:p>
+            <a:r>
+              <a:t>Introduction</a:t>
+            </a:r>
+          </a:p>
+        </p:txBody>
+      </p:sp>
+      <p:sp>
+        <p:nvSpPr>
+          <p:cNvPr id="365" name="文本框 1"/>
+          <p:cNvSpPr txBox="1"/>
+          <p:nvPr/>
+        </p:nvSpPr>
+        <p:spPr>
+          <a:xfrm>
+            <a:off x="1627503" y="415925"/>
+            <a:ext cx="727077" cy="523238"/>
+          </a:xfrm>
+          <a:prstGeom prst="rect">
+            <a:avLst/>
+          </a:prstGeom>
+          <a:ln w="12700">
+            <a:miter lim="400000"/>
+          </a:ln>
+        </p:spPr>
+        <p:txBody>
+          <a:bodyPr lIns="45718" tIns="45718" rIns="45718" bIns="45718">
+            <a:spAutoFit/>
+          </a:bodyPr>
+          <a:lstStyle>
+            <a:lvl1pPr>
+              <a:lnSpc>
+                <a:spcPct val="175000"/>
+              </a:lnSpc>
+              <a:defRPr sz="2800">
+                <a:solidFill>
+                  <a:srgbClr val="1C4372"/>
+                </a:solidFill>
+                <a:latin typeface="微软雅黑" panose="020B0503020204020204" charset="-122"/>
+                <a:ea typeface="微软雅黑" panose="020B0503020204020204" charset="-122"/>
+                <a:cs typeface="微软雅黑" panose="020B0503020204020204" charset="-122"/>
+                <a:sym typeface="微软雅黑" panose="020B0503020204020204" charset="-122"/>
+              </a:defRPr>
+            </a:lvl1pPr>
+          </a:lstStyle>
+          <a:p>
+            <a:r>
+              <a:t>01</a:t>
+            </a:r>
+          </a:p>
+        </p:txBody>
+      </p:sp>
+      <p:sp>
+        <p:nvSpPr>
+          <p:cNvPr id="366" name="—— Onesignal"/>
+          <p:cNvSpPr txBox="1"/>
+          <p:nvPr/>
+        </p:nvSpPr>
+        <p:spPr>
+          <a:xfrm>
+            <a:off x="3943350" y="537844"/>
+            <a:ext cx="4914900" cy="276860"/>
+          </a:xfrm>
+          <a:prstGeom prst="rect">
+            <a:avLst/>
+          </a:prstGeom>
+          <a:ln w="12700">
+            <a:miter lim="400000"/>
+          </a:ln>
+        </p:spPr>
+        <p:txBody>
+          <a:bodyPr wrap="none" lIns="0" tIns="0" rIns="0" bIns="0">
+            <a:spAutoFit/>
+          </a:bodyPr>
+          <a:lstStyle>
+            <a:lvl1pPr>
+              <a:defRPr>
+                <a:solidFill>
+                  <a:srgbClr val="27426F"/>
+                </a:solidFill>
+              </a:defRPr>
+            </a:lvl1pPr>
+          </a:lstStyle>
+          <a:p>
+            <a:r>
+              <a:t>—— Onesignal </a:t>
+            </a:r>
+            <a:r>
+              <a:rPr lang="en-US"/>
+              <a:t>edit the information and preview</a:t>
+            </a:r>
+            <a:r>
+              <a:t> </a:t>
+            </a:r>
+          </a:p>
+        </p:txBody>
+      </p:sp>
+      <p:pic>
+        <p:nvPicPr>
+          <p:cNvPr id="367" name="onesignal消息定义和预览.png" descr="onesignal消息定义和预览.png"/>
+          <p:cNvPicPr>
+            <a:picLocks noChangeAspect="1"/>
+          </p:cNvPicPr>
+          <p:nvPr/>
+        </p:nvPicPr>
+        <p:blipFill>
+          <a:blip r:embed="rId2"/>
+          <a:stretch>
+            <a:fillRect/>
+          </a:stretch>
+        </p:blipFill>
+        <p:spPr>
+          <a:xfrm>
+            <a:off x="1364297" y="947325"/>
+            <a:ext cx="6720888" cy="5224875"/>
+          </a:xfrm>
+          <a:prstGeom prst="rect">
+            <a:avLst/>
+          </a:prstGeom>
+          <a:ln w="12700">
+            <a:miter lim="400000"/>
+            <a:headEnd/>
+            <a:tailEnd/>
+          </a:ln>
+        </p:spPr>
+      </p:pic>
+    </p:spTree>
+  </p:cSld>
+  <p:clrMapOvr>
+    <a:masterClrMapping/>
+  </p:clrMapOvr>
+  <p:transition spd="med"/>
+</p:sld>
+</file>
+
+<file path=ppt/slides/slide9.xml><?xml version="1.0" encoding="utf-8"?>
+<p:sld xmlns:a="http://schemas.openxmlformats.org/drawingml/2006/main" xmlns:r="http://schemas.openxmlformats.org/officeDocument/2006/relationships" xmlns:p="http://schemas.openxmlformats.org/presentationml/2006/main">
   <p:cSld>
     <p:spTree>
       <p:nvGrpSpPr>
@@ -12790,9 +12694,7 @@
           <p:nvPr/>
         </p:nvPicPr>
         <p:blipFill>
-          <a:blip r:embed="rId2">
-            <a:extLst/>
-          </a:blip>
+          <a:blip r:embed="rId1"/>
           <a:srcRect l="1821" t="2336" r="1038" b="2790"/>
           <a:stretch>
             <a:fillRect/>
@@ -12808,6 +12710,8 @@
           </a:prstGeom>
           <a:ln w="12700">
             <a:miter lim="400000"/>
+            <a:headEnd/>
+            <a:tailEnd/>
           </a:ln>
         </p:spPr>
       </p:pic>
@@ -12843,10 +12747,10 @@
                 <a:solidFill>
                   <a:srgbClr val="FFFFFF"/>
                 </a:solidFill>
-                <a:latin typeface="等线"/>
-                <a:ea typeface="等线"/>
-                <a:cs typeface="等线"/>
-                <a:sym typeface="等线"/>
+                <a:latin typeface="等线" panose="02010600030101010101" charset="-122"/>
+                <a:ea typeface="等线" panose="02010600030101010101" charset="-122"/>
+                <a:cs typeface="等线" panose="02010600030101010101" charset="-122"/>
+                <a:sym typeface="等线" panose="02010600030101010101" charset="-122"/>
               </a:defRPr>
             </a:pPr>
           </a:p>
@@ -12860,7 +12764,7 @@
         </p:nvSpPr>
         <p:spPr>
           <a:xfrm>
-            <a:off x="398871" y="312055"/>
+            <a:off x="399506" y="312055"/>
             <a:ext cx="11393714" cy="6233890"/>
           </a:xfrm>
           <a:prstGeom prst="rect">
@@ -12873,7 +12777,7 @@
             <a:miter lim="400000"/>
           </a:ln>
           <a:effectLst>
-            <a:outerShdw sx="100000" sy="100000" kx="0" ky="0" algn="b" rotWithShape="0" blurRad="63500" dist="0" dir="0">
+            <a:outerShdw blurRad="63500" rotWithShape="0">
               <a:srgbClr val="000000">
                 <a:alpha val="40000"/>
               </a:srgbClr>
@@ -12889,10 +12793,10 @@
                 <a:solidFill>
                   <a:srgbClr val="FFFFFF"/>
                 </a:solidFill>
-                <a:latin typeface="等线"/>
-                <a:ea typeface="等线"/>
-                <a:cs typeface="等线"/>
-                <a:sym typeface="等线"/>
+                <a:latin typeface="等线" panose="02010600030101010101" charset="-122"/>
+                <a:ea typeface="等线" panose="02010600030101010101" charset="-122"/>
+                <a:cs typeface="等线" panose="02010600030101010101" charset="-122"/>
+                <a:sym typeface="等线" panose="02010600030101010101" charset="-122"/>
               </a:defRPr>
             </a:pPr>
           </a:p>
@@ -12905,7 +12809,7 @@
           <p:nvPr/>
         </p:nvSpPr>
         <p:spPr>
-          <a:xfrm flipH="1" flipV="1" rot="16200000">
+          <a:xfrm rot="16200000" flipH="1" flipV="1">
             <a:off x="-5" y="-6561"/>
             <a:ext cx="1690221" cy="1690218"/>
           </a:xfrm>
@@ -12929,7 +12833,7 @@
             </a:cxnLst>
             <a:rect l="0" t="0" r="r" b="b"/>
             <a:pathLst>
-              <a:path w="21600" h="21600" fill="norm" stroke="1" extrusionOk="0">
+              <a:path w="21600" h="21600" extrusionOk="0">
                 <a:moveTo>
                   <a:pt x="0" y="21600"/>
                 </a:moveTo>
@@ -12950,7 +12854,7 @@
             <a:miter lim="400000"/>
           </a:ln>
           <a:effectLst>
-            <a:outerShdw sx="100000" sy="100000" kx="0" ky="0" algn="b" rotWithShape="0" blurRad="50800" dist="38100" dir="2700000">
+            <a:outerShdw blurRad="50800" dist="38100" dir="2700000" rotWithShape="0">
               <a:srgbClr val="000000">
                 <a:alpha val="40000"/>
               </a:srgbClr>
@@ -12963,10 +12867,10 @@
           <a:p>
             <a:pPr algn="ctr">
               <a:defRPr>
-                <a:latin typeface="等线"/>
-                <a:ea typeface="等线"/>
-                <a:cs typeface="等线"/>
-                <a:sym typeface="等线"/>
+                <a:latin typeface="等线" panose="02010600030101010101" charset="-122"/>
+                <a:ea typeface="等线" panose="02010600030101010101" charset="-122"/>
+                <a:cs typeface="等线" panose="02010600030101010101" charset="-122"/>
+                <a:sym typeface="等线" panose="02010600030101010101" charset="-122"/>
               </a:defRPr>
             </a:pPr>
           </a:p>
@@ -13003,7 +12907,7 @@
             </a:cxnLst>
             <a:rect l="0" t="0" r="r" b="b"/>
             <a:pathLst>
-              <a:path w="21600" h="21600" fill="norm" stroke="1" extrusionOk="0">
+              <a:path w="21600" h="21600" extrusionOk="0">
                 <a:moveTo>
                   <a:pt x="0" y="21600"/>
                 </a:moveTo>
@@ -13024,7 +12928,7 @@
             <a:miter lim="400000"/>
           </a:ln>
           <a:effectLst>
-            <a:outerShdw sx="100000" sy="100000" kx="0" ky="0" algn="b" rotWithShape="0" blurRad="50800" dist="38100" dir="13500000">
+            <a:outerShdw blurRad="50800" dist="38100" dir="13500000" rotWithShape="0">
               <a:srgbClr val="000000">
                 <a:alpha val="40000"/>
               </a:srgbClr>
@@ -13037,10 +12941,10 @@
           <a:p>
             <a:pPr algn="ctr">
               <a:defRPr>
-                <a:latin typeface="等线"/>
-                <a:ea typeface="等线"/>
-                <a:cs typeface="等线"/>
-                <a:sym typeface="等线"/>
+                <a:latin typeface="等线" panose="02010600030101010101" charset="-122"/>
+                <a:ea typeface="等线" panose="02010600030101010101" charset="-122"/>
+                <a:cs typeface="等线" panose="02010600030101010101" charset="-122"/>
+                <a:sym typeface="等线" panose="02010600030101010101" charset="-122"/>
               </a:defRPr>
             </a:pPr>
           </a:p>
@@ -13062,18 +12966,15 @@
           <a:prstGeom prst="rect">
             <a:avLst/>
           </a:prstGeom>
-          <a:extLst>
-            <a:ext uri="{C572A759-6A51-4108-AA02-DFA0A04FC94B}">
-              <ma14:wrappingTextBoxFlag xmlns:ma14="http://schemas.microsoft.com/office/mac/drawingml/2011/main" val="1"/>
-            </a:ext>
-          </a:extLst>
         </p:spPr>
         <p:txBody>
           <a:bodyPr/>
           <a:lstStyle/>
           <a:p>
-            <a:pPr/>
-            <a:fld id="{86CB4B4D-7CA3-9044-876B-883B54F8677D}" type="slidenum"/>
+            <a:fld id="{86CB4B4D-7CA3-9044-876B-883B54F8677D}" type="slidenum">
+              <a:rPr/>
+            </a:fld>
+            <a:endParaRPr/>
           </a:p>
         </p:txBody>
       </p:sp>
@@ -13094,11 +12995,6 @@
           <a:ln w="12700">
             <a:miter lim="400000"/>
           </a:ln>
-          <a:extLst>
-            <a:ext uri="{C572A759-6A51-4108-AA02-DFA0A04FC94B}">
-              <ma14:wrappingTextBoxFlag xmlns:ma14="http://schemas.microsoft.com/office/mac/drawingml/2011/main" val="1"/>
-            </a:ext>
-          </a:extLst>
         </p:spPr>
         <p:txBody>
           <a:bodyPr lIns="45718" tIns="45718" rIns="45718" bIns="45718">
@@ -13106,19 +13002,18 @@
           </a:bodyPr>
           <a:lstStyle>
             <a:lvl1pPr>
-              <a:defRPr b="1" sz="2000">
+              <a:defRPr sz="2000" b="1">
                 <a:solidFill>
                   <a:srgbClr val="1C4372"/>
                 </a:solidFill>
-                <a:latin typeface="微软雅黑"/>
-                <a:ea typeface="微软雅黑"/>
-                <a:cs typeface="微软雅黑"/>
-                <a:sym typeface="微软雅黑"/>
+                <a:latin typeface="微软雅黑" panose="020B0503020204020204" charset="-122"/>
+                <a:ea typeface="微软雅黑" panose="020B0503020204020204" charset="-122"/>
+                <a:cs typeface="微软雅黑" panose="020B0503020204020204" charset="-122"/>
+                <a:sym typeface="微软雅黑" panose="020B0503020204020204" charset="-122"/>
               </a:defRPr>
             </a:lvl1pPr>
           </a:lstStyle>
           <a:p>
-            <a:pPr/>
             <a:r>
               <a:t>Introduction</a:t>
             </a:r>
@@ -13142,11 +13037,6 @@
           <a:ln w="12700">
             <a:miter lim="400000"/>
           </a:ln>
-          <a:extLst>
-            <a:ext uri="{C572A759-6A51-4108-AA02-DFA0A04FC94B}">
-              <ma14:wrappingTextBoxFlag xmlns:ma14="http://schemas.microsoft.com/office/mac/drawingml/2011/main" val="1"/>
-            </a:ext>
-          </a:extLst>
         </p:spPr>
         <p:txBody>
           <a:bodyPr lIns="45718" tIns="45718" rIns="45718" bIns="45718">
@@ -13161,15 +13051,14 @@
                 <a:solidFill>
                   <a:srgbClr val="1C4372"/>
                 </a:solidFill>
-                <a:latin typeface="微软雅黑"/>
-                <a:ea typeface="微软雅黑"/>
-                <a:cs typeface="微软雅黑"/>
-                <a:sym typeface="微软雅黑"/>
+                <a:latin typeface="微软雅黑" panose="020B0503020204020204" charset="-122"/>
+                <a:ea typeface="微软雅黑" panose="020B0503020204020204" charset="-122"/>
+                <a:cs typeface="微软雅黑" panose="020B0503020204020204" charset="-122"/>
+                <a:sym typeface="微软雅黑" panose="020B0503020204020204" charset="-122"/>
               </a:defRPr>
             </a:lvl1pPr>
           </a:lstStyle>
           <a:p>
-            <a:pPr/>
             <a:r>
               <a:t>01</a:t>
             </a:r>
@@ -13185,7 +13074,7 @@
         <p:spPr>
           <a:xfrm>
             <a:off x="3943350" y="537844"/>
-            <a:ext cx="1562783" cy="279401"/>
+            <a:ext cx="3695700" cy="276860"/>
           </a:xfrm>
           <a:prstGeom prst="rect">
             <a:avLst/>
@@ -13193,11 +13082,6 @@
           <a:ln w="12700">
             <a:miter lim="400000"/>
           </a:ln>
-          <a:extLst>
-            <a:ext uri="{C572A759-6A51-4108-AA02-DFA0A04FC94B}">
-              <ma14:wrappingTextBoxFlag xmlns:ma14="http://schemas.microsoft.com/office/mac/drawingml/2011/main" val="1"/>
-            </a:ext>
-          </a:extLst>
         </p:spPr>
         <p:txBody>
           <a:bodyPr wrap="none" lIns="0" tIns="0" rIns="0" bIns="0">
@@ -13213,10 +13097,15 @@
             </a:lvl1pPr>
           </a:lstStyle>
           <a:p>
-            <a:pPr/>
-            <a:r>
-              <a:t>—— Onesignal</a:t>
-            </a:r>
+            <a:pPr algn="l"/>
+            <a:r>
+              <a:t>—— Onesignal </a:t>
+            </a:r>
+            <a:r>
+              <a:rPr lang="en-US"/>
+              <a:t>backend for analysis</a:t>
+            </a:r>
+            <a:endParaRPr lang="en-US"/>
           </a:p>
         </p:txBody>
       </p:sp>
@@ -13229,9 +13118,7 @@
           <p:nvPr/>
         </p:nvPicPr>
         <p:blipFill>
-          <a:blip r:embed="rId3">
-            <a:extLst/>
-          </a:blip>
+          <a:blip r:embed="rId2"/>
           <a:stretch>
             <a:fillRect/>
           </a:stretch>
@@ -13246,6 +13133,8 @@
           </a:prstGeom>
           <a:ln w="12700">
             <a:miter lim="400000"/>
+            <a:headEnd/>
+            <a:tailEnd/>
           </a:ln>
         </p:spPr>
       </p:pic>
@@ -13254,506 +13143,12 @@
   <p:clrMapOvr>
     <a:masterClrMapping/>
   </p:clrMapOvr>
-  <p:transition xmlns:p14="http://schemas.microsoft.com/office/powerpoint/2010/main" spd="med" advClick="1"/>
-</p:sld>
-</file>
-
-<file path=ppt/slides/slide9.xml><?xml version="1.0" encoding="utf-8"?>
-<p:sld xmlns:a="http://schemas.openxmlformats.org/drawingml/2006/main" xmlns:r="http://schemas.openxmlformats.org/officeDocument/2006/relationships" xmlns:p="http://schemas.openxmlformats.org/presentationml/2006/main" xmlns:m="http://schemas.openxmlformats.org/officeDocument/2006/math" xmlns:a14="http://schemas.microsoft.com/office/drawing/2010/main" showMasterSp="1" showMasterPhAnim="1">
-  <p:cSld>
-    <p:spTree>
-      <p:nvGrpSpPr>
-        <p:cNvPr id="1" name=""/>
-        <p:cNvGrpSpPr/>
-        <p:nvPr/>
-      </p:nvGrpSpPr>
-      <p:grpSpPr>
-        <a:xfrm>
-          <a:off x="0" y="0"/>
-          <a:ext cx="0" cy="0"/>
-          <a:chOff x="0" y="0"/>
-          <a:chExt cx="0" cy="0"/>
-        </a:xfrm>
-      </p:grpSpPr>
-      <p:pic>
-        <p:nvPicPr>
-          <p:cNvPr id="347" name="图片 3" descr="图片 3"/>
-          <p:cNvPicPr>
-            <a:picLocks noChangeAspect="1"/>
-          </p:cNvPicPr>
-          <p:nvPr/>
-        </p:nvPicPr>
-        <p:blipFill>
-          <a:blip r:embed="rId2">
-            <a:extLst/>
-          </a:blip>
-          <a:srcRect l="1821" t="2336" r="1038" b="2790"/>
-          <a:stretch>
-            <a:fillRect/>
-          </a:stretch>
-        </p:blipFill>
-        <p:spPr>
-          <a:xfrm rot="5400000">
-            <a:off x="2666999" y="-2667002"/>
-            <a:ext cx="6858000" cy="12192006"/>
-          </a:xfrm>
-          <a:prstGeom prst="rect">
-            <a:avLst/>
-          </a:prstGeom>
-          <a:ln w="12700">
-            <a:miter lim="400000"/>
-          </a:ln>
-        </p:spPr>
-      </p:pic>
-      <p:sp>
-        <p:nvSpPr>
-          <p:cNvPr id="348" name="矩形 4"/>
-          <p:cNvSpPr/>
-          <p:nvPr/>
-        </p:nvSpPr>
-        <p:spPr>
-          <a:xfrm>
-            <a:off x="0" y="0"/>
-            <a:ext cx="12192000" cy="6858000"/>
-          </a:xfrm>
-          <a:prstGeom prst="rect">
-            <a:avLst/>
-          </a:prstGeom>
-          <a:solidFill>
-            <a:srgbClr val="FFFFFF">
-              <a:alpha val="39000"/>
-            </a:srgbClr>
-          </a:solidFill>
-          <a:ln w="12700">
-            <a:miter lim="400000"/>
-          </a:ln>
-        </p:spPr>
-        <p:txBody>
-          <a:bodyPr lIns="0" tIns="0" rIns="0" bIns="0" anchor="ctr"/>
-          <a:lstStyle/>
-          <a:p>
-            <a:pPr algn="ctr">
-              <a:defRPr>
-                <a:solidFill>
-                  <a:srgbClr val="FFFFFF"/>
-                </a:solidFill>
-                <a:latin typeface="等线"/>
-                <a:ea typeface="等线"/>
-                <a:cs typeface="等线"/>
-                <a:sym typeface="等线"/>
-              </a:defRPr>
-            </a:pPr>
-          </a:p>
-        </p:txBody>
-      </p:sp>
-      <p:sp>
-        <p:nvSpPr>
-          <p:cNvPr id="349" name="矩形 5"/>
-          <p:cNvSpPr/>
-          <p:nvPr/>
-        </p:nvSpPr>
-        <p:spPr>
-          <a:xfrm>
-            <a:off x="398871" y="312055"/>
-            <a:ext cx="11393714" cy="6233890"/>
-          </a:xfrm>
-          <a:prstGeom prst="rect">
-            <a:avLst/>
-          </a:prstGeom>
-          <a:solidFill>
-            <a:srgbClr val="FFFFFF"/>
-          </a:solidFill>
-          <a:ln w="12700">
-            <a:miter lim="400000"/>
-          </a:ln>
-          <a:effectLst>
-            <a:outerShdw sx="100000" sy="100000" kx="0" ky="0" algn="b" rotWithShape="0" blurRad="63500" dist="0" dir="0">
-              <a:srgbClr val="000000">
-                <a:alpha val="40000"/>
-              </a:srgbClr>
-            </a:outerShdw>
-          </a:effectLst>
-        </p:spPr>
-        <p:txBody>
-          <a:bodyPr lIns="0" tIns="0" rIns="0" bIns="0" anchor="ctr"/>
-          <a:lstStyle/>
-          <a:p>
-            <a:pPr algn="ctr">
-              <a:defRPr>
-                <a:solidFill>
-                  <a:srgbClr val="FFFFFF"/>
-                </a:solidFill>
-                <a:latin typeface="等线"/>
-                <a:ea typeface="等线"/>
-                <a:cs typeface="等线"/>
-                <a:sym typeface="等线"/>
-              </a:defRPr>
-            </a:pPr>
-          </a:p>
-        </p:txBody>
-      </p:sp>
-      <p:sp>
-        <p:nvSpPr>
-          <p:cNvPr id="350" name="直角三角形 6"/>
-          <p:cNvSpPr/>
-          <p:nvPr/>
-        </p:nvSpPr>
-        <p:spPr>
-          <a:xfrm flipH="1" flipV="1" rot="16200000">
-            <a:off x="-5" y="-6561"/>
-            <a:ext cx="1690221" cy="1690218"/>
-          </a:xfrm>
-          <a:custGeom>
-            <a:avLst/>
-            <a:gdLst/>
-            <a:ahLst/>
-            <a:cxnLst>
-              <a:cxn ang="0">
-                <a:pos x="wd2" y="hd2"/>
-              </a:cxn>
-              <a:cxn ang="5400000">
-                <a:pos x="wd2" y="hd2"/>
-              </a:cxn>
-              <a:cxn ang="10800000">
-                <a:pos x="wd2" y="hd2"/>
-              </a:cxn>
-              <a:cxn ang="16200000">
-                <a:pos x="wd2" y="hd2"/>
-              </a:cxn>
-            </a:cxnLst>
-            <a:rect l="0" t="0" r="r" b="b"/>
-            <a:pathLst>
-              <a:path w="21600" h="21600" fill="norm" stroke="1" extrusionOk="0">
-                <a:moveTo>
-                  <a:pt x="0" y="21600"/>
-                </a:moveTo>
-                <a:lnTo>
-                  <a:pt x="21600" y="21600"/>
-                </a:lnTo>
-                <a:lnTo>
-                  <a:pt x="0" y="0"/>
-                </a:lnTo>
-                <a:close/>
-              </a:path>
-            </a:pathLst>
-          </a:custGeom>
-          <a:solidFill>
-            <a:srgbClr val="1C4372"/>
-          </a:solidFill>
-          <a:ln w="12700">
-            <a:miter lim="400000"/>
-          </a:ln>
-          <a:effectLst>
-            <a:outerShdw sx="100000" sy="100000" kx="0" ky="0" algn="b" rotWithShape="0" blurRad="50800" dist="38100" dir="2700000">
-              <a:srgbClr val="000000">
-                <a:alpha val="40000"/>
-              </a:srgbClr>
-            </a:outerShdw>
-          </a:effectLst>
-        </p:spPr>
-        <p:txBody>
-          <a:bodyPr lIns="0" tIns="0" rIns="0" bIns="0" anchor="ctr"/>
-          <a:lstStyle/>
-          <a:p>
-            <a:pPr algn="ctr">
-              <a:defRPr>
-                <a:latin typeface="等线"/>
-                <a:ea typeface="等线"/>
-                <a:cs typeface="等线"/>
-                <a:sym typeface="等线"/>
-              </a:defRPr>
-            </a:pPr>
-          </a:p>
-        </p:txBody>
-      </p:sp>
-      <p:sp>
-        <p:nvSpPr>
-          <p:cNvPr id="351" name="直角三角形 19"/>
-          <p:cNvSpPr/>
-          <p:nvPr/>
-        </p:nvSpPr>
-        <p:spPr>
-          <a:xfrm rot="16200000">
-            <a:off x="10501782" y="5167781"/>
-            <a:ext cx="1690220" cy="1690220"/>
-          </a:xfrm>
-          <a:custGeom>
-            <a:avLst/>
-            <a:gdLst/>
-            <a:ahLst/>
-            <a:cxnLst>
-              <a:cxn ang="0">
-                <a:pos x="wd2" y="hd2"/>
-              </a:cxn>
-              <a:cxn ang="5400000">
-                <a:pos x="wd2" y="hd2"/>
-              </a:cxn>
-              <a:cxn ang="10800000">
-                <a:pos x="wd2" y="hd2"/>
-              </a:cxn>
-              <a:cxn ang="16200000">
-                <a:pos x="wd2" y="hd2"/>
-              </a:cxn>
-            </a:cxnLst>
-            <a:rect l="0" t="0" r="r" b="b"/>
-            <a:pathLst>
-              <a:path w="21600" h="21600" fill="norm" stroke="1" extrusionOk="0">
-                <a:moveTo>
-                  <a:pt x="0" y="21600"/>
-                </a:moveTo>
-                <a:lnTo>
-                  <a:pt x="21600" y="21600"/>
-                </a:lnTo>
-                <a:lnTo>
-                  <a:pt x="0" y="0"/>
-                </a:lnTo>
-                <a:close/>
-              </a:path>
-            </a:pathLst>
-          </a:custGeom>
-          <a:solidFill>
-            <a:srgbClr val="1C4372"/>
-          </a:solidFill>
-          <a:ln w="12700">
-            <a:miter lim="400000"/>
-          </a:ln>
-          <a:effectLst>
-            <a:outerShdw sx="100000" sy="100000" kx="0" ky="0" algn="b" rotWithShape="0" blurRad="50800" dist="38100" dir="13500000">
-              <a:srgbClr val="000000">
-                <a:alpha val="40000"/>
-              </a:srgbClr>
-            </a:outerShdw>
-          </a:effectLst>
-        </p:spPr>
-        <p:txBody>
-          <a:bodyPr lIns="0" tIns="0" rIns="0" bIns="0" anchor="ctr"/>
-          <a:lstStyle/>
-          <a:p>
-            <a:pPr algn="ctr">
-              <a:defRPr>
-                <a:latin typeface="等线"/>
-                <a:ea typeface="等线"/>
-                <a:cs typeface="等线"/>
-                <a:sym typeface="等线"/>
-              </a:defRPr>
-            </a:pPr>
-          </a:p>
-        </p:txBody>
-      </p:sp>
-      <p:sp>
-        <p:nvSpPr>
-          <p:cNvPr id="352" name="灯片编号占位符 7"/>
-          <p:cNvSpPr txBox="1"/>
-          <p:nvPr>
-            <p:ph type="sldNum" sz="quarter" idx="4294967295"/>
-          </p:nvPr>
-        </p:nvSpPr>
-        <p:spPr>
-          <a:xfrm>
-            <a:off x="11164901" y="6404291"/>
-            <a:ext cx="188897" cy="269239"/>
-          </a:xfrm>
-          <a:prstGeom prst="rect">
-            <a:avLst/>
-          </a:prstGeom>
-          <a:extLst>
-            <a:ext uri="{C572A759-6A51-4108-AA02-DFA0A04FC94B}">
-              <ma14:wrappingTextBoxFlag xmlns:ma14="http://schemas.microsoft.com/office/mac/drawingml/2011/main" val="1"/>
-            </a:ext>
-          </a:extLst>
-        </p:spPr>
-        <p:txBody>
-          <a:bodyPr/>
-          <a:lstStyle/>
-          <a:p>
-            <a:pPr/>
-            <a:fld id="{86CB4B4D-7CA3-9044-876B-883B54F8677D}" type="slidenum"/>
-          </a:p>
-        </p:txBody>
-      </p:sp>
-      <p:sp>
-        <p:nvSpPr>
-          <p:cNvPr id="353" name="文本框 46"/>
-          <p:cNvSpPr txBox="1"/>
-          <p:nvPr/>
-        </p:nvSpPr>
-        <p:spPr>
-          <a:xfrm>
-            <a:off x="2264410" y="479423"/>
-            <a:ext cx="3079752" cy="396239"/>
-          </a:xfrm>
-          <a:prstGeom prst="rect">
-            <a:avLst/>
-          </a:prstGeom>
-          <a:ln w="12700">
-            <a:miter lim="400000"/>
-          </a:ln>
-          <a:extLst>
-            <a:ext uri="{C572A759-6A51-4108-AA02-DFA0A04FC94B}">
-              <ma14:wrappingTextBoxFlag xmlns:ma14="http://schemas.microsoft.com/office/mac/drawingml/2011/main" val="1"/>
-            </a:ext>
-          </a:extLst>
-        </p:spPr>
-        <p:txBody>
-          <a:bodyPr lIns="45718" tIns="45718" rIns="45718" bIns="45718">
-            <a:spAutoFit/>
-          </a:bodyPr>
-          <a:lstStyle>
-            <a:lvl1pPr>
-              <a:defRPr b="1" sz="2000">
-                <a:solidFill>
-                  <a:srgbClr val="1C4372"/>
-                </a:solidFill>
-                <a:latin typeface="微软雅黑"/>
-                <a:ea typeface="微软雅黑"/>
-                <a:cs typeface="微软雅黑"/>
-                <a:sym typeface="微软雅黑"/>
-              </a:defRPr>
-            </a:lvl1pPr>
-          </a:lstStyle>
-          <a:p>
-            <a:pPr/>
-            <a:r>
-              <a:t>Introduction</a:t>
-            </a:r>
-          </a:p>
-        </p:txBody>
-      </p:sp>
-      <p:sp>
-        <p:nvSpPr>
-          <p:cNvPr id="354" name="文本框 1"/>
-          <p:cNvSpPr txBox="1"/>
-          <p:nvPr/>
-        </p:nvSpPr>
-        <p:spPr>
-          <a:xfrm>
-            <a:off x="1627503" y="415925"/>
-            <a:ext cx="727077" cy="523238"/>
-          </a:xfrm>
-          <a:prstGeom prst="rect">
-            <a:avLst/>
-          </a:prstGeom>
-          <a:ln w="12700">
-            <a:miter lim="400000"/>
-          </a:ln>
-          <a:extLst>
-            <a:ext uri="{C572A759-6A51-4108-AA02-DFA0A04FC94B}">
-              <ma14:wrappingTextBoxFlag xmlns:ma14="http://schemas.microsoft.com/office/mac/drawingml/2011/main" val="1"/>
-            </a:ext>
-          </a:extLst>
-        </p:spPr>
-        <p:txBody>
-          <a:bodyPr lIns="45718" tIns="45718" rIns="45718" bIns="45718">
-            <a:spAutoFit/>
-          </a:bodyPr>
-          <a:lstStyle>
-            <a:lvl1pPr>
-              <a:lnSpc>
-                <a:spcPct val="175000"/>
-              </a:lnSpc>
-              <a:defRPr sz="2800">
-                <a:solidFill>
-                  <a:srgbClr val="1C4372"/>
-                </a:solidFill>
-                <a:latin typeface="微软雅黑"/>
-                <a:ea typeface="微软雅黑"/>
-                <a:cs typeface="微软雅黑"/>
-                <a:sym typeface="微软雅黑"/>
-              </a:defRPr>
-            </a:lvl1pPr>
-          </a:lstStyle>
-          <a:p>
-            <a:pPr/>
-            <a:r>
-              <a:t>01</a:t>
-            </a:r>
-          </a:p>
-        </p:txBody>
-      </p:sp>
-      <p:sp>
-        <p:nvSpPr>
-          <p:cNvPr id="355" name="—— Onesignal"/>
-          <p:cNvSpPr txBox="1"/>
-          <p:nvPr/>
-        </p:nvSpPr>
-        <p:spPr>
-          <a:xfrm>
-            <a:off x="3943350" y="537844"/>
-            <a:ext cx="1562783" cy="279401"/>
-          </a:xfrm>
-          <a:prstGeom prst="rect">
-            <a:avLst/>
-          </a:prstGeom>
-          <a:ln w="12700">
-            <a:miter lim="400000"/>
-          </a:ln>
-          <a:extLst>
-            <a:ext uri="{C572A759-6A51-4108-AA02-DFA0A04FC94B}">
-              <ma14:wrappingTextBoxFlag xmlns:ma14="http://schemas.microsoft.com/office/mac/drawingml/2011/main" val="1"/>
-            </a:ext>
-          </a:extLst>
-        </p:spPr>
-        <p:txBody>
-          <a:bodyPr wrap="none" lIns="0" tIns="0" rIns="0" bIns="0">
-            <a:spAutoFit/>
-          </a:bodyPr>
-          <a:lstStyle>
-            <a:lvl1pPr>
-              <a:defRPr>
-                <a:solidFill>
-                  <a:srgbClr val="27426F"/>
-                </a:solidFill>
-              </a:defRPr>
-            </a:lvl1pPr>
-          </a:lstStyle>
-          <a:p>
-            <a:pPr/>
-            <a:r>
-              <a:t>—— Onesignal</a:t>
-            </a:r>
-          </a:p>
-        </p:txBody>
-      </p:sp>
-      <p:pic>
-        <p:nvPicPr>
-          <p:cNvPr id="356" name="onesignal推送面板.png" descr="onesignal推送面板.png"/>
-          <p:cNvPicPr>
-            <a:picLocks noChangeAspect="1"/>
-          </p:cNvPicPr>
-          <p:nvPr/>
-        </p:nvPicPr>
-        <p:blipFill>
-          <a:blip r:embed="rId3">
-            <a:extLst/>
-          </a:blip>
-          <a:stretch>
-            <a:fillRect/>
-          </a:stretch>
-        </p:blipFill>
-        <p:spPr>
-          <a:xfrm>
-            <a:off x="1656863" y="1161492"/>
-            <a:ext cx="8878274" cy="4535016"/>
-          </a:xfrm>
-          <a:prstGeom prst="rect">
-            <a:avLst/>
-          </a:prstGeom>
-          <a:ln w="12700">
-            <a:miter lim="400000"/>
-          </a:ln>
-        </p:spPr>
-      </p:pic>
-    </p:spTree>
-  </p:cSld>
-  <p:clrMapOvr>
-    <a:masterClrMapping/>
-  </p:clrMapOvr>
-  <p:transition xmlns:p14="http://schemas.microsoft.com/office/powerpoint/2010/main" spd="med" advClick="1"/>
+  <p:transition spd="med"/>
 </p:sld>
 </file>
 
 <file path=ppt/theme/theme1.xml><?xml version="1.0" encoding="utf-8"?>
-<a:theme xmlns:a="http://schemas.openxmlformats.org/drawingml/2006/main" xmlns:r="http://schemas.openxmlformats.org/officeDocument/2006/relationships" name="Office 主题​​">
+<a:theme xmlns:a="http://schemas.openxmlformats.org/drawingml/2006/main" name="Office 主题​​">
   <a:themeElements>
     <a:clrScheme name="Office 主题​​">
       <a:dk1>
@@ -13952,8 +13347,6 @@
           <a:prstDash val="solid"/>
           <a:round/>
         </a:ln>
-        <a:effectLst/>
-        <a:sp3d/>
       </a:spPr>
       <a:bodyPr rot="0" spcFirstLastPara="1" vertOverflow="overflow" horzOverflow="overflow" vert="horz" wrap="square" lIns="0" tIns="0" rIns="0" bIns="0" numCol="1" spcCol="38100" rtlCol="0" anchor="t" upright="0">
         <a:spAutoFit/>
@@ -13973,8 +13366,7 @@
           <a:buSzTx/>
           <a:buFontTx/>
           <a:buNone/>
-          <a:tabLst/>
-          <a:defRPr b="0" baseline="0" cap="none" i="0" spc="0" strike="noStrike" sz="1800" u="none" kumimoji="0" normalizeH="0">
+          <a:defRPr kumimoji="0" sz="1800" b="0" i="0" u="none" strike="noStrike" cap="none" spc="0" normalizeH="0" baseline="0">
             <a:ln>
               <a:noFill/>
             </a:ln>
@@ -14003,8 +13395,7 @@
           <a:buSzTx/>
           <a:buFontTx/>
           <a:buNone/>
-          <a:tabLst/>
-          <a:defRPr b="0" baseline="0" cap="none" i="0" spc="0" strike="noStrike" sz="1800" u="none" kumimoji="0" normalizeH="0">
+          <a:defRPr kumimoji="0" sz="1800" b="0" i="0" u="none" strike="noStrike" cap="none" spc="0" normalizeH="0" baseline="0">
             <a:ln>
               <a:noFill/>
             </a:ln>
@@ -14029,8 +13420,7 @@
           <a:buSzTx/>
           <a:buFontTx/>
           <a:buNone/>
-          <a:tabLst/>
-          <a:defRPr b="0" baseline="0" cap="none" i="0" spc="0" strike="noStrike" sz="1800" u="none" kumimoji="0" normalizeH="0">
+          <a:defRPr kumimoji="0" sz="1800" b="0" i="0" u="none" strike="noStrike" cap="none" spc="0" normalizeH="0" baseline="0">
             <a:ln>
               <a:noFill/>
             </a:ln>
@@ -14055,8 +13445,7 @@
           <a:buSzTx/>
           <a:buFontTx/>
           <a:buNone/>
-          <a:tabLst/>
-          <a:defRPr b="0" baseline="0" cap="none" i="0" spc="0" strike="noStrike" sz="1800" u="none" kumimoji="0" normalizeH="0">
+          <a:defRPr kumimoji="0" sz="1800" b="0" i="0" u="none" strike="noStrike" cap="none" spc="0" normalizeH="0" baseline="0">
             <a:ln>
               <a:noFill/>
             </a:ln>
@@ -14081,8 +13470,7 @@
           <a:buSzTx/>
           <a:buFontTx/>
           <a:buNone/>
-          <a:tabLst/>
-          <a:defRPr b="0" baseline="0" cap="none" i="0" spc="0" strike="noStrike" sz="1800" u="none" kumimoji="0" normalizeH="0">
+          <a:defRPr kumimoji="0" sz="1800" b="0" i="0" u="none" strike="noStrike" cap="none" spc="0" normalizeH="0" baseline="0">
             <a:ln>
               <a:noFill/>
             </a:ln>
@@ -14107,8 +13495,7 @@
           <a:buSzTx/>
           <a:buFontTx/>
           <a:buNone/>
-          <a:tabLst/>
-          <a:defRPr b="0" baseline="0" cap="none" i="0" spc="0" strike="noStrike" sz="1800" u="none" kumimoji="0" normalizeH="0">
+          <a:defRPr kumimoji="0" sz="1800" b="0" i="0" u="none" strike="noStrike" cap="none" spc="0" normalizeH="0" baseline="0">
             <a:ln>
               <a:noFill/>
             </a:ln>
@@ -14133,8 +13520,7 @@
           <a:buSzTx/>
           <a:buFontTx/>
           <a:buNone/>
-          <a:tabLst/>
-          <a:defRPr b="0" baseline="0" cap="none" i="0" spc="0" strike="noStrike" sz="1800" u="none" kumimoji="0" normalizeH="0">
+          <a:defRPr kumimoji="0" sz="1800" b="0" i="0" u="none" strike="noStrike" cap="none" spc="0" normalizeH="0" baseline="0">
             <a:ln>
               <a:noFill/>
             </a:ln>
@@ -14159,8 +13545,7 @@
           <a:buSzTx/>
           <a:buFontTx/>
           <a:buNone/>
-          <a:tabLst/>
-          <a:defRPr b="0" baseline="0" cap="none" i="0" spc="0" strike="noStrike" sz="1800" u="none" kumimoji="0" normalizeH="0">
+          <a:defRPr kumimoji="0" sz="1800" b="0" i="0" u="none" strike="noStrike" cap="none" spc="0" normalizeH="0" baseline="0">
             <a:ln>
               <a:noFill/>
             </a:ln>
@@ -14185,8 +13570,7 @@
           <a:buSzTx/>
           <a:buFontTx/>
           <a:buNone/>
-          <a:tabLst/>
-          <a:defRPr b="0" baseline="0" cap="none" i="0" spc="0" strike="noStrike" sz="1800" u="none" kumimoji="0" normalizeH="0">
+          <a:defRPr kumimoji="0" sz="1800" b="0" i="0" u="none" strike="noStrike" cap="none" spc="0" normalizeH="0" baseline="0">
             <a:ln>
               <a:noFill/>
             </a:ln>
@@ -14211,8 +13595,7 @@
           <a:buSzTx/>
           <a:buFontTx/>
           <a:buNone/>
-          <a:tabLst/>
-          <a:defRPr b="0" baseline="0" cap="none" i="0" spc="0" strike="noStrike" sz="1800" u="none" kumimoji="0" normalizeH="0">
+          <a:defRPr kumimoji="0" sz="1800" b="0" i="0" u="none" strike="noStrike" cap="none" spc="0" normalizeH="0" baseline="0">
             <a:ln>
               <a:noFill/>
             </a:ln>
@@ -14225,9 +13608,15 @@
         </a:lvl9pPr>
       </a:lstStyle>
       <a:style>
-        <a:lnRef idx="0"/>
-        <a:fillRef idx="0"/>
-        <a:effectRef idx="0"/>
+        <a:lnRef idx="0">
+          <a:srgbClr val="FFFFFF"/>
+        </a:lnRef>
+        <a:fillRef idx="0">
+          <a:srgbClr val="FFFFFF"/>
+        </a:fillRef>
+        <a:effectRef idx="0">
+          <a:srgbClr val="FFFFFF"/>
+        </a:effectRef>
         <a:fontRef idx="none"/>
       </a:style>
     </a:spDef>
@@ -14241,8 +13630,6 @@
           <a:prstDash val="solid"/>
           <a:round/>
         </a:ln>
-        <a:effectLst/>
-        <a:sp3d/>
       </a:spPr>
       <a:bodyPr rot="0" spcFirstLastPara="1" vertOverflow="overflow" horzOverflow="overflow" vert="horz" wrap="square" lIns="91439" tIns="45719" rIns="91439" bIns="45719" numCol="1" spcCol="38100" rtlCol="0" anchor="t" upright="0">
         <a:noAutofit/>
@@ -14262,8 +13649,7 @@
           <a:buSzTx/>
           <a:buFontTx/>
           <a:buNone/>
-          <a:tabLst/>
-          <a:defRPr b="0" baseline="0" cap="none" i="0" spc="0" strike="noStrike" sz="1800" u="none" kumimoji="0" normalizeH="0">
+          <a:defRPr kumimoji="0" sz="1800" b="0" i="0" u="none" strike="noStrike" cap="none" spc="0" normalizeH="0" baseline="0">
             <a:ln>
               <a:noFill/>
             </a:ln>
@@ -14288,8 +13674,7 @@
           <a:buSzTx/>
           <a:buFontTx/>
           <a:buNone/>
-          <a:tabLst/>
-          <a:defRPr b="0" baseline="0" cap="none" i="0" spc="0" strike="noStrike" sz="1800" u="none" kumimoji="0" normalizeH="0">
+          <a:defRPr kumimoji="0" sz="1800" b="0" i="0" u="none" strike="noStrike" cap="none" spc="0" normalizeH="0" baseline="0">
             <a:ln>
               <a:noFill/>
             </a:ln>
@@ -14314,8 +13699,7 @@
           <a:buSzTx/>
           <a:buFontTx/>
           <a:buNone/>
-          <a:tabLst/>
-          <a:defRPr b="0" baseline="0" cap="none" i="0" spc="0" strike="noStrike" sz="1800" u="none" kumimoji="0" normalizeH="0">
+          <a:defRPr kumimoji="0" sz="1800" b="0" i="0" u="none" strike="noStrike" cap="none" spc="0" normalizeH="0" baseline="0">
             <a:ln>
               <a:noFill/>
             </a:ln>
@@ -14340,8 +13724,7 @@
           <a:buSzTx/>
           <a:buFontTx/>
           <a:buNone/>
-          <a:tabLst/>
-          <a:defRPr b="0" baseline="0" cap="none" i="0" spc="0" strike="noStrike" sz="1800" u="none" kumimoji="0" normalizeH="0">
+          <a:defRPr kumimoji="0" sz="1800" b="0" i="0" u="none" strike="noStrike" cap="none" spc="0" normalizeH="0" baseline="0">
             <a:ln>
               <a:noFill/>
             </a:ln>
@@ -14366,8 +13749,7 @@
           <a:buSzTx/>
           <a:buFontTx/>
           <a:buNone/>
-          <a:tabLst/>
-          <a:defRPr b="0" baseline="0" cap="none" i="0" spc="0" strike="noStrike" sz="1800" u="none" kumimoji="0" normalizeH="0">
+          <a:defRPr kumimoji="0" sz="1800" b="0" i="0" u="none" strike="noStrike" cap="none" spc="0" normalizeH="0" baseline="0">
             <a:ln>
               <a:noFill/>
             </a:ln>
@@ -14392,8 +13774,7 @@
           <a:buSzTx/>
           <a:buFontTx/>
           <a:buNone/>
-          <a:tabLst/>
-          <a:defRPr b="0" baseline="0" cap="none" i="0" spc="0" strike="noStrike" sz="1800" u="none" kumimoji="0" normalizeH="0">
+          <a:defRPr kumimoji="0" sz="1800" b="0" i="0" u="none" strike="noStrike" cap="none" spc="0" normalizeH="0" baseline="0">
             <a:ln>
               <a:noFill/>
             </a:ln>
@@ -14418,8 +13799,7 @@
           <a:buSzTx/>
           <a:buFontTx/>
           <a:buNone/>
-          <a:tabLst/>
-          <a:defRPr b="0" baseline="0" cap="none" i="0" spc="0" strike="noStrike" sz="1800" u="none" kumimoji="0" normalizeH="0">
+          <a:defRPr kumimoji="0" sz="1800" b="0" i="0" u="none" strike="noStrike" cap="none" spc="0" normalizeH="0" baseline="0">
             <a:ln>
               <a:noFill/>
             </a:ln>
@@ -14444,8 +13824,7 @@
           <a:buSzTx/>
           <a:buFontTx/>
           <a:buNone/>
-          <a:tabLst/>
-          <a:defRPr b="0" baseline="0" cap="none" i="0" spc="0" strike="noStrike" sz="1800" u="none" kumimoji="0" normalizeH="0">
+          <a:defRPr kumimoji="0" sz="1800" b="0" i="0" u="none" strike="noStrike" cap="none" spc="0" normalizeH="0" baseline="0">
             <a:ln>
               <a:noFill/>
             </a:ln>
@@ -14470,8 +13849,7 @@
           <a:buSzTx/>
           <a:buFontTx/>
           <a:buNone/>
-          <a:tabLst/>
-          <a:defRPr b="0" baseline="0" cap="none" i="0" spc="0" strike="noStrike" sz="1800" u="none" kumimoji="0" normalizeH="0">
+          <a:defRPr kumimoji="0" sz="1800" b="0" i="0" u="none" strike="noStrike" cap="none" spc="0" normalizeH="0" baseline="0">
             <a:ln>
               <a:noFill/>
             </a:ln>
@@ -14496,8 +13874,7 @@
           <a:buSzTx/>
           <a:buFontTx/>
           <a:buNone/>
-          <a:tabLst/>
-          <a:defRPr b="0" baseline="0" cap="none" i="0" spc="0" strike="noStrike" sz="1800" u="none" kumimoji="0" normalizeH="0">
+          <a:defRPr kumimoji="0" sz="1800" b="0" i="0" u="none" strike="noStrike" cap="none" spc="0" normalizeH="0" baseline="0">
             <a:ln>
               <a:noFill/>
             </a:ln>
@@ -14510,9 +13887,15 @@
         </a:lvl9pPr>
       </a:lstStyle>
       <a:style>
-        <a:lnRef idx="0"/>
-        <a:fillRef idx="0"/>
-        <a:effectRef idx="0"/>
+        <a:lnRef idx="0">
+          <a:srgbClr val="FFFFFF"/>
+        </a:lnRef>
+        <a:fillRef idx="0">
+          <a:srgbClr val="FFFFFF"/>
+        </a:fillRef>
+        <a:effectRef idx="0">
+          <a:srgbClr val="FFFFFF"/>
+        </a:effectRef>
         <a:fontRef idx="none"/>
       </a:style>
     </a:lnDef>
@@ -14523,8 +13906,6 @@
           <a:noFill/>
           <a:miter lim="400000"/>
         </a:ln>
-        <a:effectLst/>
-        <a:sp3d/>
       </a:spPr>
       <a:bodyPr rot="0" spcFirstLastPara="1" vertOverflow="overflow" horzOverflow="overflow" vert="horz" wrap="square" lIns="0" tIns="0" rIns="0" bIns="0" numCol="1" spcCol="38100" rtlCol="0" anchor="t" upright="0">
         <a:spAutoFit/>
@@ -14544,8 +13925,7 @@
           <a:buSzTx/>
           <a:buFontTx/>
           <a:buNone/>
-          <a:tabLst/>
-          <a:defRPr b="0" baseline="0" cap="none" i="0" spc="0" strike="noStrike" sz="1800" u="none" kumimoji="0" normalizeH="0">
+          <a:defRPr kumimoji="0" sz="1800" b="0" i="0" u="none" strike="noStrike" cap="none" spc="0" normalizeH="0" baseline="0">
             <a:ln>
               <a:noFill/>
             </a:ln>
@@ -14574,8 +13954,7 @@
           <a:buSzTx/>
           <a:buFontTx/>
           <a:buNone/>
-          <a:tabLst/>
-          <a:defRPr b="0" baseline="0" cap="none" i="0" spc="0" strike="noStrike" sz="1800" u="none" kumimoji="0" normalizeH="0">
+          <a:defRPr kumimoji="0" sz="1800" b="0" i="0" u="none" strike="noStrike" cap="none" spc="0" normalizeH="0" baseline="0">
             <a:ln>
               <a:noFill/>
             </a:ln>
@@ -14600,8 +13979,7 @@
           <a:buSzTx/>
           <a:buFontTx/>
           <a:buNone/>
-          <a:tabLst/>
-          <a:defRPr b="0" baseline="0" cap="none" i="0" spc="0" strike="noStrike" sz="1800" u="none" kumimoji="0" normalizeH="0">
+          <a:defRPr kumimoji="0" sz="1800" b="0" i="0" u="none" strike="noStrike" cap="none" spc="0" normalizeH="0" baseline="0">
             <a:ln>
               <a:noFill/>
             </a:ln>
@@ -14626,8 +14004,7 @@
           <a:buSzTx/>
           <a:buFontTx/>
           <a:buNone/>
-          <a:tabLst/>
-          <a:defRPr b="0" baseline="0" cap="none" i="0" spc="0" strike="noStrike" sz="1800" u="none" kumimoji="0" normalizeH="0">
+          <a:defRPr kumimoji="0" sz="1800" b="0" i="0" u="none" strike="noStrike" cap="none" spc="0" normalizeH="0" baseline="0">
             <a:ln>
               <a:noFill/>
             </a:ln>
@@ -14652,8 +14029,7 @@
           <a:buSzTx/>
           <a:buFontTx/>
           <a:buNone/>
-          <a:tabLst/>
-          <a:defRPr b="0" baseline="0" cap="none" i="0" spc="0" strike="noStrike" sz="1800" u="none" kumimoji="0" normalizeH="0">
+          <a:defRPr kumimoji="0" sz="1800" b="0" i="0" u="none" strike="noStrike" cap="none" spc="0" normalizeH="0" baseline="0">
             <a:ln>
               <a:noFill/>
             </a:ln>
@@ -14678,8 +14054,7 @@
           <a:buSzTx/>
           <a:buFontTx/>
           <a:buNone/>
-          <a:tabLst/>
-          <a:defRPr b="0" baseline="0" cap="none" i="0" spc="0" strike="noStrike" sz="1800" u="none" kumimoji="0" normalizeH="0">
+          <a:defRPr kumimoji="0" sz="1800" b="0" i="0" u="none" strike="noStrike" cap="none" spc="0" normalizeH="0" baseline="0">
             <a:ln>
               <a:noFill/>
             </a:ln>
@@ -14704,8 +14079,7 @@
           <a:buSzTx/>
           <a:buFontTx/>
           <a:buNone/>
-          <a:tabLst/>
-          <a:defRPr b="0" baseline="0" cap="none" i="0" spc="0" strike="noStrike" sz="1800" u="none" kumimoji="0" normalizeH="0">
+          <a:defRPr kumimoji="0" sz="1800" b="0" i="0" u="none" strike="noStrike" cap="none" spc="0" normalizeH="0" baseline="0">
             <a:ln>
               <a:noFill/>
             </a:ln>
@@ -14730,8 +14104,7 @@
           <a:buSzTx/>
           <a:buFontTx/>
           <a:buNone/>
-          <a:tabLst/>
-          <a:defRPr b="0" baseline="0" cap="none" i="0" spc="0" strike="noStrike" sz="1800" u="none" kumimoji="0" normalizeH="0">
+          <a:defRPr kumimoji="0" sz="1800" b="0" i="0" u="none" strike="noStrike" cap="none" spc="0" normalizeH="0" baseline="0">
             <a:ln>
               <a:noFill/>
             </a:ln>
@@ -14756,8 +14129,7 @@
           <a:buSzTx/>
           <a:buFontTx/>
           <a:buNone/>
-          <a:tabLst/>
-          <a:defRPr b="0" baseline="0" cap="none" i="0" spc="0" strike="noStrike" sz="1800" u="none" kumimoji="0" normalizeH="0">
+          <a:defRPr kumimoji="0" sz="1800" b="0" i="0" u="none" strike="noStrike" cap="none" spc="0" normalizeH="0" baseline="0">
             <a:ln>
               <a:noFill/>
             </a:ln>
@@ -14782,8 +14154,7 @@
           <a:buSzTx/>
           <a:buFontTx/>
           <a:buNone/>
-          <a:tabLst/>
-          <a:defRPr b="0" baseline="0" cap="none" i="0" spc="0" strike="noStrike" sz="1800" u="none" kumimoji="0" normalizeH="0">
+          <a:defRPr kumimoji="0" sz="1800" b="0" i="0" u="none" strike="noStrike" cap="none" spc="0" normalizeH="0" baseline="0">
             <a:ln>
               <a:noFill/>
             </a:ln>
@@ -14796,18 +14167,29 @@
         </a:lvl9pPr>
       </a:lstStyle>
       <a:style>
-        <a:lnRef idx="0"/>
-        <a:fillRef idx="0"/>
-        <a:effectRef idx="0"/>
+        <a:lnRef idx="0">
+          <a:srgbClr val="FFFFFF"/>
+        </a:lnRef>
+        <a:fillRef idx="0">
+          <a:srgbClr val="FFFFFF"/>
+        </a:fillRef>
+        <a:effectRef idx="0">
+          <a:srgbClr val="FFFFFF"/>
+        </a:effectRef>
         <a:fontRef idx="none"/>
       </a:style>
     </a:txDef>
   </a:objectDefaults>
+  <a:extLst>
+    <a:ext uri="{05A4C25C-085E-4340-85A3-A5531E510DB2}">
+      <thm15:themeFamily xmlns:thm15="http://schemas.microsoft.com/office/thememl/2012/main" name="Office Theme" id="{62F939B6-93AF-4DB8-9C6B-D6C7DFDC589F}" vid="{4A3C46E8-61CC-4603-A589-7422A47A8E4A}"/>
+    </a:ext>
+  </a:extLst>
 </a:theme>
 </file>
 
 <file path=ppt/theme/theme2.xml><?xml version="1.0" encoding="utf-8"?>
-<a:theme xmlns:a="http://schemas.openxmlformats.org/drawingml/2006/main" xmlns:r="http://schemas.openxmlformats.org/officeDocument/2006/relationships" name="Office 主题​​">
+<a:theme xmlns:a="http://schemas.openxmlformats.org/drawingml/2006/main" name="Office 主题​​">
   <a:themeElements>
     <a:clrScheme name="Office 主题​​">
       <a:dk1>
@@ -15006,8 +14388,6 @@
           <a:prstDash val="solid"/>
           <a:round/>
         </a:ln>
-        <a:effectLst/>
-        <a:sp3d/>
       </a:spPr>
       <a:bodyPr rot="0" spcFirstLastPara="1" vertOverflow="overflow" horzOverflow="overflow" vert="horz" wrap="square" lIns="0" tIns="0" rIns="0" bIns="0" numCol="1" spcCol="38100" rtlCol="0" anchor="t" upright="0">
         <a:spAutoFit/>
@@ -15027,8 +14407,7 @@
           <a:buSzTx/>
           <a:buFontTx/>
           <a:buNone/>
-          <a:tabLst/>
-          <a:defRPr b="0" baseline="0" cap="none" i="0" spc="0" strike="noStrike" sz="1800" u="none" kumimoji="0" normalizeH="0">
+          <a:defRPr kumimoji="0" sz="1800" b="0" i="0" u="none" strike="noStrike" cap="none" spc="0" normalizeH="0" baseline="0">
             <a:ln>
               <a:noFill/>
             </a:ln>
@@ -15057,8 +14436,7 @@
           <a:buSzTx/>
           <a:buFontTx/>
           <a:buNone/>
-          <a:tabLst/>
-          <a:defRPr b="0" baseline="0" cap="none" i="0" spc="0" strike="noStrike" sz="1800" u="none" kumimoji="0" normalizeH="0">
+          <a:defRPr kumimoji="0" sz="1800" b="0" i="0" u="none" strike="noStrike" cap="none" spc="0" normalizeH="0" baseline="0">
             <a:ln>
               <a:noFill/>
             </a:ln>
@@ -15083,8 +14461,7 @@
           <a:buSzTx/>
           <a:buFontTx/>
           <a:buNone/>
-          <a:tabLst/>
-          <a:defRPr b="0" baseline="0" cap="none" i="0" spc="0" strike="noStrike" sz="1800" u="none" kumimoji="0" normalizeH="0">
+          <a:defRPr kumimoji="0" sz="1800" b="0" i="0" u="none" strike="noStrike" cap="none" spc="0" normalizeH="0" baseline="0">
             <a:ln>
               <a:noFill/>
             </a:ln>
@@ -15109,8 +14486,7 @@
           <a:buSzTx/>
           <a:buFontTx/>
           <a:buNone/>
-          <a:tabLst/>
-          <a:defRPr b="0" baseline="0" cap="none" i="0" spc="0" strike="noStrike" sz="1800" u="none" kumimoji="0" normalizeH="0">
+          <a:defRPr kumimoji="0" sz="1800" b="0" i="0" u="none" strike="noStrike" cap="none" spc="0" normalizeH="0" baseline="0">
             <a:ln>
               <a:noFill/>
             </a:ln>
@@ -15135,8 +14511,7 @@
           <a:buSzTx/>
           <a:buFontTx/>
           <a:buNone/>
-          <a:tabLst/>
-          <a:defRPr b="0" baseline="0" cap="none" i="0" spc="0" strike="noStrike" sz="1800" u="none" kumimoji="0" normalizeH="0">
+          <a:defRPr kumimoji="0" sz="1800" b="0" i="0" u="none" strike="noStrike" cap="none" spc="0" normalizeH="0" baseline="0">
             <a:ln>
               <a:noFill/>
             </a:ln>
@@ -15161,8 +14536,7 @@
           <a:buSzTx/>
           <a:buFontTx/>
           <a:buNone/>
-          <a:tabLst/>
-          <a:defRPr b="0" baseline="0" cap="none" i="0" spc="0" strike="noStrike" sz="1800" u="none" kumimoji="0" normalizeH="0">
+          <a:defRPr kumimoji="0" sz="1800" b="0" i="0" u="none" strike="noStrike" cap="none" spc="0" normalizeH="0" baseline="0">
             <a:ln>
               <a:noFill/>
             </a:ln>
@@ -15187,8 +14561,7 @@
           <a:buSzTx/>
           <a:buFontTx/>
           <a:buNone/>
-          <a:tabLst/>
-          <a:defRPr b="0" baseline="0" cap="none" i="0" spc="0" strike="noStrike" sz="1800" u="none" kumimoji="0" normalizeH="0">
+          <a:defRPr kumimoji="0" sz="1800" b="0" i="0" u="none" strike="noStrike" cap="none" spc="0" normalizeH="0" baseline="0">
             <a:ln>
               <a:noFill/>
             </a:ln>
@@ -15213,8 +14586,7 @@
           <a:buSzTx/>
           <a:buFontTx/>
           <a:buNone/>
-          <a:tabLst/>
-          <a:defRPr b="0" baseline="0" cap="none" i="0" spc="0" strike="noStrike" sz="1800" u="none" kumimoji="0" normalizeH="0">
+          <a:defRPr kumimoji="0" sz="1800" b="0" i="0" u="none" strike="noStrike" cap="none" spc="0" normalizeH="0" baseline="0">
             <a:ln>
               <a:noFill/>
             </a:ln>
@@ -15239,8 +14611,7 @@
           <a:buSzTx/>
           <a:buFontTx/>
           <a:buNone/>
-          <a:tabLst/>
-          <a:defRPr b="0" baseline="0" cap="none" i="0" spc="0" strike="noStrike" sz="1800" u="none" kumimoji="0" normalizeH="0">
+          <a:defRPr kumimoji="0" sz="1800" b="0" i="0" u="none" strike="noStrike" cap="none" spc="0" normalizeH="0" baseline="0">
             <a:ln>
               <a:noFill/>
             </a:ln>
@@ -15265,8 +14636,7 @@
           <a:buSzTx/>
           <a:buFontTx/>
           <a:buNone/>
-          <a:tabLst/>
-          <a:defRPr b="0" baseline="0" cap="none" i="0" spc="0" strike="noStrike" sz="1800" u="none" kumimoji="0" normalizeH="0">
+          <a:defRPr kumimoji="0" sz="1800" b="0" i="0" u="none" strike="noStrike" cap="none" spc="0" normalizeH="0" baseline="0">
             <a:ln>
               <a:noFill/>
             </a:ln>
@@ -15279,9 +14649,15 @@
         </a:lvl9pPr>
       </a:lstStyle>
       <a:style>
-        <a:lnRef idx="0"/>
-        <a:fillRef idx="0"/>
-        <a:effectRef idx="0"/>
+        <a:lnRef idx="0">
+          <a:srgbClr val="FFFFFF"/>
+        </a:lnRef>
+        <a:fillRef idx="0">
+          <a:srgbClr val="FFFFFF"/>
+        </a:fillRef>
+        <a:effectRef idx="0">
+          <a:srgbClr val="FFFFFF"/>
+        </a:effectRef>
         <a:fontRef idx="none"/>
       </a:style>
     </a:spDef>
@@ -15295,8 +14671,6 @@
           <a:prstDash val="solid"/>
           <a:round/>
         </a:ln>
-        <a:effectLst/>
-        <a:sp3d/>
       </a:spPr>
       <a:bodyPr rot="0" spcFirstLastPara="1" vertOverflow="overflow" horzOverflow="overflow" vert="horz" wrap="square" lIns="91439" tIns="45719" rIns="91439" bIns="45719" numCol="1" spcCol="38100" rtlCol="0" anchor="t" upright="0">
         <a:noAutofit/>
@@ -15316,8 +14690,7 @@
           <a:buSzTx/>
           <a:buFontTx/>
           <a:buNone/>
-          <a:tabLst/>
-          <a:defRPr b="0" baseline="0" cap="none" i="0" spc="0" strike="noStrike" sz="1800" u="none" kumimoji="0" normalizeH="0">
+          <a:defRPr kumimoji="0" sz="1800" b="0" i="0" u="none" strike="noStrike" cap="none" spc="0" normalizeH="0" baseline="0">
             <a:ln>
               <a:noFill/>
             </a:ln>
@@ -15342,8 +14715,7 @@
           <a:buSzTx/>
           <a:buFontTx/>
           <a:buNone/>
-          <a:tabLst/>
-          <a:defRPr b="0" baseline="0" cap="none" i="0" spc="0" strike="noStrike" sz="1800" u="none" kumimoji="0" normalizeH="0">
+          <a:defRPr kumimoji="0" sz="1800" b="0" i="0" u="none" strike="noStrike" cap="none" spc="0" normalizeH="0" baseline="0">
             <a:ln>
               <a:noFill/>
             </a:ln>
@@ -15368,8 +14740,7 @@
           <a:buSzTx/>
           <a:buFontTx/>
           <a:buNone/>
-          <a:tabLst/>
-          <a:defRPr b="0" baseline="0" cap="none" i="0" spc="0" strike="noStrike" sz="1800" u="none" kumimoji="0" normalizeH="0">
+          <a:defRPr kumimoji="0" sz="1800" b="0" i="0" u="none" strike="noStrike" cap="none" spc="0" normalizeH="0" baseline="0">
             <a:ln>
               <a:noFill/>
             </a:ln>
@@ -15394,8 +14765,7 @@
           <a:buSzTx/>
           <a:buFontTx/>
           <a:buNone/>
-          <a:tabLst/>
-          <a:defRPr b="0" baseline="0" cap="none" i="0" spc="0" strike="noStrike" sz="1800" u="none" kumimoji="0" normalizeH="0">
+          <a:defRPr kumimoji="0" sz="1800" b="0" i="0" u="none" strike="noStrike" cap="none" spc="0" normalizeH="0" baseline="0">
             <a:ln>
               <a:noFill/>
             </a:ln>
@@ -15420,8 +14790,7 @@
           <a:buSzTx/>
           <a:buFontTx/>
           <a:buNone/>
-          <a:tabLst/>
-          <a:defRPr b="0" baseline="0" cap="none" i="0" spc="0" strike="noStrike" sz="1800" u="none" kumimoji="0" normalizeH="0">
+          <a:defRPr kumimoji="0" sz="1800" b="0" i="0" u="none" strike="noStrike" cap="none" spc="0" normalizeH="0" baseline="0">
             <a:ln>
               <a:noFill/>
             </a:ln>
@@ -15446,8 +14815,7 @@
           <a:buSzTx/>
           <a:buFontTx/>
           <a:buNone/>
-          <a:tabLst/>
-          <a:defRPr b="0" baseline="0" cap="none" i="0" spc="0" strike="noStrike" sz="1800" u="none" kumimoji="0" normalizeH="0">
+          <a:defRPr kumimoji="0" sz="1800" b="0" i="0" u="none" strike="noStrike" cap="none" spc="0" normalizeH="0" baseline="0">
             <a:ln>
               <a:noFill/>
             </a:ln>
@@ -15472,8 +14840,7 @@
           <a:buSzTx/>
           <a:buFontTx/>
           <a:buNone/>
-          <a:tabLst/>
-          <a:defRPr b="0" baseline="0" cap="none" i="0" spc="0" strike="noStrike" sz="1800" u="none" kumimoji="0" normalizeH="0">
+          <a:defRPr kumimoji="0" sz="1800" b="0" i="0" u="none" strike="noStrike" cap="none" spc="0" normalizeH="0" baseline="0">
             <a:ln>
               <a:noFill/>
             </a:ln>
@@ -15498,8 +14865,7 @@
           <a:buSzTx/>
           <a:buFontTx/>
           <a:buNone/>
-          <a:tabLst/>
-          <a:defRPr b="0" baseline="0" cap="none" i="0" spc="0" strike="noStrike" sz="1800" u="none" kumimoji="0" normalizeH="0">
+          <a:defRPr kumimoji="0" sz="1800" b="0" i="0" u="none" strike="noStrike" cap="none" spc="0" normalizeH="0" baseline="0">
             <a:ln>
               <a:noFill/>
             </a:ln>
@@ -15524,8 +14890,7 @@
           <a:buSzTx/>
           <a:buFontTx/>
           <a:buNone/>
-          <a:tabLst/>
-          <a:defRPr b="0" baseline="0" cap="none" i="0" spc="0" strike="noStrike" sz="1800" u="none" kumimoji="0" normalizeH="0">
+          <a:defRPr kumimoji="0" sz="1800" b="0" i="0" u="none" strike="noStrike" cap="none" spc="0" normalizeH="0" baseline="0">
             <a:ln>
               <a:noFill/>
             </a:ln>
@@ -15550,8 +14915,7 @@
           <a:buSzTx/>
           <a:buFontTx/>
           <a:buNone/>
-          <a:tabLst/>
-          <a:defRPr b="0" baseline="0" cap="none" i="0" spc="0" strike="noStrike" sz="1800" u="none" kumimoji="0" normalizeH="0">
+          <a:defRPr kumimoji="0" sz="1800" b="0" i="0" u="none" strike="noStrike" cap="none" spc="0" normalizeH="0" baseline="0">
             <a:ln>
               <a:noFill/>
             </a:ln>
@@ -15564,9 +14928,15 @@
         </a:lvl9pPr>
       </a:lstStyle>
       <a:style>
-        <a:lnRef idx="0"/>
-        <a:fillRef idx="0"/>
-        <a:effectRef idx="0"/>
+        <a:lnRef idx="0">
+          <a:srgbClr val="FFFFFF"/>
+        </a:lnRef>
+        <a:fillRef idx="0">
+          <a:srgbClr val="FFFFFF"/>
+        </a:fillRef>
+        <a:effectRef idx="0">
+          <a:srgbClr val="FFFFFF"/>
+        </a:effectRef>
         <a:fontRef idx="none"/>
       </a:style>
     </a:lnDef>
@@ -15577,8 +14947,6 @@
           <a:noFill/>
           <a:miter lim="400000"/>
         </a:ln>
-        <a:effectLst/>
-        <a:sp3d/>
       </a:spPr>
       <a:bodyPr rot="0" spcFirstLastPara="1" vertOverflow="overflow" horzOverflow="overflow" vert="horz" wrap="square" lIns="0" tIns="0" rIns="0" bIns="0" numCol="1" spcCol="38100" rtlCol="0" anchor="t" upright="0">
         <a:spAutoFit/>
@@ -15598,8 +14966,7 @@
           <a:buSzTx/>
           <a:buFontTx/>
           <a:buNone/>
-          <a:tabLst/>
-          <a:defRPr b="0" baseline="0" cap="none" i="0" spc="0" strike="noStrike" sz="1800" u="none" kumimoji="0" normalizeH="0">
+          <a:defRPr kumimoji="0" sz="1800" b="0" i="0" u="none" strike="noStrike" cap="none" spc="0" normalizeH="0" baseline="0">
             <a:ln>
               <a:noFill/>
             </a:ln>
@@ -15628,8 +14995,7 @@
           <a:buSzTx/>
           <a:buFontTx/>
           <a:buNone/>
-          <a:tabLst/>
-          <a:defRPr b="0" baseline="0" cap="none" i="0" spc="0" strike="noStrike" sz="1800" u="none" kumimoji="0" normalizeH="0">
+          <a:defRPr kumimoji="0" sz="1800" b="0" i="0" u="none" strike="noStrike" cap="none" spc="0" normalizeH="0" baseline="0">
             <a:ln>
               <a:noFill/>
             </a:ln>
@@ -15654,8 +15020,7 @@
           <a:buSzTx/>
           <a:buFontTx/>
           <a:buNone/>
-          <a:tabLst/>
-          <a:defRPr b="0" baseline="0" cap="none" i="0" spc="0" strike="noStrike" sz="1800" u="none" kumimoji="0" normalizeH="0">
+          <a:defRPr kumimoji="0" sz="1800" b="0" i="0" u="none" strike="noStrike" cap="none" spc="0" normalizeH="0" baseline="0">
             <a:ln>
               <a:noFill/>
             </a:ln>
@@ -15680,8 +15045,7 @@
           <a:buSzTx/>
           <a:buFontTx/>
           <a:buNone/>
-          <a:tabLst/>
-          <a:defRPr b="0" baseline="0" cap="none" i="0" spc="0" strike="noStrike" sz="1800" u="none" kumimoji="0" normalizeH="0">
+          <a:defRPr kumimoji="0" sz="1800" b="0" i="0" u="none" strike="noStrike" cap="none" spc="0" normalizeH="0" baseline="0">
             <a:ln>
               <a:noFill/>
             </a:ln>
@@ -15706,8 +15070,7 @@
           <a:buSzTx/>
           <a:buFontTx/>
           <a:buNone/>
-          <a:tabLst/>
-          <a:defRPr b="0" baseline="0" cap="none" i="0" spc="0" strike="noStrike" sz="1800" u="none" kumimoji="0" normalizeH="0">
+          <a:defRPr kumimoji="0" sz="1800" b="0" i="0" u="none" strike="noStrike" cap="none" spc="0" normalizeH="0" baseline="0">
             <a:ln>
               <a:noFill/>
             </a:ln>
@@ -15732,8 +15095,7 @@
           <a:buSzTx/>
           <a:buFontTx/>
           <a:buNone/>
-          <a:tabLst/>
-          <a:defRPr b="0" baseline="0" cap="none" i="0" spc="0" strike="noStrike" sz="1800" u="none" kumimoji="0" normalizeH="0">
+          <a:defRPr kumimoji="0" sz="1800" b="0" i="0" u="none" strike="noStrike" cap="none" spc="0" normalizeH="0" baseline="0">
             <a:ln>
               <a:noFill/>
             </a:ln>
@@ -15758,8 +15120,7 @@
           <a:buSzTx/>
           <a:buFontTx/>
           <a:buNone/>
-          <a:tabLst/>
-          <a:defRPr b="0" baseline="0" cap="none" i="0" spc="0" strike="noStrike" sz="1800" u="none" kumimoji="0" normalizeH="0">
+          <a:defRPr kumimoji="0" sz="1800" b="0" i="0" u="none" strike="noStrike" cap="none" spc="0" normalizeH="0" baseline="0">
             <a:ln>
               <a:noFill/>
             </a:ln>
@@ -15784,8 +15145,7 @@
           <a:buSzTx/>
           <a:buFontTx/>
           <a:buNone/>
-          <a:tabLst/>
-          <a:defRPr b="0" baseline="0" cap="none" i="0" spc="0" strike="noStrike" sz="1800" u="none" kumimoji="0" normalizeH="0">
+          <a:defRPr kumimoji="0" sz="1800" b="0" i="0" u="none" strike="noStrike" cap="none" spc="0" normalizeH="0" baseline="0">
             <a:ln>
               <a:noFill/>
             </a:ln>
@@ -15810,8 +15170,7 @@
           <a:buSzTx/>
           <a:buFontTx/>
           <a:buNone/>
-          <a:tabLst/>
-          <a:defRPr b="0" baseline="0" cap="none" i="0" spc="0" strike="noStrike" sz="1800" u="none" kumimoji="0" normalizeH="0">
+          <a:defRPr kumimoji="0" sz="1800" b="0" i="0" u="none" strike="noStrike" cap="none" spc="0" normalizeH="0" baseline="0">
             <a:ln>
               <a:noFill/>
             </a:ln>
@@ -15836,8 +15195,7 @@
           <a:buSzTx/>
           <a:buFontTx/>
           <a:buNone/>
-          <a:tabLst/>
-          <a:defRPr b="0" baseline="0" cap="none" i="0" spc="0" strike="noStrike" sz="1800" u="none" kumimoji="0" normalizeH="0">
+          <a:defRPr kumimoji="0" sz="1800" b="0" i="0" u="none" strike="noStrike" cap="none" spc="0" normalizeH="0" baseline="0">
             <a:ln>
               <a:noFill/>
             </a:ln>
@@ -15850,12 +15208,23 @@
         </a:lvl9pPr>
       </a:lstStyle>
       <a:style>
-        <a:lnRef idx="0"/>
-        <a:fillRef idx="0"/>
-        <a:effectRef idx="0"/>
+        <a:lnRef idx="0">
+          <a:srgbClr val="FFFFFF"/>
+        </a:lnRef>
+        <a:fillRef idx="0">
+          <a:srgbClr val="FFFFFF"/>
+        </a:fillRef>
+        <a:effectRef idx="0">
+          <a:srgbClr val="FFFFFF"/>
+        </a:effectRef>
         <a:fontRef idx="none"/>
       </a:style>
     </a:txDef>
   </a:objectDefaults>
+  <a:extLst>
+    <a:ext uri="{05A4C25C-085E-4340-85A3-A5531E510DB2}">
+      <thm15:themeFamily xmlns:thm15="http://schemas.microsoft.com/office/thememl/2012/main" name="Office Theme" id="{62F939B6-93AF-4DB8-9C6B-D6C7DFDC589F}" vid="{4A3C46E8-61CC-4603-A589-7422A47A8E4A}"/>
+    </a:ext>
+  </a:extLst>
 </a:theme>
 </file>